--- a/Medisyn_Case_Study_4_Use_Cases.pptx
+++ b/Medisyn_Case_Study_4_Use_Cases.pptx
@@ -2,19 +2,25 @@
 <file path=ppt/presentation.xml><?xml version="1.0" encoding="utf-8"?>
 <p:presentation xmlns:a="http://schemas.openxmlformats.org/drawingml/2006/main" xmlns:r="http://schemas.openxmlformats.org/officeDocument/2006/relationships" xmlns:p="http://schemas.openxmlformats.org/presentationml/2006/main" saveSubsetFonts="1" autoCompressPictures="0">
   <p:sldMasterIdLst>
-    <p:sldMasterId id="2147483648" r:id="rId1"/>
+    <p:sldMasterId id="2147483660" r:id="rId1"/>
   </p:sldMasterIdLst>
   <p:sldIdLst>
-    <p:sldId id="256" r:id="rId7"/>
-    <p:sldId id="257" r:id="rId8"/>
-    <p:sldId id="258" r:id="rId9"/>
-    <p:sldId id="259" r:id="rId10"/>
-    <p:sldId id="260" r:id="rId11"/>
-    <p:sldId id="261" r:id="rId12"/>
-    <p:sldId id="262" r:id="rId13"/>
+    <p:sldId id="256" r:id="rId2"/>
+    <p:sldId id="257" r:id="rId3"/>
+    <p:sldId id="258" r:id="rId4"/>
+    <p:sldId id="266" r:id="rId5"/>
+    <p:sldId id="259" r:id="rId6"/>
+    <p:sldId id="260" r:id="rId7"/>
+    <p:sldId id="267" r:id="rId8"/>
+    <p:sldId id="261" r:id="rId9"/>
+    <p:sldId id="269" r:id="rId10"/>
+    <p:sldId id="262" r:id="rId11"/>
+    <p:sldId id="270" r:id="rId12"/>
+    <p:sldId id="271" r:id="rId13"/>
     <p:sldId id="263" r:id="rId14"/>
-    <p:sldId id="264" r:id="rId15"/>
-    <p:sldId id="265" r:id="rId16"/>
+    <p:sldId id="272" r:id="rId15"/>
+    <p:sldId id="264" r:id="rId16"/>
+    <p:sldId id="265" r:id="rId17"/>
   </p:sldIdLst>
   <p:sldSz cx="9144000" cy="6858000" type="screen4x3"/>
   <p:notesSz cx="6858000" cy="9144000"/>
@@ -113,11 +119,687 @@
       </a:defRPr>
     </a:lvl9pPr>
   </p:defaultTextStyle>
+  <p:extLst>
+    <p:ext uri="{EFAFB233-063F-42B5-8137-9DF3F51BA10A}">
+      <p15:sldGuideLst xmlns:p15="http://schemas.microsoft.com/office/powerpoint/2012/main">
+        <p15:guide id="1" orient="horz" pos="2160">
+          <p15:clr>
+            <a:srgbClr val="A4A3A4"/>
+          </p15:clr>
+        </p15:guide>
+        <p15:guide id="2" pos="2880">
+          <p15:clr>
+            <a:srgbClr val="A4A3A4"/>
+          </p15:clr>
+        </p15:guide>
+      </p15:sldGuideLst>
+    </p:ext>
+  </p:extLst>
 </p:presentation>
 </file>
 
+<file path=ppt/revisionInfo.xml><?xml version="1.0" encoding="utf-8"?>
+<p1510:revInfo xmlns:a="http://schemas.openxmlformats.org/drawingml/2006/main" xmlns:r="http://schemas.openxmlformats.org/officeDocument/2006/relationships" xmlns:p1510="http://schemas.microsoft.com/office/powerpoint/2015/10/main">
+  <p1510:revLst>
+    <p1510:client id="{EEA6B2F8-1536-499F-BEB9-B1BD01849E53}" v="47" dt="2025-08-28T12:46:26.616"/>
+  </p1510:revLst>
+</p1510:revInfo>
+</file>
+
+<file path=ppt/changesInfos/changesInfo1.xml><?xml version="1.0" encoding="utf-8"?>
+<pc:chgInfo xmlns:a="http://schemas.openxmlformats.org/drawingml/2006/main" xmlns:r="http://schemas.openxmlformats.org/officeDocument/2006/relationships" xmlns:ac="http://schemas.microsoft.com/office/drawing/2013/main/command" xmlns:pc="http://schemas.microsoft.com/office/powerpoint/2013/main/command">
+  <pc:docChgLst>
+    <pc:chgData name="Ankita Sinha" userId="891ca414a1816197" providerId="LiveId" clId="{EEA6B2F8-1536-499F-BEB9-B1BD01849E53}"/>
+    <pc:docChg chg="custSel addSld modSld">
+      <pc:chgData name="Ankita Sinha" userId="891ca414a1816197" providerId="LiveId" clId="{EEA6B2F8-1536-499F-BEB9-B1BD01849E53}" dt="2025-08-27T10:43:11.517" v="760" actId="20577"/>
+      <pc:docMkLst>
+        <pc:docMk/>
+      </pc:docMkLst>
+      <pc:sldChg chg="modSp mod">
+        <pc:chgData name="Ankita Sinha" userId="891ca414a1816197" providerId="LiveId" clId="{EEA6B2F8-1536-499F-BEB9-B1BD01849E53}" dt="2025-08-26T02:31:05.464" v="1"/>
+        <pc:sldMkLst>
+          <pc:docMk/>
+          <pc:sldMk cId="0" sldId="256"/>
+        </pc:sldMkLst>
+        <pc:spChg chg="mod">
+          <ac:chgData name="Ankita Sinha" userId="891ca414a1816197" providerId="LiveId" clId="{EEA6B2F8-1536-499F-BEB9-B1BD01849E53}" dt="2025-08-26T02:31:05.464" v="1"/>
+          <ac:spMkLst>
+            <pc:docMk/>
+            <pc:sldMk cId="0" sldId="256"/>
+            <ac:spMk id="2" creationId="{00000000-0000-0000-0000-000000000000}"/>
+          </ac:spMkLst>
+        </pc:spChg>
+        <pc:spChg chg="mod">
+          <ac:chgData name="Ankita Sinha" userId="891ca414a1816197" providerId="LiveId" clId="{EEA6B2F8-1536-499F-BEB9-B1BD01849E53}" dt="2025-08-26T02:31:05.464" v="1"/>
+          <ac:spMkLst>
+            <pc:docMk/>
+            <pc:sldMk cId="0" sldId="256"/>
+            <ac:spMk id="3" creationId="{00000000-0000-0000-0000-000000000000}"/>
+          </ac:spMkLst>
+        </pc:spChg>
+      </pc:sldChg>
+      <pc:sldChg chg="modSp">
+        <pc:chgData name="Ankita Sinha" userId="891ca414a1816197" providerId="LiveId" clId="{EEA6B2F8-1536-499F-BEB9-B1BD01849E53}" dt="2025-08-26T02:31:05.464" v="1"/>
+        <pc:sldMkLst>
+          <pc:docMk/>
+          <pc:sldMk cId="0" sldId="257"/>
+        </pc:sldMkLst>
+        <pc:spChg chg="mod">
+          <ac:chgData name="Ankita Sinha" userId="891ca414a1816197" providerId="LiveId" clId="{EEA6B2F8-1536-499F-BEB9-B1BD01849E53}" dt="2025-08-26T02:31:05.464" v="1"/>
+          <ac:spMkLst>
+            <pc:docMk/>
+            <pc:sldMk cId="0" sldId="257"/>
+            <ac:spMk id="2" creationId="{00000000-0000-0000-0000-000000000000}"/>
+          </ac:spMkLst>
+        </pc:spChg>
+        <pc:spChg chg="mod">
+          <ac:chgData name="Ankita Sinha" userId="891ca414a1816197" providerId="LiveId" clId="{EEA6B2F8-1536-499F-BEB9-B1BD01849E53}" dt="2025-08-26T02:31:05.464" v="1"/>
+          <ac:spMkLst>
+            <pc:docMk/>
+            <pc:sldMk cId="0" sldId="257"/>
+            <ac:spMk id="3" creationId="{00000000-0000-0000-0000-000000000000}"/>
+          </ac:spMkLst>
+        </pc:spChg>
+      </pc:sldChg>
+      <pc:sldChg chg="modSp mod">
+        <pc:chgData name="Ankita Sinha" userId="891ca414a1816197" providerId="LiveId" clId="{EEA6B2F8-1536-499F-BEB9-B1BD01849E53}" dt="2025-08-27T09:48:37.603" v="506" actId="20577"/>
+        <pc:sldMkLst>
+          <pc:docMk/>
+          <pc:sldMk cId="0" sldId="258"/>
+        </pc:sldMkLst>
+        <pc:spChg chg="mod">
+          <ac:chgData name="Ankita Sinha" userId="891ca414a1816197" providerId="LiveId" clId="{EEA6B2F8-1536-499F-BEB9-B1BD01849E53}" dt="2025-08-26T02:31:05.464" v="1"/>
+          <ac:spMkLst>
+            <pc:docMk/>
+            <pc:sldMk cId="0" sldId="258"/>
+            <ac:spMk id="2" creationId="{00000000-0000-0000-0000-000000000000}"/>
+          </ac:spMkLst>
+        </pc:spChg>
+        <pc:spChg chg="mod">
+          <ac:chgData name="Ankita Sinha" userId="891ca414a1816197" providerId="LiveId" clId="{EEA6B2F8-1536-499F-BEB9-B1BD01849E53}" dt="2025-08-27T09:48:37.603" v="506" actId="20577"/>
+          <ac:spMkLst>
+            <pc:docMk/>
+            <pc:sldMk cId="0" sldId="258"/>
+            <ac:spMk id="3" creationId="{00000000-0000-0000-0000-000000000000}"/>
+          </ac:spMkLst>
+        </pc:spChg>
+      </pc:sldChg>
+      <pc:sldChg chg="modSp mod">
+        <pc:chgData name="Ankita Sinha" userId="891ca414a1816197" providerId="LiveId" clId="{EEA6B2F8-1536-499F-BEB9-B1BD01849E53}" dt="2025-08-27T04:48:31.361" v="113" actId="27636"/>
+        <pc:sldMkLst>
+          <pc:docMk/>
+          <pc:sldMk cId="0" sldId="259"/>
+        </pc:sldMkLst>
+        <pc:spChg chg="mod">
+          <ac:chgData name="Ankita Sinha" userId="891ca414a1816197" providerId="LiveId" clId="{EEA6B2F8-1536-499F-BEB9-B1BD01849E53}" dt="2025-08-26T02:31:05.464" v="1"/>
+          <ac:spMkLst>
+            <pc:docMk/>
+            <pc:sldMk cId="0" sldId="259"/>
+            <ac:spMk id="2" creationId="{00000000-0000-0000-0000-000000000000}"/>
+          </ac:spMkLst>
+        </pc:spChg>
+        <pc:spChg chg="mod">
+          <ac:chgData name="Ankita Sinha" userId="891ca414a1816197" providerId="LiveId" clId="{EEA6B2F8-1536-499F-BEB9-B1BD01849E53}" dt="2025-08-27T04:48:31.361" v="113" actId="27636"/>
+          <ac:spMkLst>
+            <pc:docMk/>
+            <pc:sldMk cId="0" sldId="259"/>
+            <ac:spMk id="3" creationId="{00000000-0000-0000-0000-000000000000}"/>
+          </ac:spMkLst>
+        </pc:spChg>
+      </pc:sldChg>
+      <pc:sldChg chg="modSp mod">
+        <pc:chgData name="Ankita Sinha" userId="891ca414a1816197" providerId="LiveId" clId="{EEA6B2F8-1536-499F-BEB9-B1BD01849E53}" dt="2025-08-27T10:16:50.704" v="544" actId="20577"/>
+        <pc:sldMkLst>
+          <pc:docMk/>
+          <pc:sldMk cId="0" sldId="260"/>
+        </pc:sldMkLst>
+        <pc:spChg chg="mod">
+          <ac:chgData name="Ankita Sinha" userId="891ca414a1816197" providerId="LiveId" clId="{EEA6B2F8-1536-499F-BEB9-B1BD01849E53}" dt="2025-08-26T02:31:05.464" v="1"/>
+          <ac:spMkLst>
+            <pc:docMk/>
+            <pc:sldMk cId="0" sldId="260"/>
+            <ac:spMk id="2" creationId="{00000000-0000-0000-0000-000000000000}"/>
+          </ac:spMkLst>
+        </pc:spChg>
+        <pc:spChg chg="mod">
+          <ac:chgData name="Ankita Sinha" userId="891ca414a1816197" providerId="LiveId" clId="{EEA6B2F8-1536-499F-BEB9-B1BD01849E53}" dt="2025-08-27T10:16:50.704" v="544" actId="20577"/>
+          <ac:spMkLst>
+            <pc:docMk/>
+            <pc:sldMk cId="0" sldId="260"/>
+            <ac:spMk id="3" creationId="{00000000-0000-0000-0000-000000000000}"/>
+          </ac:spMkLst>
+        </pc:spChg>
+      </pc:sldChg>
+      <pc:sldChg chg="modSp mod">
+        <pc:chgData name="Ankita Sinha" userId="891ca414a1816197" providerId="LiveId" clId="{EEA6B2F8-1536-499F-BEB9-B1BD01849E53}" dt="2025-08-27T10:43:11.517" v="760" actId="20577"/>
+        <pc:sldMkLst>
+          <pc:docMk/>
+          <pc:sldMk cId="0" sldId="261"/>
+        </pc:sldMkLst>
+        <pc:spChg chg="mod">
+          <ac:chgData name="Ankita Sinha" userId="891ca414a1816197" providerId="LiveId" clId="{EEA6B2F8-1536-499F-BEB9-B1BD01849E53}" dt="2025-08-26T02:31:05.464" v="1"/>
+          <ac:spMkLst>
+            <pc:docMk/>
+            <pc:sldMk cId="0" sldId="261"/>
+            <ac:spMk id="2" creationId="{00000000-0000-0000-0000-000000000000}"/>
+          </ac:spMkLst>
+        </pc:spChg>
+        <pc:spChg chg="mod">
+          <ac:chgData name="Ankita Sinha" userId="891ca414a1816197" providerId="LiveId" clId="{EEA6B2F8-1536-499F-BEB9-B1BD01849E53}" dt="2025-08-27T10:43:11.517" v="760" actId="20577"/>
+          <ac:spMkLst>
+            <pc:docMk/>
+            <pc:sldMk cId="0" sldId="261"/>
+            <ac:spMk id="3" creationId="{00000000-0000-0000-0000-000000000000}"/>
+          </ac:spMkLst>
+        </pc:spChg>
+      </pc:sldChg>
+      <pc:sldChg chg="modSp mod">
+        <pc:chgData name="Ankita Sinha" userId="891ca414a1816197" providerId="LiveId" clId="{EEA6B2F8-1536-499F-BEB9-B1BD01849E53}" dt="2025-08-27T05:18:03.578" v="248" actId="20577"/>
+        <pc:sldMkLst>
+          <pc:docMk/>
+          <pc:sldMk cId="0" sldId="262"/>
+        </pc:sldMkLst>
+        <pc:spChg chg="mod">
+          <ac:chgData name="Ankita Sinha" userId="891ca414a1816197" providerId="LiveId" clId="{EEA6B2F8-1536-499F-BEB9-B1BD01849E53}" dt="2025-08-26T02:31:05.464" v="1"/>
+          <ac:spMkLst>
+            <pc:docMk/>
+            <pc:sldMk cId="0" sldId="262"/>
+            <ac:spMk id="2" creationId="{00000000-0000-0000-0000-000000000000}"/>
+          </ac:spMkLst>
+        </pc:spChg>
+        <pc:spChg chg="mod">
+          <ac:chgData name="Ankita Sinha" userId="891ca414a1816197" providerId="LiveId" clId="{EEA6B2F8-1536-499F-BEB9-B1BD01849E53}" dt="2025-08-27T05:18:03.578" v="248" actId="20577"/>
+          <ac:spMkLst>
+            <pc:docMk/>
+            <pc:sldMk cId="0" sldId="262"/>
+            <ac:spMk id="3" creationId="{00000000-0000-0000-0000-000000000000}"/>
+          </ac:spMkLst>
+        </pc:spChg>
+      </pc:sldChg>
+      <pc:sldChg chg="modSp mod">
+        <pc:chgData name="Ankita Sinha" userId="891ca414a1816197" providerId="LiveId" clId="{EEA6B2F8-1536-499F-BEB9-B1BD01849E53}" dt="2025-08-26T02:31:05.714" v="6" actId="27636"/>
+        <pc:sldMkLst>
+          <pc:docMk/>
+          <pc:sldMk cId="0" sldId="263"/>
+        </pc:sldMkLst>
+        <pc:spChg chg="mod">
+          <ac:chgData name="Ankita Sinha" userId="891ca414a1816197" providerId="LiveId" clId="{EEA6B2F8-1536-499F-BEB9-B1BD01849E53}" dt="2025-08-26T02:31:05.464" v="1"/>
+          <ac:spMkLst>
+            <pc:docMk/>
+            <pc:sldMk cId="0" sldId="263"/>
+            <ac:spMk id="2" creationId="{00000000-0000-0000-0000-000000000000}"/>
+          </ac:spMkLst>
+        </pc:spChg>
+        <pc:spChg chg="mod">
+          <ac:chgData name="Ankita Sinha" userId="891ca414a1816197" providerId="LiveId" clId="{EEA6B2F8-1536-499F-BEB9-B1BD01849E53}" dt="2025-08-26T02:31:05.714" v="6" actId="27636"/>
+          <ac:spMkLst>
+            <pc:docMk/>
+            <pc:sldMk cId="0" sldId="263"/>
+            <ac:spMk id="3" creationId="{00000000-0000-0000-0000-000000000000}"/>
+          </ac:spMkLst>
+        </pc:spChg>
+      </pc:sldChg>
+      <pc:sldChg chg="modSp mod">
+        <pc:chgData name="Ankita Sinha" userId="891ca414a1816197" providerId="LiveId" clId="{EEA6B2F8-1536-499F-BEB9-B1BD01849E53}" dt="2025-08-27T05:00:41.341" v="115" actId="20577"/>
+        <pc:sldMkLst>
+          <pc:docMk/>
+          <pc:sldMk cId="0" sldId="264"/>
+        </pc:sldMkLst>
+        <pc:spChg chg="mod">
+          <ac:chgData name="Ankita Sinha" userId="891ca414a1816197" providerId="LiveId" clId="{EEA6B2F8-1536-499F-BEB9-B1BD01849E53}" dt="2025-08-26T02:31:05.464" v="1"/>
+          <ac:spMkLst>
+            <pc:docMk/>
+            <pc:sldMk cId="0" sldId="264"/>
+            <ac:spMk id="2" creationId="{00000000-0000-0000-0000-000000000000}"/>
+          </ac:spMkLst>
+        </pc:spChg>
+        <pc:spChg chg="mod">
+          <ac:chgData name="Ankita Sinha" userId="891ca414a1816197" providerId="LiveId" clId="{EEA6B2F8-1536-499F-BEB9-B1BD01849E53}" dt="2025-08-27T05:00:41.341" v="115" actId="20577"/>
+          <ac:spMkLst>
+            <pc:docMk/>
+            <pc:sldMk cId="0" sldId="264"/>
+            <ac:spMk id="3" creationId="{00000000-0000-0000-0000-000000000000}"/>
+          </ac:spMkLst>
+        </pc:spChg>
+      </pc:sldChg>
+      <pc:sldChg chg="modSp mod">
+        <pc:chgData name="Ankita Sinha" userId="891ca414a1816197" providerId="LiveId" clId="{EEA6B2F8-1536-499F-BEB9-B1BD01849E53}" dt="2025-08-27T05:03:51.323" v="186" actId="20577"/>
+        <pc:sldMkLst>
+          <pc:docMk/>
+          <pc:sldMk cId="0" sldId="265"/>
+        </pc:sldMkLst>
+        <pc:spChg chg="mod">
+          <ac:chgData name="Ankita Sinha" userId="891ca414a1816197" providerId="LiveId" clId="{EEA6B2F8-1536-499F-BEB9-B1BD01849E53}" dt="2025-08-26T02:31:05.464" v="1"/>
+          <ac:spMkLst>
+            <pc:docMk/>
+            <pc:sldMk cId="0" sldId="265"/>
+            <ac:spMk id="2" creationId="{00000000-0000-0000-0000-000000000000}"/>
+          </ac:spMkLst>
+        </pc:spChg>
+        <pc:spChg chg="mod">
+          <ac:chgData name="Ankita Sinha" userId="891ca414a1816197" providerId="LiveId" clId="{EEA6B2F8-1536-499F-BEB9-B1BD01849E53}" dt="2025-08-27T05:03:51.323" v="186" actId="20577"/>
+          <ac:spMkLst>
+            <pc:docMk/>
+            <pc:sldMk cId="0" sldId="265"/>
+            <ac:spMk id="3" creationId="{00000000-0000-0000-0000-000000000000}"/>
+          </ac:spMkLst>
+        </pc:spChg>
+      </pc:sldChg>
+      <pc:sldChg chg="addSp delSp modSp add mod">
+        <pc:chgData name="Ankita Sinha" userId="891ca414a1816197" providerId="LiveId" clId="{EEA6B2F8-1536-499F-BEB9-B1BD01849E53}" dt="2025-08-27T09:42:41.454" v="311" actId="20577"/>
+        <pc:sldMkLst>
+          <pc:docMk/>
+          <pc:sldMk cId="579388296" sldId="266"/>
+        </pc:sldMkLst>
+        <pc:spChg chg="mod">
+          <ac:chgData name="Ankita Sinha" userId="891ca414a1816197" providerId="LiveId" clId="{EEA6B2F8-1536-499F-BEB9-B1BD01849E53}" dt="2025-08-27T09:42:41.454" v="311" actId="20577"/>
+          <ac:spMkLst>
+            <pc:docMk/>
+            <pc:sldMk cId="579388296" sldId="266"/>
+            <ac:spMk id="2" creationId="{F5A3650F-91F2-1C1C-9814-89CE8551712E}"/>
+          </ac:spMkLst>
+        </pc:spChg>
+        <pc:picChg chg="add mod ord">
+          <ac:chgData name="Ankita Sinha" userId="891ca414a1816197" providerId="LiveId" clId="{EEA6B2F8-1536-499F-BEB9-B1BD01849E53}" dt="2025-08-27T09:39:13.071" v="263" actId="14100"/>
+          <ac:picMkLst>
+            <pc:docMk/>
+            <pc:sldMk cId="579388296" sldId="266"/>
+            <ac:picMk id="5" creationId="{F9AC23B2-BDE4-A5FC-B728-A8E4B5A0114F}"/>
+          </ac:picMkLst>
+        </pc:picChg>
+        <pc:picChg chg="add mod">
+          <ac:chgData name="Ankita Sinha" userId="891ca414a1816197" providerId="LiveId" clId="{EEA6B2F8-1536-499F-BEB9-B1BD01849E53}" dt="2025-08-27T09:39:18.573" v="264" actId="14100"/>
+          <ac:picMkLst>
+            <pc:docMk/>
+            <pc:sldMk cId="579388296" sldId="266"/>
+            <ac:picMk id="7" creationId="{2BC0A9AD-4B5E-219A-B9B5-42C0AF34CD94}"/>
+          </ac:picMkLst>
+        </pc:picChg>
+        <pc:picChg chg="add mod">
+          <ac:chgData name="Ankita Sinha" userId="891ca414a1816197" providerId="LiveId" clId="{EEA6B2F8-1536-499F-BEB9-B1BD01849E53}" dt="2025-08-27T09:39:10.288" v="262" actId="1076"/>
+          <ac:picMkLst>
+            <pc:docMk/>
+            <pc:sldMk cId="579388296" sldId="266"/>
+            <ac:picMk id="9" creationId="{810E3735-4C7A-5811-3FAC-6B9851CE4ADC}"/>
+          </ac:picMkLst>
+        </pc:picChg>
+        <pc:picChg chg="add mod">
+          <ac:chgData name="Ankita Sinha" userId="891ca414a1816197" providerId="LiveId" clId="{EEA6B2F8-1536-499F-BEB9-B1BD01849E53}" dt="2025-08-27T09:42:26.838" v="281" actId="1036"/>
+          <ac:picMkLst>
+            <pc:docMk/>
+            <pc:sldMk cId="579388296" sldId="266"/>
+            <ac:picMk id="13" creationId="{686D240C-46AE-3331-76F0-65D89D21B22E}"/>
+          </ac:picMkLst>
+        </pc:picChg>
+      </pc:sldChg>
+      <pc:sldChg chg="addSp modSp add mod">
+        <pc:chgData name="Ankita Sinha" userId="891ca414a1816197" providerId="LiveId" clId="{EEA6B2F8-1536-499F-BEB9-B1BD01849E53}" dt="2025-08-27T10:20:30.971" v="642" actId="20577"/>
+        <pc:sldMkLst>
+          <pc:docMk/>
+          <pc:sldMk cId="1995851674" sldId="267"/>
+        </pc:sldMkLst>
+        <pc:spChg chg="mod">
+          <ac:chgData name="Ankita Sinha" userId="891ca414a1816197" providerId="LiveId" clId="{EEA6B2F8-1536-499F-BEB9-B1BD01849E53}" dt="2025-08-27T10:17:58.377" v="594" actId="20577"/>
+          <ac:spMkLst>
+            <pc:docMk/>
+            <pc:sldMk cId="1995851674" sldId="267"/>
+            <ac:spMk id="2" creationId="{CC381FE4-6BEC-01D1-20A5-D09CD79B3E41}"/>
+          </ac:spMkLst>
+        </pc:spChg>
+        <pc:spChg chg="mod">
+          <ac:chgData name="Ankita Sinha" userId="891ca414a1816197" providerId="LiveId" clId="{EEA6B2F8-1536-499F-BEB9-B1BD01849E53}" dt="2025-08-27T10:20:30.971" v="642" actId="20577"/>
+          <ac:spMkLst>
+            <pc:docMk/>
+            <pc:sldMk cId="1995851674" sldId="267"/>
+            <ac:spMk id="3" creationId="{DF2119AD-2663-8EF6-4F63-D42012114F4C}"/>
+          </ac:spMkLst>
+        </pc:spChg>
+        <pc:picChg chg="add mod">
+          <ac:chgData name="Ankita Sinha" userId="891ca414a1816197" providerId="LiveId" clId="{EEA6B2F8-1536-499F-BEB9-B1BD01849E53}" dt="2025-08-27T10:18:43.404" v="601" actId="1076"/>
+          <ac:picMkLst>
+            <pc:docMk/>
+            <pc:sldMk cId="1995851674" sldId="267"/>
+            <ac:picMk id="5" creationId="{C7169298-654B-3FC8-79F1-87828899B825}"/>
+          </ac:picMkLst>
+        </pc:picChg>
+      </pc:sldChg>
+    </pc:docChg>
+  </pc:docChgLst>
+  <pc:docChgLst>
+    <pc:chgData name="Ankita Sinha" userId="891ca414a1816197" providerId="LiveId" clId="{7CBDB72B-E735-49AA-BE63-163C845D4153}"/>
+    <pc:docChg chg="undo custSel addSld delSld modSld">
+      <pc:chgData name="Ankita Sinha" userId="891ca414a1816197" providerId="LiveId" clId="{7CBDB72B-E735-49AA-BE63-163C845D4153}" dt="2025-08-29T09:17:12.081" v="1651" actId="20577"/>
+      <pc:docMkLst>
+        <pc:docMk/>
+      </pc:docMkLst>
+      <pc:sldChg chg="modSp mod">
+        <pc:chgData name="Ankita Sinha" userId="891ca414a1816197" providerId="LiveId" clId="{7CBDB72B-E735-49AA-BE63-163C845D4153}" dt="2025-08-29T09:17:12.081" v="1651" actId="20577"/>
+        <pc:sldMkLst>
+          <pc:docMk/>
+          <pc:sldMk cId="0" sldId="256"/>
+        </pc:sldMkLst>
+        <pc:spChg chg="mod">
+          <ac:chgData name="Ankita Sinha" userId="891ca414a1816197" providerId="LiveId" clId="{7CBDB72B-E735-49AA-BE63-163C845D4153}" dt="2025-08-29T09:17:12.081" v="1651" actId="20577"/>
+          <ac:spMkLst>
+            <pc:docMk/>
+            <pc:sldMk cId="0" sldId="256"/>
+            <ac:spMk id="3" creationId="{00000000-0000-0000-0000-000000000000}"/>
+          </ac:spMkLst>
+        </pc:spChg>
+      </pc:sldChg>
+      <pc:sldChg chg="modSp mod">
+        <pc:chgData name="Ankita Sinha" userId="891ca414a1816197" providerId="LiveId" clId="{7CBDB72B-E735-49AA-BE63-163C845D4153}" dt="2025-08-27T15:57:32.832" v="1160" actId="20577"/>
+        <pc:sldMkLst>
+          <pc:docMk/>
+          <pc:sldMk cId="0" sldId="257"/>
+        </pc:sldMkLst>
+        <pc:spChg chg="mod">
+          <ac:chgData name="Ankita Sinha" userId="891ca414a1816197" providerId="LiveId" clId="{7CBDB72B-E735-49AA-BE63-163C845D4153}" dt="2025-08-27T15:57:32.832" v="1160" actId="20577"/>
+          <ac:spMkLst>
+            <pc:docMk/>
+            <pc:sldMk cId="0" sldId="257"/>
+            <ac:spMk id="3" creationId="{00000000-0000-0000-0000-000000000000}"/>
+          </ac:spMkLst>
+        </pc:spChg>
+      </pc:sldChg>
+      <pc:sldChg chg="modSp mod">
+        <pc:chgData name="Ankita Sinha" userId="891ca414a1816197" providerId="LiveId" clId="{7CBDB72B-E735-49AA-BE63-163C845D4153}" dt="2025-08-27T15:57:53.731" v="1166" actId="20577"/>
+        <pc:sldMkLst>
+          <pc:docMk/>
+          <pc:sldMk cId="0" sldId="258"/>
+        </pc:sldMkLst>
+        <pc:spChg chg="mod">
+          <ac:chgData name="Ankita Sinha" userId="891ca414a1816197" providerId="LiveId" clId="{7CBDB72B-E735-49AA-BE63-163C845D4153}" dt="2025-08-27T15:57:53.731" v="1166" actId="20577"/>
+          <ac:spMkLst>
+            <pc:docMk/>
+            <pc:sldMk cId="0" sldId="258"/>
+            <ac:spMk id="3" creationId="{00000000-0000-0000-0000-000000000000}"/>
+          </ac:spMkLst>
+        </pc:spChg>
+      </pc:sldChg>
+      <pc:sldChg chg="modSp mod">
+        <pc:chgData name="Ankita Sinha" userId="891ca414a1816197" providerId="LiveId" clId="{7CBDB72B-E735-49AA-BE63-163C845D4153}" dt="2025-08-27T15:49:41.048" v="1030" actId="20577"/>
+        <pc:sldMkLst>
+          <pc:docMk/>
+          <pc:sldMk cId="0" sldId="259"/>
+        </pc:sldMkLst>
+        <pc:spChg chg="mod">
+          <ac:chgData name="Ankita Sinha" userId="891ca414a1816197" providerId="LiveId" clId="{7CBDB72B-E735-49AA-BE63-163C845D4153}" dt="2025-08-27T15:49:41.048" v="1030" actId="20577"/>
+          <ac:spMkLst>
+            <pc:docMk/>
+            <pc:sldMk cId="0" sldId="259"/>
+            <ac:spMk id="3" creationId="{00000000-0000-0000-0000-000000000000}"/>
+          </ac:spMkLst>
+        </pc:spChg>
+      </pc:sldChg>
+      <pc:sldChg chg="modSp mod">
+        <pc:chgData name="Ankita Sinha" userId="891ca414a1816197" providerId="LiveId" clId="{7CBDB72B-E735-49AA-BE63-163C845D4153}" dt="2025-08-27T15:18:24.837" v="502" actId="20577"/>
+        <pc:sldMkLst>
+          <pc:docMk/>
+          <pc:sldMk cId="0" sldId="261"/>
+        </pc:sldMkLst>
+        <pc:spChg chg="mod">
+          <ac:chgData name="Ankita Sinha" userId="891ca414a1816197" providerId="LiveId" clId="{7CBDB72B-E735-49AA-BE63-163C845D4153}" dt="2025-08-27T15:18:24.837" v="502" actId="20577"/>
+          <ac:spMkLst>
+            <pc:docMk/>
+            <pc:sldMk cId="0" sldId="261"/>
+            <ac:spMk id="3" creationId="{00000000-0000-0000-0000-000000000000}"/>
+          </ac:spMkLst>
+        </pc:spChg>
+      </pc:sldChg>
+      <pc:sldChg chg="modSp mod">
+        <pc:chgData name="Ankita Sinha" userId="891ca414a1816197" providerId="LiveId" clId="{7CBDB72B-E735-49AA-BE63-163C845D4153}" dt="2025-08-27T15:37:29.302" v="910" actId="20577"/>
+        <pc:sldMkLst>
+          <pc:docMk/>
+          <pc:sldMk cId="0" sldId="262"/>
+        </pc:sldMkLst>
+        <pc:spChg chg="mod">
+          <ac:chgData name="Ankita Sinha" userId="891ca414a1816197" providerId="LiveId" clId="{7CBDB72B-E735-49AA-BE63-163C845D4153}" dt="2025-08-27T15:37:29.302" v="910" actId="20577"/>
+          <ac:spMkLst>
+            <pc:docMk/>
+            <pc:sldMk cId="0" sldId="262"/>
+            <ac:spMk id="3" creationId="{00000000-0000-0000-0000-000000000000}"/>
+          </ac:spMkLst>
+        </pc:spChg>
+      </pc:sldChg>
+      <pc:sldChg chg="addSp delSp modSp mod">
+        <pc:chgData name="Ankita Sinha" userId="891ca414a1816197" providerId="LiveId" clId="{7CBDB72B-E735-49AA-BE63-163C845D4153}" dt="2025-08-28T12:51:09.794" v="1572" actId="20577"/>
+        <pc:sldMkLst>
+          <pc:docMk/>
+          <pc:sldMk cId="0" sldId="263"/>
+        </pc:sldMkLst>
+        <pc:spChg chg="mod">
+          <ac:chgData name="Ankita Sinha" userId="891ca414a1816197" providerId="LiveId" clId="{7CBDB72B-E735-49AA-BE63-163C845D4153}" dt="2025-08-28T12:51:09.794" v="1572" actId="20577"/>
+          <ac:spMkLst>
+            <pc:docMk/>
+            <pc:sldMk cId="0" sldId="263"/>
+            <ac:spMk id="3" creationId="{00000000-0000-0000-0000-000000000000}"/>
+          </ac:spMkLst>
+        </pc:spChg>
+        <pc:spChg chg="add">
+          <ac:chgData name="Ankita Sinha" userId="891ca414a1816197" providerId="LiveId" clId="{7CBDB72B-E735-49AA-BE63-163C845D4153}" dt="2025-08-28T12:39:01.964" v="1183"/>
+          <ac:spMkLst>
+            <pc:docMk/>
+            <pc:sldMk cId="0" sldId="263"/>
+            <ac:spMk id="4" creationId="{CFB3C9DC-7C59-5E81-FB30-451597E262E4}"/>
+          </ac:spMkLst>
+        </pc:spChg>
+        <pc:spChg chg="add mod">
+          <ac:chgData name="Ankita Sinha" userId="891ca414a1816197" providerId="LiveId" clId="{7CBDB72B-E735-49AA-BE63-163C845D4153}" dt="2025-08-28T12:39:05.946" v="1185"/>
+          <ac:spMkLst>
+            <pc:docMk/>
+            <pc:sldMk cId="0" sldId="263"/>
+            <ac:spMk id="5" creationId="{02B84643-BD6A-5188-A2B2-4FF8DF284816}"/>
+          </ac:spMkLst>
+        </pc:spChg>
+        <pc:spChg chg="add">
+          <ac:chgData name="Ankita Sinha" userId="891ca414a1816197" providerId="LiveId" clId="{7CBDB72B-E735-49AA-BE63-163C845D4153}" dt="2025-08-28T12:39:11.153" v="1188"/>
+          <ac:spMkLst>
+            <pc:docMk/>
+            <pc:sldMk cId="0" sldId="263"/>
+            <ac:spMk id="6" creationId="{367ADD8D-9527-FB9E-55CE-6CF9F42D3101}"/>
+          </ac:spMkLst>
+        </pc:spChg>
+        <pc:picChg chg="add del mod">
+          <ac:chgData name="Ankita Sinha" userId="891ca414a1816197" providerId="LiveId" clId="{7CBDB72B-E735-49AA-BE63-163C845D4153}" dt="2025-08-28T12:41:53.365" v="1239" actId="478"/>
+          <ac:picMkLst>
+            <pc:docMk/>
+            <pc:sldMk cId="0" sldId="263"/>
+            <ac:picMk id="8" creationId="{ABEAE8A6-FA40-7A33-B5BA-02519EE71D16}"/>
+          </ac:picMkLst>
+        </pc:picChg>
+      </pc:sldChg>
+      <pc:sldChg chg="modSp mod">
+        <pc:chgData name="Ankita Sinha" userId="891ca414a1816197" providerId="LiveId" clId="{7CBDB72B-E735-49AA-BE63-163C845D4153}" dt="2025-08-28T12:52:03.059" v="1602" actId="20577"/>
+        <pc:sldMkLst>
+          <pc:docMk/>
+          <pc:sldMk cId="0" sldId="264"/>
+        </pc:sldMkLst>
+        <pc:spChg chg="mod">
+          <ac:chgData name="Ankita Sinha" userId="891ca414a1816197" providerId="LiveId" clId="{7CBDB72B-E735-49AA-BE63-163C845D4153}" dt="2025-08-28T12:52:03.059" v="1602" actId="20577"/>
+          <ac:spMkLst>
+            <pc:docMk/>
+            <pc:sldMk cId="0" sldId="264"/>
+            <ac:spMk id="3" creationId="{00000000-0000-0000-0000-000000000000}"/>
+          </ac:spMkLst>
+        </pc:spChg>
+      </pc:sldChg>
+      <pc:sldChg chg="modSp mod">
+        <pc:chgData name="Ankita Sinha" userId="891ca414a1816197" providerId="LiveId" clId="{7CBDB72B-E735-49AA-BE63-163C845D4153}" dt="2025-08-27T15:56:46.865" v="1151" actId="20577"/>
+        <pc:sldMkLst>
+          <pc:docMk/>
+          <pc:sldMk cId="0" sldId="265"/>
+        </pc:sldMkLst>
+        <pc:spChg chg="mod">
+          <ac:chgData name="Ankita Sinha" userId="891ca414a1816197" providerId="LiveId" clId="{7CBDB72B-E735-49AA-BE63-163C845D4153}" dt="2025-08-27T15:56:46.865" v="1151" actId="20577"/>
+          <ac:spMkLst>
+            <pc:docMk/>
+            <pc:sldMk cId="0" sldId="265"/>
+            <ac:spMk id="3" creationId="{00000000-0000-0000-0000-000000000000}"/>
+          </ac:spMkLst>
+        </pc:spChg>
+      </pc:sldChg>
+      <pc:sldChg chg="modSp mod">
+        <pc:chgData name="Ankita Sinha" userId="891ca414a1816197" providerId="LiveId" clId="{7CBDB72B-E735-49AA-BE63-163C845D4153}" dt="2025-08-27T15:49:13.691" v="1021" actId="1076"/>
+        <pc:sldMkLst>
+          <pc:docMk/>
+          <pc:sldMk cId="579388296" sldId="266"/>
+        </pc:sldMkLst>
+        <pc:picChg chg="mod">
+          <ac:chgData name="Ankita Sinha" userId="891ca414a1816197" providerId="LiveId" clId="{7CBDB72B-E735-49AA-BE63-163C845D4153}" dt="2025-08-27T15:49:10.146" v="1020" actId="1076"/>
+          <ac:picMkLst>
+            <pc:docMk/>
+            <pc:sldMk cId="579388296" sldId="266"/>
+            <ac:picMk id="9" creationId="{810E3735-4C7A-5811-3FAC-6B9851CE4ADC}"/>
+          </ac:picMkLst>
+        </pc:picChg>
+        <pc:picChg chg="mod">
+          <ac:chgData name="Ankita Sinha" userId="891ca414a1816197" providerId="LiveId" clId="{7CBDB72B-E735-49AA-BE63-163C845D4153}" dt="2025-08-27T15:49:13.691" v="1021" actId="1076"/>
+          <ac:picMkLst>
+            <pc:docMk/>
+            <pc:sldMk cId="579388296" sldId="266"/>
+            <ac:picMk id="13" creationId="{686D240C-46AE-3331-76F0-65D89D21B22E}"/>
+          </ac:picMkLst>
+        </pc:picChg>
+      </pc:sldChg>
+      <pc:sldChg chg="new del">
+        <pc:chgData name="Ankita Sinha" userId="891ca414a1816197" providerId="LiveId" clId="{7CBDB72B-E735-49AA-BE63-163C845D4153}" dt="2025-08-27T14:59:32.411" v="253" actId="47"/>
+        <pc:sldMkLst>
+          <pc:docMk/>
+          <pc:sldMk cId="2477720348" sldId="268"/>
+        </pc:sldMkLst>
+      </pc:sldChg>
+      <pc:sldChg chg="modSp add mod">
+        <pc:chgData name="Ankita Sinha" userId="891ca414a1816197" providerId="LiveId" clId="{7CBDB72B-E735-49AA-BE63-163C845D4153}" dt="2025-08-27T15:19:22.050" v="518" actId="20577"/>
+        <pc:sldMkLst>
+          <pc:docMk/>
+          <pc:sldMk cId="277015598" sldId="269"/>
+        </pc:sldMkLst>
+        <pc:spChg chg="mod">
+          <ac:chgData name="Ankita Sinha" userId="891ca414a1816197" providerId="LiveId" clId="{7CBDB72B-E735-49AA-BE63-163C845D4153}" dt="2025-08-27T14:59:49.513" v="273" actId="20577"/>
+          <ac:spMkLst>
+            <pc:docMk/>
+            <pc:sldMk cId="277015598" sldId="269"/>
+            <ac:spMk id="2" creationId="{58D73600-1881-FB12-D46A-CE41412D0462}"/>
+          </ac:spMkLst>
+        </pc:spChg>
+        <pc:spChg chg="mod">
+          <ac:chgData name="Ankita Sinha" userId="891ca414a1816197" providerId="LiveId" clId="{7CBDB72B-E735-49AA-BE63-163C845D4153}" dt="2025-08-27T15:19:22.050" v="518" actId="20577"/>
+          <ac:spMkLst>
+            <pc:docMk/>
+            <pc:sldMk cId="277015598" sldId="269"/>
+            <ac:spMk id="3" creationId="{EEE731A3-15D9-0D27-07D5-58C71F4233F4}"/>
+          </ac:spMkLst>
+        </pc:spChg>
+      </pc:sldChg>
+      <pc:sldChg chg="addSp modSp add mod">
+        <pc:chgData name="Ankita Sinha" userId="891ca414a1816197" providerId="LiveId" clId="{7CBDB72B-E735-49AA-BE63-163C845D4153}" dt="2025-08-27T15:46:19.148" v="946" actId="20577"/>
+        <pc:sldMkLst>
+          <pc:docMk/>
+          <pc:sldMk cId="4202361059" sldId="270"/>
+        </pc:sldMkLst>
+        <pc:spChg chg="mod">
+          <ac:chgData name="Ankita Sinha" userId="891ca414a1816197" providerId="LiveId" clId="{7CBDB72B-E735-49AA-BE63-163C845D4153}" dt="2025-08-27T15:24:54.824" v="532" actId="20577"/>
+          <ac:spMkLst>
+            <pc:docMk/>
+            <pc:sldMk cId="4202361059" sldId="270"/>
+            <ac:spMk id="2" creationId="{8248BD41-9E36-FB3B-4576-CF86F21EB3EE}"/>
+          </ac:spMkLst>
+        </pc:spChg>
+        <pc:spChg chg="mod">
+          <ac:chgData name="Ankita Sinha" userId="891ca414a1816197" providerId="LiveId" clId="{7CBDB72B-E735-49AA-BE63-163C845D4153}" dt="2025-08-27T15:31:16.782" v="582" actId="20577"/>
+          <ac:spMkLst>
+            <pc:docMk/>
+            <pc:sldMk cId="4202361059" sldId="270"/>
+            <ac:spMk id="3" creationId="{6391F061-6F72-370B-1CD5-1A5FAB8EA072}"/>
+          </ac:spMkLst>
+        </pc:spChg>
+        <pc:spChg chg="add mod">
+          <ac:chgData name="Ankita Sinha" userId="891ca414a1816197" providerId="LiveId" clId="{7CBDB72B-E735-49AA-BE63-163C845D4153}" dt="2025-08-27T15:46:19.148" v="946" actId="20577"/>
+          <ac:spMkLst>
+            <pc:docMk/>
+            <pc:sldMk cId="4202361059" sldId="270"/>
+            <ac:spMk id="8" creationId="{C731CE1E-E1AC-8F84-F0FD-6FAA27995386}"/>
+          </ac:spMkLst>
+        </pc:spChg>
+        <pc:picChg chg="add mod">
+          <ac:chgData name="Ankita Sinha" userId="891ca414a1816197" providerId="LiveId" clId="{7CBDB72B-E735-49AA-BE63-163C845D4153}" dt="2025-08-27T15:35:01.871" v="641" actId="1038"/>
+          <ac:picMkLst>
+            <pc:docMk/>
+            <pc:sldMk cId="4202361059" sldId="270"/>
+            <ac:picMk id="5" creationId="{DBB37E18-F704-4D24-5F0B-43FD94A752A5}"/>
+          </ac:picMkLst>
+        </pc:picChg>
+        <pc:picChg chg="add mod">
+          <ac:chgData name="Ankita Sinha" userId="891ca414a1816197" providerId="LiveId" clId="{7CBDB72B-E735-49AA-BE63-163C845D4153}" dt="2025-08-27T15:34:53.075" v="606" actId="1076"/>
+          <ac:picMkLst>
+            <pc:docMk/>
+            <pc:sldMk cId="4202361059" sldId="270"/>
+            <ac:picMk id="7" creationId="{4D318C10-DB2C-4A14-707E-99F6729E18FF}"/>
+          </ac:picMkLst>
+        </pc:picChg>
+      </pc:sldChg>
+      <pc:sldChg chg="delSp modSp add mod">
+        <pc:chgData name="Ankita Sinha" userId="891ca414a1816197" providerId="LiveId" clId="{7CBDB72B-E735-49AA-BE63-163C845D4153}" dt="2025-08-27T15:48:33.473" v="1019" actId="1076"/>
+        <pc:sldMkLst>
+          <pc:docMk/>
+          <pc:sldMk cId="3676274524" sldId="271"/>
+        </pc:sldMkLst>
+        <pc:spChg chg="mod">
+          <ac:chgData name="Ankita Sinha" userId="891ca414a1816197" providerId="LiveId" clId="{7CBDB72B-E735-49AA-BE63-163C845D4153}" dt="2025-08-27T15:46:30.796" v="969" actId="20577"/>
+          <ac:spMkLst>
+            <pc:docMk/>
+            <pc:sldMk cId="3676274524" sldId="271"/>
+            <ac:spMk id="2" creationId="{8D9158F5-506B-7F2D-C538-1D1D16DE811B}"/>
+          </ac:spMkLst>
+        </pc:spChg>
+        <pc:spChg chg="mod">
+          <ac:chgData name="Ankita Sinha" userId="891ca414a1816197" providerId="LiveId" clId="{7CBDB72B-E735-49AA-BE63-163C845D4153}" dt="2025-08-27T15:48:33.473" v="1019" actId="1076"/>
+          <ac:spMkLst>
+            <pc:docMk/>
+            <pc:sldMk cId="3676274524" sldId="271"/>
+            <ac:spMk id="8" creationId="{7EC4777B-D640-FCCF-C929-36D5D112F2A9}"/>
+          </ac:spMkLst>
+        </pc:spChg>
+      </pc:sldChg>
+      <pc:sldChg chg="modSp add mod">
+        <pc:chgData name="Ankita Sinha" userId="891ca414a1816197" providerId="LiveId" clId="{7CBDB72B-E735-49AA-BE63-163C845D4153}" dt="2025-08-29T09:12:36.606" v="1608" actId="1076"/>
+        <pc:sldMkLst>
+          <pc:docMk/>
+          <pc:sldMk cId="1065749904" sldId="272"/>
+        </pc:sldMkLst>
+        <pc:spChg chg="mod">
+          <ac:chgData name="Ankita Sinha" userId="891ca414a1816197" providerId="LiveId" clId="{7CBDB72B-E735-49AA-BE63-163C845D4153}" dt="2025-08-29T09:11:29.053" v="1605" actId="20577"/>
+          <ac:spMkLst>
+            <pc:docMk/>
+            <pc:sldMk cId="1065749904" sldId="272"/>
+            <ac:spMk id="2" creationId="{CBAB9F02-0DE1-4519-D602-0B63DEAA5710}"/>
+          </ac:spMkLst>
+        </pc:spChg>
+        <pc:spChg chg="mod">
+          <ac:chgData name="Ankita Sinha" userId="891ca414a1816197" providerId="LiveId" clId="{7CBDB72B-E735-49AA-BE63-163C845D4153}" dt="2025-08-29T09:12:29.523" v="1607" actId="27636"/>
+          <ac:spMkLst>
+            <pc:docMk/>
+            <pc:sldMk cId="1065749904" sldId="272"/>
+            <ac:spMk id="3" creationId="{504A4180-EC74-1DC0-E0BB-B81D7F87C9A9}"/>
+          </ac:spMkLst>
+        </pc:spChg>
+        <pc:picChg chg="mod">
+          <ac:chgData name="Ankita Sinha" userId="891ca414a1816197" providerId="LiveId" clId="{7CBDB72B-E735-49AA-BE63-163C845D4153}" dt="2025-08-29T09:12:36.606" v="1608" actId="1076"/>
+          <ac:picMkLst>
+            <pc:docMk/>
+            <pc:sldMk cId="1065749904" sldId="272"/>
+            <ac:picMk id="8" creationId="{3911E329-7028-6E8E-3176-AFB143744EFF}"/>
+          </ac:picMkLst>
+        </pc:picChg>
+      </pc:sldChg>
+    </pc:docChg>
+  </pc:docChgLst>
+</pc:chgInfo>
+</file>
+
 <file path=ppt/slideLayouts/slideLayout1.xml><?xml version="1.0" encoding="utf-8"?>
-<p:sldLayout xmlns:a="http://schemas.openxmlformats.org/drawingml/2006/main" xmlns:r="http://schemas.openxmlformats.org/officeDocument/2006/relationships" xmlns:p="http://schemas.openxmlformats.org/presentationml/2006/main" type="title" preserve="1">
+<p:sldLayout xmlns:a="http://schemas.openxmlformats.org/drawingml/2006/main" xmlns:r="http://schemas.openxmlformats.org/officeDocument/2006/relationships" xmlns:p="http://schemas.openxmlformats.org/presentationml/2006/main" showMasterSp="0" type="title" preserve="1">
   <p:cSld name="Title Slide">
     <p:spTree>
       <p:nvGrpSpPr>
@@ -135,148 +817,193 @@
       </p:grpSpPr>
       <p:sp>
         <p:nvSpPr>
-          <p:cNvPr id="2" name="Title 1"/>
-          <p:cNvSpPr>
-            <a:spLocks noGrp="1"/>
-          </p:cNvSpPr>
-          <p:nvPr>
-            <p:ph type="ctrTitle"/>
-          </p:nvPr>
+          <p:cNvPr id="7" name="Rectangle 6"/>
+          <p:cNvSpPr/>
+          <p:nvPr/>
         </p:nvSpPr>
         <p:spPr>
           <a:xfrm>
-            <a:off x="685800" y="2130425"/>
-            <a:ext cx="7772400" cy="1470025"/>
+            <a:off x="2382" y="6400800"/>
+            <a:ext cx="9141619" cy="457200"/>
+          </a:xfrm>
+          <a:prstGeom prst="rect">
+            <a:avLst/>
+          </a:prstGeom>
+          <a:solidFill>
+            <a:schemeClr val="accent2"/>
+          </a:solidFill>
+          <a:ln>
+            <a:noFill/>
+          </a:ln>
+        </p:spPr>
+        <p:style>
+          <a:lnRef idx="2">
+            <a:schemeClr val="accent1">
+              <a:shade val="50000"/>
+            </a:schemeClr>
+          </a:lnRef>
+          <a:fillRef idx="1">
+            <a:schemeClr val="accent1"/>
+          </a:fillRef>
+          <a:effectRef idx="0">
+            <a:schemeClr val="accent1"/>
+          </a:effectRef>
+          <a:fontRef idx="minor">
+            <a:schemeClr val="lt1"/>
+          </a:fontRef>
+        </p:style>
+      </p:sp>
+      <p:sp>
+        <p:nvSpPr>
+          <p:cNvPr id="8" name="Rectangle 7"/>
+          <p:cNvSpPr/>
+          <p:nvPr/>
+        </p:nvSpPr>
+        <p:spPr>
+          <a:xfrm>
+            <a:off x="12" y="6334316"/>
+            <a:ext cx="9141619" cy="64008"/>
+          </a:xfrm>
+          <a:prstGeom prst="rect">
+            <a:avLst/>
+          </a:prstGeom>
+          <a:solidFill>
+            <a:schemeClr val="accent1"/>
+          </a:solidFill>
+          <a:ln>
+            <a:noFill/>
+          </a:ln>
+        </p:spPr>
+        <p:style>
+          <a:lnRef idx="2">
+            <a:schemeClr val="accent1">
+              <a:shade val="50000"/>
+            </a:schemeClr>
+          </a:lnRef>
+          <a:fillRef idx="1">
+            <a:schemeClr val="accent1"/>
+          </a:fillRef>
+          <a:effectRef idx="0">
+            <a:schemeClr val="accent1"/>
+          </a:effectRef>
+          <a:fontRef idx="minor">
+            <a:schemeClr val="lt1"/>
+          </a:fontRef>
+        </p:style>
+      </p:sp>
+      <p:sp>
+        <p:nvSpPr>
+          <p:cNvPr id="2" name="Title 1"/>
+          <p:cNvSpPr>
+            <a:spLocks noGrp="1"/>
+          </p:cNvSpPr>
+          <p:nvPr>
+            <p:ph type="ctrTitle"/>
+          </p:nvPr>
+        </p:nvSpPr>
+        <p:spPr>
+          <a:xfrm>
+            <a:off x="822960" y="758952"/>
+            <a:ext cx="7543800" cy="3566160"/>
           </a:xfrm>
         </p:spPr>
         <p:txBody>
-          <a:bodyPr/>
-          <a:lstStyle/>
-          <a:p>
-            <a:r>
-              <a:rPr lang="en-US" smtClean="0"/>
-              <a:t>Click to edit Master title style</a:t>
-            </a:r>
-            <a:endParaRPr lang="en-US"/>
-          </a:p>
-        </p:txBody>
-      </p:sp>
-      <p:sp>
-        <p:nvSpPr>
-          <p:cNvPr id="3" name="Subtitle 2"/>
-          <p:cNvSpPr>
-            <a:spLocks noGrp="1"/>
-          </p:cNvSpPr>
-          <p:nvPr>
-            <p:ph type="subTitle" idx="1"/>
-          </p:nvPr>
-        </p:nvSpPr>
-        <p:spPr>
-          <a:xfrm>
-            <a:off x="1371600" y="3886200"/>
-            <a:ext cx="6400800" cy="1752600"/>
-          </a:xfrm>
-        </p:spPr>
-        <p:txBody>
-          <a:bodyPr/>
+          <a:bodyPr anchor="b">
+            <a:normAutofit/>
+          </a:bodyPr>
           <a:lstStyle>
-            <a:lvl1pPr marL="0" indent="0" algn="ctr">
-              <a:buNone/>
-              <a:defRPr>
+            <a:lvl1pPr algn="l">
+              <a:lnSpc>
+                <a:spcPct val="85000"/>
+              </a:lnSpc>
+              <a:defRPr sz="8000" spc="-50" baseline="0">
                 <a:solidFill>
                   <a:schemeClr val="tx1">
-                    <a:tint val="75000"/>
+                    <a:lumMod val="85000"/>
+                    <a:lumOff val="15000"/>
                   </a:schemeClr>
                 </a:solidFill>
               </a:defRPr>
             </a:lvl1pPr>
+          </a:lstStyle>
+          <a:p>
+            <a:r>
+              <a:rPr lang="en-US"/>
+              <a:t>Click to edit Master title style</a:t>
+            </a:r>
+            <a:endParaRPr lang="en-US" dirty="0"/>
+          </a:p>
+        </p:txBody>
+      </p:sp>
+      <p:sp>
+        <p:nvSpPr>
+          <p:cNvPr id="3" name="Subtitle 2"/>
+          <p:cNvSpPr>
+            <a:spLocks noGrp="1"/>
+          </p:cNvSpPr>
+          <p:nvPr>
+            <p:ph type="subTitle" idx="1"/>
+          </p:nvPr>
+        </p:nvSpPr>
+        <p:spPr>
+          <a:xfrm>
+            <a:off x="825038" y="4455621"/>
+            <a:ext cx="7543800" cy="1143000"/>
+          </a:xfrm>
+        </p:spPr>
+        <p:txBody>
+          <a:bodyPr lIns="91440" rIns="91440">
+            <a:normAutofit/>
+          </a:bodyPr>
+          <a:lstStyle>
+            <a:lvl1pPr marL="0" indent="0" algn="l">
+              <a:buNone/>
+              <a:defRPr sz="2400" cap="all" spc="200" baseline="0">
+                <a:solidFill>
+                  <a:schemeClr val="tx2"/>
+                </a:solidFill>
+                <a:latin typeface="+mj-lt"/>
+              </a:defRPr>
+            </a:lvl1pPr>
             <a:lvl2pPr marL="457200" indent="0" algn="ctr">
               <a:buNone/>
-              <a:defRPr>
-                <a:solidFill>
-                  <a:schemeClr val="tx1">
-                    <a:tint val="75000"/>
-                  </a:schemeClr>
-                </a:solidFill>
-              </a:defRPr>
+              <a:defRPr sz="2400"/>
             </a:lvl2pPr>
             <a:lvl3pPr marL="914400" indent="0" algn="ctr">
               <a:buNone/>
-              <a:defRPr>
-                <a:solidFill>
-                  <a:schemeClr val="tx1">
-                    <a:tint val="75000"/>
-                  </a:schemeClr>
-                </a:solidFill>
-              </a:defRPr>
+              <a:defRPr sz="2400"/>
             </a:lvl3pPr>
             <a:lvl4pPr marL="1371600" indent="0" algn="ctr">
               <a:buNone/>
-              <a:defRPr>
-                <a:solidFill>
-                  <a:schemeClr val="tx1">
-                    <a:tint val="75000"/>
-                  </a:schemeClr>
-                </a:solidFill>
-              </a:defRPr>
+              <a:defRPr sz="2000"/>
             </a:lvl4pPr>
             <a:lvl5pPr marL="1828800" indent="0" algn="ctr">
               <a:buNone/>
-              <a:defRPr>
-                <a:solidFill>
-                  <a:schemeClr val="tx1">
-                    <a:tint val="75000"/>
-                  </a:schemeClr>
-                </a:solidFill>
-              </a:defRPr>
+              <a:defRPr sz="2000"/>
             </a:lvl5pPr>
             <a:lvl6pPr marL="2286000" indent="0" algn="ctr">
               <a:buNone/>
-              <a:defRPr>
-                <a:solidFill>
-                  <a:schemeClr val="tx1">
-                    <a:tint val="75000"/>
-                  </a:schemeClr>
-                </a:solidFill>
-              </a:defRPr>
+              <a:defRPr sz="2000"/>
             </a:lvl6pPr>
             <a:lvl7pPr marL="2743200" indent="0" algn="ctr">
               <a:buNone/>
-              <a:defRPr>
-                <a:solidFill>
-                  <a:schemeClr val="tx1">
-                    <a:tint val="75000"/>
-                  </a:schemeClr>
-                </a:solidFill>
-              </a:defRPr>
+              <a:defRPr sz="2000"/>
             </a:lvl7pPr>
             <a:lvl8pPr marL="3200400" indent="0" algn="ctr">
               <a:buNone/>
-              <a:defRPr>
-                <a:solidFill>
-                  <a:schemeClr val="tx1">
-                    <a:tint val="75000"/>
-                  </a:schemeClr>
-                </a:solidFill>
-              </a:defRPr>
+              <a:defRPr sz="2000"/>
             </a:lvl8pPr>
             <a:lvl9pPr marL="3657600" indent="0" algn="ctr">
               <a:buNone/>
-              <a:defRPr>
-                <a:solidFill>
-                  <a:schemeClr val="tx1">
-                    <a:tint val="75000"/>
-                  </a:schemeClr>
-                </a:solidFill>
-              </a:defRPr>
+              <a:defRPr sz="2000"/>
             </a:lvl9pPr>
           </a:lstStyle>
           <a:p>
             <a:r>
-              <a:rPr lang="en-US" smtClean="0"/>
+              <a:rPr lang="en-US"/>
               <a:t>Click to edit Master subtitle style</a:t>
             </a:r>
-            <a:endParaRPr lang="en-US"/>
+            <a:endParaRPr lang="en-US" dirty="0"/>
           </a:p>
         </p:txBody>
       </p:sp>
@@ -297,7 +1024,7 @@
           <a:p>
             <a:fld id="{5BCAD085-E8A6-8845-BD4E-CB4CCA059FC4}" type="datetimeFigureOut">
               <a:rPr lang="en-US" smtClean="0"/>
-              <a:t>1/27/13</a:t>
+              <a:t>8/27/2025</a:t>
             </a:fld>
             <a:endParaRPr lang="en-US"/>
           </a:p>
@@ -345,10 +1072,48 @@
           </a:p>
         </p:txBody>
       </p:sp>
+      <p:cxnSp>
+        <p:nvCxnSpPr>
+          <p:cNvPr id="9" name="Straight Connector 8"/>
+          <p:cNvCxnSpPr/>
+          <p:nvPr/>
+        </p:nvCxnSpPr>
+        <p:spPr>
+          <a:xfrm>
+            <a:off x="905744" y="4343400"/>
+            <a:ext cx="7406640" cy="0"/>
+          </a:xfrm>
+          <a:prstGeom prst="line">
+            <a:avLst/>
+          </a:prstGeom>
+          <a:ln w="6350">
+            <a:solidFill>
+              <a:schemeClr val="tx1">
+                <a:lumMod val="50000"/>
+                <a:lumOff val="50000"/>
+              </a:schemeClr>
+            </a:solidFill>
+          </a:ln>
+        </p:spPr>
+        <p:style>
+          <a:lnRef idx="1">
+            <a:schemeClr val="accent1"/>
+          </a:lnRef>
+          <a:fillRef idx="0">
+            <a:schemeClr val="accent1"/>
+          </a:fillRef>
+          <a:effectRef idx="0">
+            <a:schemeClr val="accent1"/>
+          </a:effectRef>
+          <a:fontRef idx="minor">
+            <a:schemeClr val="tx1"/>
+          </a:fontRef>
+        </p:style>
+      </p:cxnSp>
     </p:spTree>
     <p:extLst>
       <p:ext uri="{BB962C8B-B14F-4D97-AF65-F5344CB8AC3E}">
-        <p14:creationId xmlns:p14="http://schemas.microsoft.com/office/powerpoint/2010/main" val="3168075583"/>
+        <p14:creationId xmlns:p14="http://schemas.microsoft.com/office/powerpoint/2010/main" val="4075676907"/>
       </p:ext>
     </p:extLst>
   </p:cSld>
@@ -391,10 +1156,10 @@
           <a:lstStyle/>
           <a:p>
             <a:r>
-              <a:rPr lang="en-US" smtClean="0"/>
+              <a:rPr lang="en-US"/>
               <a:t>Click to edit Master title style</a:t>
             </a:r>
-            <a:endParaRPr lang="en-US"/>
+            <a:endParaRPr lang="en-US" dirty="0"/>
           </a:p>
         </p:txBody>
       </p:sp>
@@ -410,43 +1175,43 @@
         </p:nvSpPr>
         <p:spPr/>
         <p:txBody>
-          <a:bodyPr vert="eaVert"/>
+          <a:bodyPr vert="eaVert" lIns="45720" tIns="0" rIns="45720" bIns="0"/>
           <a:lstStyle/>
           <a:p>
             <a:pPr lvl="0"/>
             <a:r>
-              <a:rPr lang="en-US" smtClean="0"/>
+              <a:rPr lang="en-US"/>
               <a:t>Click to edit Master text styles</a:t>
             </a:r>
           </a:p>
           <a:p>
             <a:pPr lvl="1"/>
             <a:r>
-              <a:rPr lang="en-US" smtClean="0"/>
+              <a:rPr lang="en-US"/>
               <a:t>Second level</a:t>
             </a:r>
           </a:p>
           <a:p>
             <a:pPr lvl="2"/>
             <a:r>
-              <a:rPr lang="en-US" smtClean="0"/>
+              <a:rPr lang="en-US"/>
               <a:t>Third level</a:t>
             </a:r>
           </a:p>
           <a:p>
             <a:pPr lvl="3"/>
             <a:r>
-              <a:rPr lang="en-US" smtClean="0"/>
+              <a:rPr lang="en-US"/>
               <a:t>Fourth level</a:t>
             </a:r>
           </a:p>
           <a:p>
             <a:pPr lvl="4"/>
             <a:r>
-              <a:rPr lang="en-US" smtClean="0"/>
+              <a:rPr lang="en-US"/>
               <a:t>Fifth level</a:t>
             </a:r>
-            <a:endParaRPr lang="en-US"/>
+            <a:endParaRPr lang="en-US" dirty="0"/>
           </a:p>
         </p:txBody>
       </p:sp>
@@ -467,7 +1232,7 @@
           <a:p>
             <a:fld id="{5BCAD085-E8A6-8845-BD4E-CB4CCA059FC4}" type="datetimeFigureOut">
               <a:rPr lang="en-US" smtClean="0"/>
-              <a:t>1/27/13</a:t>
+              <a:t>8/27/2025</a:t>
             </a:fld>
             <a:endParaRPr lang="en-US"/>
           </a:p>
@@ -518,7 +1283,7 @@
     </p:spTree>
     <p:extLst>
       <p:ext uri="{BB962C8B-B14F-4D97-AF65-F5344CB8AC3E}">
-        <p14:creationId xmlns:p14="http://schemas.microsoft.com/office/powerpoint/2010/main" val="2910927964"/>
+        <p14:creationId xmlns:p14="http://schemas.microsoft.com/office/powerpoint/2010/main" val="1407282100"/>
       </p:ext>
     </p:extLst>
   </p:cSld>
@@ -529,7 +1294,7 @@
 </file>
 
 <file path=ppt/slideLayouts/slideLayout11.xml><?xml version="1.0" encoding="utf-8"?>
-<p:sldLayout xmlns:a="http://schemas.openxmlformats.org/drawingml/2006/main" xmlns:r="http://schemas.openxmlformats.org/officeDocument/2006/relationships" xmlns:p="http://schemas.openxmlformats.org/presentationml/2006/main" type="vertTitleAndTx" preserve="1">
+<p:sldLayout xmlns:a="http://schemas.openxmlformats.org/drawingml/2006/main" xmlns:r="http://schemas.openxmlformats.org/officeDocument/2006/relationships" xmlns:p="http://schemas.openxmlformats.org/presentationml/2006/main" showMasterSp="0" type="vertTitleAndTx" preserve="1">
   <p:cSld name="Vertical Title and Text">
     <p:spTree>
       <p:nvGrpSpPr>
@@ -547,18 +1312,94 @@
       </p:grpSpPr>
       <p:sp>
         <p:nvSpPr>
-          <p:cNvPr id="2" name="Vertical Title 1"/>
-          <p:cNvSpPr>
-            <a:spLocks noGrp="1"/>
-          </p:cNvSpPr>
-          <p:nvPr>
-            <p:ph type="title" orient="vert"/>
-          </p:nvPr>
+          <p:cNvPr id="7" name="Rectangle 6"/>
+          <p:cNvSpPr/>
+          <p:nvPr/>
         </p:nvSpPr>
         <p:spPr>
           <a:xfrm>
-            <a:off x="6629400" y="274638"/>
-            <a:ext cx="2057400" cy="5851525"/>
+            <a:off x="2382" y="6400800"/>
+            <a:ext cx="9141619" cy="457200"/>
+          </a:xfrm>
+          <a:prstGeom prst="rect">
+            <a:avLst/>
+          </a:prstGeom>
+          <a:solidFill>
+            <a:schemeClr val="accent2"/>
+          </a:solidFill>
+          <a:ln>
+            <a:noFill/>
+          </a:ln>
+        </p:spPr>
+        <p:style>
+          <a:lnRef idx="2">
+            <a:schemeClr val="accent1">
+              <a:shade val="50000"/>
+            </a:schemeClr>
+          </a:lnRef>
+          <a:fillRef idx="1">
+            <a:schemeClr val="accent1"/>
+          </a:fillRef>
+          <a:effectRef idx="0">
+            <a:schemeClr val="accent1"/>
+          </a:effectRef>
+          <a:fontRef idx="minor">
+            <a:schemeClr val="lt1"/>
+          </a:fontRef>
+        </p:style>
+      </p:sp>
+      <p:sp>
+        <p:nvSpPr>
+          <p:cNvPr id="8" name="Rectangle 7"/>
+          <p:cNvSpPr/>
+          <p:nvPr/>
+        </p:nvSpPr>
+        <p:spPr>
+          <a:xfrm>
+            <a:off x="12" y="6334316"/>
+            <a:ext cx="9141619" cy="64008"/>
+          </a:xfrm>
+          <a:prstGeom prst="rect">
+            <a:avLst/>
+          </a:prstGeom>
+          <a:solidFill>
+            <a:schemeClr val="accent1"/>
+          </a:solidFill>
+          <a:ln>
+            <a:noFill/>
+          </a:ln>
+        </p:spPr>
+        <p:style>
+          <a:lnRef idx="2">
+            <a:schemeClr val="accent1">
+              <a:shade val="50000"/>
+            </a:schemeClr>
+          </a:lnRef>
+          <a:fillRef idx="1">
+            <a:schemeClr val="accent1"/>
+          </a:fillRef>
+          <a:effectRef idx="0">
+            <a:schemeClr val="accent1"/>
+          </a:effectRef>
+          <a:fontRef idx="minor">
+            <a:schemeClr val="lt1"/>
+          </a:fontRef>
+        </p:style>
+      </p:sp>
+      <p:sp>
+        <p:nvSpPr>
+          <p:cNvPr id="2" name="Vertical Title 1"/>
+          <p:cNvSpPr>
+            <a:spLocks noGrp="1"/>
+          </p:cNvSpPr>
+          <p:nvPr>
+            <p:ph type="title" orient="vert"/>
+          </p:nvPr>
+        </p:nvSpPr>
+        <p:spPr>
+          <a:xfrm>
+            <a:off x="6543675" y="414779"/>
+            <a:ext cx="1971675" cy="5757421"/>
           </a:xfrm>
         </p:spPr>
         <p:txBody>
@@ -566,10 +1407,10 @@
           <a:lstStyle/>
           <a:p>
             <a:r>
-              <a:rPr lang="en-US" smtClean="0"/>
+              <a:rPr lang="en-US"/>
               <a:t>Click to edit Master title style</a:t>
             </a:r>
-            <a:endParaRPr lang="en-US"/>
+            <a:endParaRPr lang="en-US" dirty="0"/>
           </a:p>
         </p:txBody>
       </p:sp>
@@ -585,48 +1426,48 @@
         </p:nvSpPr>
         <p:spPr>
           <a:xfrm>
-            <a:off x="457200" y="274638"/>
-            <a:ext cx="6019800" cy="5851525"/>
+            <a:off x="628650" y="414779"/>
+            <a:ext cx="5800725" cy="5757420"/>
           </a:xfrm>
         </p:spPr>
         <p:txBody>
-          <a:bodyPr vert="eaVert"/>
+          <a:bodyPr vert="eaVert" lIns="45720" tIns="0" rIns="45720" bIns="0"/>
           <a:lstStyle/>
           <a:p>
             <a:pPr lvl="0"/>
             <a:r>
-              <a:rPr lang="en-US" smtClean="0"/>
+              <a:rPr lang="en-US"/>
               <a:t>Click to edit Master text styles</a:t>
             </a:r>
           </a:p>
           <a:p>
             <a:pPr lvl="1"/>
             <a:r>
-              <a:rPr lang="en-US" smtClean="0"/>
+              <a:rPr lang="en-US"/>
               <a:t>Second level</a:t>
             </a:r>
           </a:p>
           <a:p>
             <a:pPr lvl="2"/>
             <a:r>
-              <a:rPr lang="en-US" smtClean="0"/>
+              <a:rPr lang="en-US"/>
               <a:t>Third level</a:t>
             </a:r>
           </a:p>
           <a:p>
             <a:pPr lvl="3"/>
             <a:r>
-              <a:rPr lang="en-US" smtClean="0"/>
+              <a:rPr lang="en-US"/>
               <a:t>Fourth level</a:t>
             </a:r>
           </a:p>
           <a:p>
             <a:pPr lvl="4"/>
             <a:r>
-              <a:rPr lang="en-US" smtClean="0"/>
+              <a:rPr lang="en-US"/>
               <a:t>Fifth level</a:t>
             </a:r>
-            <a:endParaRPr lang="en-US"/>
+            <a:endParaRPr lang="en-US" dirty="0"/>
           </a:p>
         </p:txBody>
       </p:sp>
@@ -647,7 +1488,7 @@
           <a:p>
             <a:fld id="{5BCAD085-E8A6-8845-BD4E-CB4CCA059FC4}" type="datetimeFigureOut">
               <a:rPr lang="en-US" smtClean="0"/>
-              <a:t>1/27/13</a:t>
+              <a:t>8/27/2025</a:t>
             </a:fld>
             <a:endParaRPr lang="en-US"/>
           </a:p>
@@ -698,7 +1539,7 @@
     </p:spTree>
     <p:extLst>
       <p:ext uri="{BB962C8B-B14F-4D97-AF65-F5344CB8AC3E}">
-        <p14:creationId xmlns:p14="http://schemas.microsoft.com/office/powerpoint/2010/main" val="3612223792"/>
+        <p14:creationId xmlns:p14="http://schemas.microsoft.com/office/powerpoint/2010/main" val="4043551625"/>
       </p:ext>
     </p:extLst>
   </p:cSld>
@@ -741,10 +1582,10 @@
           <a:lstStyle/>
           <a:p>
             <a:r>
-              <a:rPr lang="en-US" smtClean="0"/>
+              <a:rPr lang="en-US"/>
               <a:t>Click to edit Master title style</a:t>
             </a:r>
-            <a:endParaRPr lang="en-US"/>
+            <a:endParaRPr lang="en-US" dirty="0"/>
           </a:p>
         </p:txBody>
       </p:sp>
@@ -765,38 +1606,38 @@
           <a:p>
             <a:pPr lvl="0"/>
             <a:r>
-              <a:rPr lang="en-US" smtClean="0"/>
+              <a:rPr lang="en-US"/>
               <a:t>Click to edit Master text styles</a:t>
             </a:r>
           </a:p>
           <a:p>
             <a:pPr lvl="1"/>
             <a:r>
-              <a:rPr lang="en-US" smtClean="0"/>
+              <a:rPr lang="en-US"/>
               <a:t>Second level</a:t>
             </a:r>
           </a:p>
           <a:p>
             <a:pPr lvl="2"/>
             <a:r>
-              <a:rPr lang="en-US" smtClean="0"/>
+              <a:rPr lang="en-US"/>
               <a:t>Third level</a:t>
             </a:r>
           </a:p>
           <a:p>
             <a:pPr lvl="3"/>
             <a:r>
-              <a:rPr lang="en-US" smtClean="0"/>
+              <a:rPr lang="en-US"/>
               <a:t>Fourth level</a:t>
             </a:r>
           </a:p>
           <a:p>
             <a:pPr lvl="4"/>
             <a:r>
-              <a:rPr lang="en-US" smtClean="0"/>
+              <a:rPr lang="en-US"/>
               <a:t>Fifth level</a:t>
             </a:r>
-            <a:endParaRPr lang="en-US"/>
+            <a:endParaRPr lang="en-US" dirty="0"/>
           </a:p>
         </p:txBody>
       </p:sp>
@@ -817,7 +1658,7 @@
           <a:p>
             <a:fld id="{5BCAD085-E8A6-8845-BD4E-CB4CCA059FC4}" type="datetimeFigureOut">
               <a:rPr lang="en-US" smtClean="0"/>
-              <a:t>1/27/13</a:t>
+              <a:t>8/27/2025</a:t>
             </a:fld>
             <a:endParaRPr lang="en-US"/>
           </a:p>
@@ -868,7 +1709,7 @@
     </p:spTree>
     <p:extLst>
       <p:ext uri="{BB962C8B-B14F-4D97-AF65-F5344CB8AC3E}">
-        <p14:creationId xmlns:p14="http://schemas.microsoft.com/office/powerpoint/2010/main" val="2614314258"/>
+        <p14:creationId xmlns:p14="http://schemas.microsoft.com/office/powerpoint/2010/main" val="4140957027"/>
       </p:ext>
     </p:extLst>
   </p:cSld>
@@ -879,8 +1720,16 @@
 </file>
 
 <file path=ppt/slideLayouts/slideLayout3.xml><?xml version="1.0" encoding="utf-8"?>
-<p:sldLayout xmlns:a="http://schemas.openxmlformats.org/drawingml/2006/main" xmlns:r="http://schemas.openxmlformats.org/officeDocument/2006/relationships" xmlns:p="http://schemas.openxmlformats.org/presentationml/2006/main" type="secHead" preserve="1">
+<p:sldLayout xmlns:a="http://schemas.openxmlformats.org/drawingml/2006/main" xmlns:r="http://schemas.openxmlformats.org/officeDocument/2006/relationships" xmlns:p="http://schemas.openxmlformats.org/presentationml/2006/main" showMasterSp="0" type="secHead" preserve="1">
   <p:cSld name="Section Header">
+    <p:bg>
+      <p:bgPr>
+        <a:solidFill>
+          <a:schemeClr val="bg1"/>
+        </a:solidFill>
+        <a:effectLst/>
+      </p:bgPr>
+    </p:bg>
     <p:spTree>
       <p:nvGrpSpPr>
         <p:cNvPr id="1" name=""/>
@@ -897,33 +1746,121 @@
       </p:grpSpPr>
       <p:sp>
         <p:nvSpPr>
-          <p:cNvPr id="2" name="Title 1"/>
-          <p:cNvSpPr>
-            <a:spLocks noGrp="1"/>
-          </p:cNvSpPr>
-          <p:nvPr>
-            <p:ph type="title"/>
-          </p:nvPr>
+          <p:cNvPr id="7" name="Rectangle 6"/>
+          <p:cNvSpPr/>
+          <p:nvPr/>
         </p:nvSpPr>
         <p:spPr>
           <a:xfrm>
-            <a:off x="722313" y="4406900"/>
-            <a:ext cx="7772400" cy="1362075"/>
+            <a:off x="2382" y="6400800"/>
+            <a:ext cx="9141619" cy="457200"/>
+          </a:xfrm>
+          <a:prstGeom prst="rect">
+            <a:avLst/>
+          </a:prstGeom>
+          <a:solidFill>
+            <a:schemeClr val="accent2"/>
+          </a:solidFill>
+          <a:ln>
+            <a:noFill/>
+          </a:ln>
+        </p:spPr>
+        <p:style>
+          <a:lnRef idx="2">
+            <a:schemeClr val="accent1">
+              <a:shade val="50000"/>
+            </a:schemeClr>
+          </a:lnRef>
+          <a:fillRef idx="1">
+            <a:schemeClr val="accent1"/>
+          </a:fillRef>
+          <a:effectRef idx="0">
+            <a:schemeClr val="accent1"/>
+          </a:effectRef>
+          <a:fontRef idx="minor">
+            <a:schemeClr val="lt1"/>
+          </a:fontRef>
+        </p:style>
+      </p:sp>
+      <p:sp>
+        <p:nvSpPr>
+          <p:cNvPr id="8" name="Rectangle 7"/>
+          <p:cNvSpPr/>
+          <p:nvPr/>
+        </p:nvSpPr>
+        <p:spPr>
+          <a:xfrm>
+            <a:off x="12" y="6334316"/>
+            <a:ext cx="9141619" cy="64008"/>
+          </a:xfrm>
+          <a:prstGeom prst="rect">
+            <a:avLst/>
+          </a:prstGeom>
+          <a:solidFill>
+            <a:schemeClr val="accent1"/>
+          </a:solidFill>
+          <a:ln>
+            <a:noFill/>
+          </a:ln>
+        </p:spPr>
+        <p:style>
+          <a:lnRef idx="2">
+            <a:schemeClr val="accent1">
+              <a:shade val="50000"/>
+            </a:schemeClr>
+          </a:lnRef>
+          <a:fillRef idx="1">
+            <a:schemeClr val="accent1"/>
+          </a:fillRef>
+          <a:effectRef idx="0">
+            <a:schemeClr val="accent1"/>
+          </a:effectRef>
+          <a:fontRef idx="minor">
+            <a:schemeClr val="lt1"/>
+          </a:fontRef>
+        </p:style>
+      </p:sp>
+      <p:sp>
+        <p:nvSpPr>
+          <p:cNvPr id="2" name="Title 1"/>
+          <p:cNvSpPr>
+            <a:spLocks noGrp="1"/>
+          </p:cNvSpPr>
+          <p:nvPr>
+            <p:ph type="title"/>
+          </p:nvPr>
+        </p:nvSpPr>
+        <p:spPr>
+          <a:xfrm>
+            <a:off x="822960" y="758952"/>
+            <a:ext cx="7543800" cy="3566160"/>
           </a:xfrm>
         </p:spPr>
         <p:txBody>
-          <a:bodyPr anchor="t"/>
+          <a:bodyPr anchor="b" anchorCtr="0">
+            <a:normAutofit/>
+          </a:bodyPr>
           <a:lstStyle>
-            <a:lvl1pPr algn="l">
-              <a:defRPr sz="4000" b="1" cap="all"/>
+            <a:lvl1pPr>
+              <a:lnSpc>
+                <a:spcPct val="85000"/>
+              </a:lnSpc>
+              <a:defRPr sz="8000" b="0">
+                <a:solidFill>
+                  <a:schemeClr val="tx1">
+                    <a:lumMod val="85000"/>
+                    <a:lumOff val="15000"/>
+                  </a:schemeClr>
+                </a:solidFill>
+              </a:defRPr>
             </a:lvl1pPr>
           </a:lstStyle>
           <a:p>
             <a:r>
-              <a:rPr lang="en-US" smtClean="0"/>
+              <a:rPr lang="en-US"/>
               <a:t>Click to edit Master title style</a:t>
             </a:r>
-            <a:endParaRPr lang="en-US"/>
+            <a:endParaRPr lang="en-US" dirty="0"/>
           </a:p>
         </p:txBody>
       </p:sp>
@@ -939,21 +1876,22 @@
         </p:nvSpPr>
         <p:spPr>
           <a:xfrm>
-            <a:off x="722313" y="2906713"/>
-            <a:ext cx="7772400" cy="1500187"/>
+            <a:off x="822960" y="4453128"/>
+            <a:ext cx="7543800" cy="1143000"/>
           </a:xfrm>
         </p:spPr>
         <p:txBody>
-          <a:bodyPr anchor="b"/>
+          <a:bodyPr lIns="91440" rIns="91440" anchor="t" anchorCtr="0">
+            <a:normAutofit/>
+          </a:bodyPr>
           <a:lstStyle>
             <a:lvl1pPr marL="0" indent="0">
               <a:buNone/>
-              <a:defRPr sz="2000">
+              <a:defRPr sz="2400" cap="all" spc="200" baseline="0">
                 <a:solidFill>
-                  <a:schemeClr val="tx1">
-                    <a:tint val="75000"/>
-                  </a:schemeClr>
+                  <a:schemeClr val="tx2"/>
                 </a:solidFill>
+                <a:latin typeface="+mj-lt"/>
               </a:defRPr>
             </a:lvl1pPr>
             <a:lvl2pPr marL="457200" indent="0">
@@ -1040,7 +1978,7 @@
           <a:p>
             <a:pPr lvl="0"/>
             <a:r>
-              <a:rPr lang="en-US" smtClean="0"/>
+              <a:rPr lang="en-US"/>
               <a:t>Click to edit Master text styles</a:t>
             </a:r>
           </a:p>
@@ -1063,7 +2001,7 @@
           <a:p>
             <a:fld id="{5BCAD085-E8A6-8845-BD4E-CB4CCA059FC4}" type="datetimeFigureOut">
               <a:rPr lang="en-US" smtClean="0"/>
-              <a:t>1/27/13</a:t>
+              <a:t>8/27/2025</a:t>
             </a:fld>
             <a:endParaRPr lang="en-US"/>
           </a:p>
@@ -1111,10 +2049,48 @@
           </a:p>
         </p:txBody>
       </p:sp>
+      <p:cxnSp>
+        <p:nvCxnSpPr>
+          <p:cNvPr id="9" name="Straight Connector 8"/>
+          <p:cNvCxnSpPr/>
+          <p:nvPr/>
+        </p:nvCxnSpPr>
+        <p:spPr>
+          <a:xfrm>
+            <a:off x="905744" y="4343400"/>
+            <a:ext cx="7406640" cy="0"/>
+          </a:xfrm>
+          <a:prstGeom prst="line">
+            <a:avLst/>
+          </a:prstGeom>
+          <a:ln w="6350">
+            <a:solidFill>
+              <a:schemeClr val="tx1">
+                <a:lumMod val="50000"/>
+                <a:lumOff val="50000"/>
+              </a:schemeClr>
+            </a:solidFill>
+          </a:ln>
+        </p:spPr>
+        <p:style>
+          <a:lnRef idx="1">
+            <a:schemeClr val="accent1"/>
+          </a:lnRef>
+          <a:fillRef idx="0">
+            <a:schemeClr val="accent1"/>
+          </a:fillRef>
+          <a:effectRef idx="0">
+            <a:schemeClr val="accent1"/>
+          </a:effectRef>
+          <a:fontRef idx="minor">
+            <a:schemeClr val="tx1"/>
+          </a:fontRef>
+        </p:style>
+      </p:cxnSp>
     </p:spTree>
     <p:extLst>
       <p:ext uri="{BB962C8B-B14F-4D97-AF65-F5344CB8AC3E}">
-        <p14:creationId xmlns:p14="http://schemas.microsoft.com/office/powerpoint/2010/main" val="960648375"/>
+        <p14:creationId xmlns:p14="http://schemas.microsoft.com/office/powerpoint/2010/main" val="1237523680"/>
       </p:ext>
     </p:extLst>
   </p:cSld>
@@ -1143,7 +2119,7 @@
       </p:grpSpPr>
       <p:sp>
         <p:nvSpPr>
-          <p:cNvPr id="2" name="Title 1"/>
+          <p:cNvPr id="8" name="Title 7"/>
           <p:cNvSpPr>
             <a:spLocks noGrp="1"/>
           </p:cNvSpPr>
@@ -1151,16 +2127,21 @@
             <p:ph type="title"/>
           </p:nvPr>
         </p:nvSpPr>
-        <p:spPr/>
+        <p:spPr>
+          <a:xfrm>
+            <a:off x="822960" y="286604"/>
+            <a:ext cx="7543800" cy="1450757"/>
+          </a:xfrm>
+        </p:spPr>
         <p:txBody>
           <a:bodyPr/>
           <a:lstStyle/>
           <a:p>
             <a:r>
-              <a:rPr lang="en-US" smtClean="0"/>
+              <a:rPr lang="en-US"/>
               <a:t>Click to edit Master title style</a:t>
             </a:r>
-            <a:endParaRPr lang="en-US"/>
+            <a:endParaRPr lang="en-US" dirty="0"/>
           </a:p>
         </p:txBody>
       </p:sp>
@@ -1176,76 +2157,48 @@
         </p:nvSpPr>
         <p:spPr>
           <a:xfrm>
-            <a:off x="457200" y="1600200"/>
-            <a:ext cx="4038600" cy="4525963"/>
+            <a:off x="822960" y="1845734"/>
+            <a:ext cx="3703320" cy="4023360"/>
           </a:xfrm>
         </p:spPr>
         <p:txBody>
           <a:bodyPr/>
-          <a:lstStyle>
-            <a:lvl1pPr>
-              <a:defRPr sz="2800"/>
-            </a:lvl1pPr>
-            <a:lvl2pPr>
-              <a:defRPr sz="2400"/>
-            </a:lvl2pPr>
-            <a:lvl3pPr>
-              <a:defRPr sz="2000"/>
-            </a:lvl3pPr>
-            <a:lvl4pPr>
-              <a:defRPr sz="1800"/>
-            </a:lvl4pPr>
-            <a:lvl5pPr>
-              <a:defRPr sz="1800"/>
-            </a:lvl5pPr>
-            <a:lvl6pPr>
-              <a:defRPr sz="1800"/>
-            </a:lvl6pPr>
-            <a:lvl7pPr>
-              <a:defRPr sz="1800"/>
-            </a:lvl7pPr>
-            <a:lvl8pPr>
-              <a:defRPr sz="1800"/>
-            </a:lvl8pPr>
-            <a:lvl9pPr>
-              <a:defRPr sz="1800"/>
-            </a:lvl9pPr>
-          </a:lstStyle>
+          <a:lstStyle/>
           <a:p>
             <a:pPr lvl="0"/>
             <a:r>
-              <a:rPr lang="en-US" smtClean="0"/>
+              <a:rPr lang="en-US"/>
               <a:t>Click to edit Master text styles</a:t>
             </a:r>
           </a:p>
           <a:p>
             <a:pPr lvl="1"/>
             <a:r>
-              <a:rPr lang="en-US" smtClean="0"/>
+              <a:rPr lang="en-US"/>
               <a:t>Second level</a:t>
             </a:r>
           </a:p>
           <a:p>
             <a:pPr lvl="2"/>
             <a:r>
-              <a:rPr lang="en-US" smtClean="0"/>
+              <a:rPr lang="en-US"/>
               <a:t>Third level</a:t>
             </a:r>
           </a:p>
           <a:p>
             <a:pPr lvl="3"/>
             <a:r>
-              <a:rPr lang="en-US" smtClean="0"/>
+              <a:rPr lang="en-US"/>
               <a:t>Fourth level</a:t>
             </a:r>
           </a:p>
           <a:p>
             <a:pPr lvl="4"/>
             <a:r>
-              <a:rPr lang="en-US" smtClean="0"/>
+              <a:rPr lang="en-US"/>
               <a:t>Fifth level</a:t>
             </a:r>
-            <a:endParaRPr lang="en-US"/>
+            <a:endParaRPr lang="en-US" dirty="0"/>
           </a:p>
         </p:txBody>
       </p:sp>
@@ -1261,76 +2214,48 @@
         </p:nvSpPr>
         <p:spPr>
           <a:xfrm>
-            <a:off x="4648200" y="1600200"/>
-            <a:ext cx="4038600" cy="4525963"/>
+            <a:off x="4663440" y="1845736"/>
+            <a:ext cx="3703320" cy="4023359"/>
           </a:xfrm>
         </p:spPr>
         <p:txBody>
           <a:bodyPr/>
-          <a:lstStyle>
-            <a:lvl1pPr>
-              <a:defRPr sz="2800"/>
-            </a:lvl1pPr>
-            <a:lvl2pPr>
-              <a:defRPr sz="2400"/>
-            </a:lvl2pPr>
-            <a:lvl3pPr>
-              <a:defRPr sz="2000"/>
-            </a:lvl3pPr>
-            <a:lvl4pPr>
-              <a:defRPr sz="1800"/>
-            </a:lvl4pPr>
-            <a:lvl5pPr>
-              <a:defRPr sz="1800"/>
-            </a:lvl5pPr>
-            <a:lvl6pPr>
-              <a:defRPr sz="1800"/>
-            </a:lvl6pPr>
-            <a:lvl7pPr>
-              <a:defRPr sz="1800"/>
-            </a:lvl7pPr>
-            <a:lvl8pPr>
-              <a:defRPr sz="1800"/>
-            </a:lvl8pPr>
-            <a:lvl9pPr>
-              <a:defRPr sz="1800"/>
-            </a:lvl9pPr>
-          </a:lstStyle>
+          <a:lstStyle/>
           <a:p>
             <a:pPr lvl="0"/>
             <a:r>
-              <a:rPr lang="en-US" smtClean="0"/>
+              <a:rPr lang="en-US"/>
               <a:t>Click to edit Master text styles</a:t>
             </a:r>
           </a:p>
           <a:p>
             <a:pPr lvl="1"/>
             <a:r>
-              <a:rPr lang="en-US" smtClean="0"/>
+              <a:rPr lang="en-US"/>
               <a:t>Second level</a:t>
             </a:r>
           </a:p>
           <a:p>
             <a:pPr lvl="2"/>
             <a:r>
-              <a:rPr lang="en-US" smtClean="0"/>
+              <a:rPr lang="en-US"/>
               <a:t>Third level</a:t>
             </a:r>
           </a:p>
           <a:p>
             <a:pPr lvl="3"/>
             <a:r>
-              <a:rPr lang="en-US" smtClean="0"/>
+              <a:rPr lang="en-US"/>
               <a:t>Fourth level</a:t>
             </a:r>
           </a:p>
           <a:p>
             <a:pPr lvl="4"/>
             <a:r>
-              <a:rPr lang="en-US" smtClean="0"/>
+              <a:rPr lang="en-US"/>
               <a:t>Fifth level</a:t>
             </a:r>
-            <a:endParaRPr lang="en-US"/>
+            <a:endParaRPr lang="en-US" dirty="0"/>
           </a:p>
         </p:txBody>
       </p:sp>
@@ -1351,7 +2276,7 @@
           <a:p>
             <a:fld id="{5BCAD085-E8A6-8845-BD4E-CB4CCA059FC4}" type="datetimeFigureOut">
               <a:rPr lang="en-US" smtClean="0"/>
-              <a:t>1/27/13</a:t>
+              <a:t>8/27/2025</a:t>
             </a:fld>
             <a:endParaRPr lang="en-US"/>
           </a:p>
@@ -1402,7 +2327,7 @@
     </p:spTree>
     <p:extLst>
       <p:ext uri="{BB962C8B-B14F-4D97-AF65-F5344CB8AC3E}">
-        <p14:creationId xmlns:p14="http://schemas.microsoft.com/office/powerpoint/2010/main" val="2782244947"/>
+        <p14:creationId xmlns:p14="http://schemas.microsoft.com/office/powerpoint/2010/main" val="3939703278"/>
       </p:ext>
     </p:extLst>
   </p:cSld>
@@ -1431,53 +2356,60 @@
       </p:grpSpPr>
       <p:sp>
         <p:nvSpPr>
-          <p:cNvPr id="2" name="Title 1"/>
+          <p:cNvPr id="10" name="Title 9"/>
           <p:cNvSpPr>
             <a:spLocks noGrp="1"/>
           </p:cNvSpPr>
           <p:nvPr>
             <p:ph type="title"/>
-          </p:nvPr>
-        </p:nvSpPr>
-        <p:spPr/>
-        <p:txBody>
-          <a:bodyPr/>
-          <a:lstStyle>
-            <a:lvl1pPr>
-              <a:defRPr/>
-            </a:lvl1pPr>
-          </a:lstStyle>
-          <a:p>
-            <a:r>
-              <a:rPr lang="en-US" smtClean="0"/>
-              <a:t>Click to edit Master title style</a:t>
-            </a:r>
-            <a:endParaRPr lang="en-US"/>
-          </a:p>
-        </p:txBody>
-      </p:sp>
-      <p:sp>
-        <p:nvSpPr>
-          <p:cNvPr id="3" name="Text Placeholder 2"/>
-          <p:cNvSpPr>
-            <a:spLocks noGrp="1"/>
-          </p:cNvSpPr>
-          <p:nvPr>
-            <p:ph type="body" idx="1"/>
           </p:nvPr>
         </p:nvSpPr>
         <p:spPr>
           <a:xfrm>
-            <a:off x="457200" y="1535113"/>
-            <a:ext cx="4040188" cy="639762"/>
+            <a:off x="822960" y="286604"/>
+            <a:ext cx="7543800" cy="1450757"/>
           </a:xfrm>
         </p:spPr>
         <p:txBody>
-          <a:bodyPr anchor="b"/>
+          <a:bodyPr/>
+          <a:lstStyle/>
+          <a:p>
+            <a:r>
+              <a:rPr lang="en-US"/>
+              <a:t>Click to edit Master title style</a:t>
+            </a:r>
+            <a:endParaRPr lang="en-US" dirty="0"/>
+          </a:p>
+        </p:txBody>
+      </p:sp>
+      <p:sp>
+        <p:nvSpPr>
+          <p:cNvPr id="3" name="Text Placeholder 2"/>
+          <p:cNvSpPr>
+            <a:spLocks noGrp="1"/>
+          </p:cNvSpPr>
+          <p:nvPr>
+            <p:ph type="body" idx="1"/>
+          </p:nvPr>
+        </p:nvSpPr>
+        <p:spPr>
+          <a:xfrm>
+            <a:off x="822960" y="1846052"/>
+            <a:ext cx="3703320" cy="736282"/>
+          </a:xfrm>
+        </p:spPr>
+        <p:txBody>
+          <a:bodyPr lIns="91440" rIns="91440" anchor="ctr">
+            <a:normAutofit/>
+          </a:bodyPr>
           <a:lstStyle>
             <a:lvl1pPr marL="0" indent="0">
               <a:buNone/>
-              <a:defRPr sz="2400" b="1"/>
+              <a:defRPr sz="2000" b="0" cap="all" baseline="0">
+                <a:solidFill>
+                  <a:schemeClr val="tx2"/>
+                </a:solidFill>
+              </a:defRPr>
             </a:lvl1pPr>
             <a:lvl2pPr marL="457200" indent="0">
               <a:buNone/>
@@ -1515,7 +2447,7 @@
           <a:p>
             <a:pPr lvl="0"/>
             <a:r>
-              <a:rPr lang="en-US" smtClean="0"/>
+              <a:rPr lang="en-US"/>
               <a:t>Click to edit Master text styles</a:t>
             </a:r>
           </a:p>
@@ -1533,76 +2465,48 @@
         </p:nvSpPr>
         <p:spPr>
           <a:xfrm>
-            <a:off x="457200" y="2174875"/>
-            <a:ext cx="4040188" cy="3951288"/>
+            <a:off x="822960" y="2582334"/>
+            <a:ext cx="3703320" cy="3286760"/>
           </a:xfrm>
         </p:spPr>
         <p:txBody>
           <a:bodyPr/>
-          <a:lstStyle>
-            <a:lvl1pPr>
-              <a:defRPr sz="2400"/>
-            </a:lvl1pPr>
-            <a:lvl2pPr>
-              <a:defRPr sz="2000"/>
-            </a:lvl2pPr>
-            <a:lvl3pPr>
-              <a:defRPr sz="1800"/>
-            </a:lvl3pPr>
-            <a:lvl4pPr>
-              <a:defRPr sz="1600"/>
-            </a:lvl4pPr>
-            <a:lvl5pPr>
-              <a:defRPr sz="1600"/>
-            </a:lvl5pPr>
-            <a:lvl6pPr>
-              <a:defRPr sz="1600"/>
-            </a:lvl6pPr>
-            <a:lvl7pPr>
-              <a:defRPr sz="1600"/>
-            </a:lvl7pPr>
-            <a:lvl8pPr>
-              <a:defRPr sz="1600"/>
-            </a:lvl8pPr>
-            <a:lvl9pPr>
-              <a:defRPr sz="1600"/>
-            </a:lvl9pPr>
-          </a:lstStyle>
+          <a:lstStyle/>
           <a:p>
             <a:pPr lvl="0"/>
             <a:r>
-              <a:rPr lang="en-US" smtClean="0"/>
+              <a:rPr lang="en-US"/>
               <a:t>Click to edit Master text styles</a:t>
             </a:r>
           </a:p>
           <a:p>
             <a:pPr lvl="1"/>
             <a:r>
-              <a:rPr lang="en-US" smtClean="0"/>
+              <a:rPr lang="en-US"/>
               <a:t>Second level</a:t>
             </a:r>
           </a:p>
           <a:p>
             <a:pPr lvl="2"/>
             <a:r>
-              <a:rPr lang="en-US" smtClean="0"/>
+              <a:rPr lang="en-US"/>
               <a:t>Third level</a:t>
             </a:r>
           </a:p>
           <a:p>
             <a:pPr lvl="3"/>
             <a:r>
-              <a:rPr lang="en-US" smtClean="0"/>
+              <a:rPr lang="en-US"/>
               <a:t>Fourth level</a:t>
             </a:r>
           </a:p>
           <a:p>
             <a:pPr lvl="4"/>
             <a:r>
-              <a:rPr lang="en-US" smtClean="0"/>
+              <a:rPr lang="en-US"/>
               <a:t>Fifth level</a:t>
             </a:r>
-            <a:endParaRPr lang="en-US"/>
+            <a:endParaRPr lang="en-US" dirty="0"/>
           </a:p>
         </p:txBody>
       </p:sp>
@@ -1618,16 +2522,22 @@
         </p:nvSpPr>
         <p:spPr>
           <a:xfrm>
-            <a:off x="4645025" y="1535113"/>
-            <a:ext cx="4041775" cy="639762"/>
+            <a:off x="4663440" y="1846052"/>
+            <a:ext cx="3703320" cy="736282"/>
           </a:xfrm>
         </p:spPr>
         <p:txBody>
-          <a:bodyPr anchor="b"/>
+          <a:bodyPr lIns="91440" rIns="91440" anchor="ctr">
+            <a:normAutofit/>
+          </a:bodyPr>
           <a:lstStyle>
             <a:lvl1pPr marL="0" indent="0">
               <a:buNone/>
-              <a:defRPr sz="2400" b="1"/>
+              <a:defRPr sz="2000" b="0" cap="all" baseline="0">
+                <a:solidFill>
+                  <a:schemeClr val="tx2"/>
+                </a:solidFill>
+              </a:defRPr>
             </a:lvl1pPr>
             <a:lvl2pPr marL="457200" indent="0">
               <a:buNone/>
@@ -1665,7 +2575,7 @@
           <a:p>
             <a:pPr lvl="0"/>
             <a:r>
-              <a:rPr lang="en-US" smtClean="0"/>
+              <a:rPr lang="en-US"/>
               <a:t>Click to edit Master text styles</a:t>
             </a:r>
           </a:p>
@@ -1683,76 +2593,48 @@
         </p:nvSpPr>
         <p:spPr>
           <a:xfrm>
-            <a:off x="4645025" y="2174875"/>
-            <a:ext cx="4041775" cy="3951288"/>
+            <a:off x="4663440" y="2582334"/>
+            <a:ext cx="3703320" cy="3286760"/>
           </a:xfrm>
         </p:spPr>
         <p:txBody>
           <a:bodyPr/>
-          <a:lstStyle>
-            <a:lvl1pPr>
-              <a:defRPr sz="2400"/>
-            </a:lvl1pPr>
-            <a:lvl2pPr>
-              <a:defRPr sz="2000"/>
-            </a:lvl2pPr>
-            <a:lvl3pPr>
-              <a:defRPr sz="1800"/>
-            </a:lvl3pPr>
-            <a:lvl4pPr>
-              <a:defRPr sz="1600"/>
-            </a:lvl4pPr>
-            <a:lvl5pPr>
-              <a:defRPr sz="1600"/>
-            </a:lvl5pPr>
-            <a:lvl6pPr>
-              <a:defRPr sz="1600"/>
-            </a:lvl6pPr>
-            <a:lvl7pPr>
-              <a:defRPr sz="1600"/>
-            </a:lvl7pPr>
-            <a:lvl8pPr>
-              <a:defRPr sz="1600"/>
-            </a:lvl8pPr>
-            <a:lvl9pPr>
-              <a:defRPr sz="1600"/>
-            </a:lvl9pPr>
-          </a:lstStyle>
+          <a:lstStyle/>
           <a:p>
             <a:pPr lvl="0"/>
             <a:r>
-              <a:rPr lang="en-US" smtClean="0"/>
+              <a:rPr lang="en-US"/>
               <a:t>Click to edit Master text styles</a:t>
             </a:r>
           </a:p>
           <a:p>
             <a:pPr lvl="1"/>
             <a:r>
-              <a:rPr lang="en-US" smtClean="0"/>
+              <a:rPr lang="en-US"/>
               <a:t>Second level</a:t>
             </a:r>
           </a:p>
           <a:p>
             <a:pPr lvl="2"/>
             <a:r>
-              <a:rPr lang="en-US" smtClean="0"/>
+              <a:rPr lang="en-US"/>
               <a:t>Third level</a:t>
             </a:r>
           </a:p>
           <a:p>
             <a:pPr lvl="3"/>
             <a:r>
-              <a:rPr lang="en-US" smtClean="0"/>
+              <a:rPr lang="en-US"/>
               <a:t>Fourth level</a:t>
             </a:r>
           </a:p>
           <a:p>
             <a:pPr lvl="4"/>
             <a:r>
-              <a:rPr lang="en-US" smtClean="0"/>
+              <a:rPr lang="en-US"/>
               <a:t>Fifth level</a:t>
             </a:r>
-            <a:endParaRPr lang="en-US"/>
+            <a:endParaRPr lang="en-US" dirty="0"/>
           </a:p>
         </p:txBody>
       </p:sp>
@@ -1773,7 +2655,7 @@
           <a:p>
             <a:fld id="{5BCAD085-E8A6-8845-BD4E-CB4CCA059FC4}" type="datetimeFigureOut">
               <a:rPr lang="en-US" smtClean="0"/>
-              <a:t>1/27/13</a:t>
+              <a:t>8/27/2025</a:t>
             </a:fld>
             <a:endParaRPr lang="en-US"/>
           </a:p>
@@ -1824,7 +2706,7 @@
     </p:spTree>
     <p:extLst>
       <p:ext uri="{BB962C8B-B14F-4D97-AF65-F5344CB8AC3E}">
-        <p14:creationId xmlns:p14="http://schemas.microsoft.com/office/powerpoint/2010/main" val="990158736"/>
+        <p14:creationId xmlns:p14="http://schemas.microsoft.com/office/powerpoint/2010/main" val="1452474721"/>
       </p:ext>
     </p:extLst>
   </p:cSld>
@@ -1867,10 +2749,10 @@
           <a:lstStyle/>
           <a:p>
             <a:r>
-              <a:rPr lang="en-US" smtClean="0"/>
+              <a:rPr lang="en-US"/>
               <a:t>Click to edit Master title style</a:t>
             </a:r>
-            <a:endParaRPr lang="en-US"/>
+            <a:endParaRPr lang="en-US" dirty="0"/>
           </a:p>
         </p:txBody>
       </p:sp>
@@ -1891,7 +2773,7 @@
           <a:p>
             <a:fld id="{5BCAD085-E8A6-8845-BD4E-CB4CCA059FC4}" type="datetimeFigureOut">
               <a:rPr lang="en-US" smtClean="0"/>
-              <a:t>1/27/13</a:t>
+              <a:t>8/27/2025</a:t>
             </a:fld>
             <a:endParaRPr lang="en-US"/>
           </a:p>
@@ -1942,7 +2824,7 @@
     </p:spTree>
     <p:extLst>
       <p:ext uri="{BB962C8B-B14F-4D97-AF65-F5344CB8AC3E}">
-        <p14:creationId xmlns:p14="http://schemas.microsoft.com/office/powerpoint/2010/main" val="727027711"/>
+        <p14:creationId xmlns:p14="http://schemas.microsoft.com/office/powerpoint/2010/main" val="1098022310"/>
       </p:ext>
     </p:extLst>
   </p:cSld>
@@ -1953,7 +2835,7 @@
 </file>
 
 <file path=ppt/slideLayouts/slideLayout7.xml><?xml version="1.0" encoding="utf-8"?>
-<p:sldLayout xmlns:a="http://schemas.openxmlformats.org/drawingml/2006/main" xmlns:r="http://schemas.openxmlformats.org/officeDocument/2006/relationships" xmlns:p="http://schemas.openxmlformats.org/presentationml/2006/main" type="blank" preserve="1">
+<p:sldLayout xmlns:a="http://schemas.openxmlformats.org/drawingml/2006/main" xmlns:r="http://schemas.openxmlformats.org/officeDocument/2006/relationships" xmlns:p="http://schemas.openxmlformats.org/presentationml/2006/main" showMasterSp="0" type="blank" preserve="1">
   <p:cSld name="Blank">
     <p:spTree>
       <p:nvGrpSpPr>
@@ -1971,7 +2853,83 @@
       </p:grpSpPr>
       <p:sp>
         <p:nvSpPr>
-          <p:cNvPr id="2" name="Date Placeholder 1"/>
+          <p:cNvPr id="5" name="Rectangle 4"/>
+          <p:cNvSpPr/>
+          <p:nvPr/>
+        </p:nvSpPr>
+        <p:spPr>
+          <a:xfrm>
+            <a:off x="2382" y="6400800"/>
+            <a:ext cx="9141619" cy="457200"/>
+          </a:xfrm>
+          <a:prstGeom prst="rect">
+            <a:avLst/>
+          </a:prstGeom>
+          <a:solidFill>
+            <a:schemeClr val="accent2"/>
+          </a:solidFill>
+          <a:ln>
+            <a:noFill/>
+          </a:ln>
+        </p:spPr>
+        <p:style>
+          <a:lnRef idx="2">
+            <a:schemeClr val="accent1">
+              <a:shade val="50000"/>
+            </a:schemeClr>
+          </a:lnRef>
+          <a:fillRef idx="1">
+            <a:schemeClr val="accent1"/>
+          </a:fillRef>
+          <a:effectRef idx="0">
+            <a:schemeClr val="accent1"/>
+          </a:effectRef>
+          <a:fontRef idx="minor">
+            <a:schemeClr val="lt1"/>
+          </a:fontRef>
+        </p:style>
+      </p:sp>
+      <p:sp>
+        <p:nvSpPr>
+          <p:cNvPr id="6" name="Rectangle 5"/>
+          <p:cNvSpPr/>
+          <p:nvPr/>
+        </p:nvSpPr>
+        <p:spPr>
+          <a:xfrm>
+            <a:off x="12" y="6334316"/>
+            <a:ext cx="9141619" cy="64008"/>
+          </a:xfrm>
+          <a:prstGeom prst="rect">
+            <a:avLst/>
+          </a:prstGeom>
+          <a:solidFill>
+            <a:schemeClr val="accent1"/>
+          </a:solidFill>
+          <a:ln>
+            <a:noFill/>
+          </a:ln>
+        </p:spPr>
+        <p:style>
+          <a:lnRef idx="2">
+            <a:schemeClr val="accent1">
+              <a:shade val="50000"/>
+            </a:schemeClr>
+          </a:lnRef>
+          <a:fillRef idx="1">
+            <a:schemeClr val="accent1"/>
+          </a:fillRef>
+          <a:effectRef idx="0">
+            <a:schemeClr val="accent1"/>
+          </a:effectRef>
+          <a:fontRef idx="minor">
+            <a:schemeClr val="lt1"/>
+          </a:fontRef>
+        </p:style>
+      </p:sp>
+      <p:sp>
+        <p:nvSpPr>
+          <p:cNvPr id="7" name="Date Placeholder 6"/>
           <p:cNvSpPr>
             <a:spLocks noGrp="1"/>
           </p:cNvSpPr>
@@ -1986,7 +2944,7 @@
           <a:p>
             <a:fld id="{5BCAD085-E8A6-8845-BD4E-CB4CCA059FC4}" type="datetimeFigureOut">
               <a:rPr lang="en-US" smtClean="0"/>
-              <a:t>1/27/13</a:t>
+              <a:t>8/27/2025</a:t>
             </a:fld>
             <a:endParaRPr lang="en-US"/>
           </a:p>
@@ -1994,7 +2952,7 @@
       </p:sp>
       <p:sp>
         <p:nvSpPr>
-          <p:cNvPr id="3" name="Footer Placeholder 2"/>
+          <p:cNvPr id="8" name="Footer Placeholder 7"/>
           <p:cNvSpPr>
             <a:spLocks noGrp="1"/>
           </p:cNvSpPr>
@@ -2005,7 +2963,15 @@
         <p:spPr/>
         <p:txBody>
           <a:bodyPr/>
-          <a:lstStyle/>
+          <a:lstStyle>
+            <a:lvl1pPr>
+              <a:defRPr>
+                <a:solidFill>
+                  <a:srgbClr val="FFFFFF"/>
+                </a:solidFill>
+              </a:defRPr>
+            </a:lvl1pPr>
+          </a:lstStyle>
           <a:p>
             <a:endParaRPr lang="en-US"/>
           </a:p>
@@ -2013,7 +2979,7 @@
       </p:sp>
       <p:sp>
         <p:nvSpPr>
-          <p:cNvPr id="4" name="Slide Number Placeholder 3"/>
+          <p:cNvPr id="9" name="Slide Number Placeholder 8"/>
           <p:cNvSpPr>
             <a:spLocks noGrp="1"/>
           </p:cNvSpPr>
@@ -2037,7 +3003,7 @@
     </p:spTree>
     <p:extLst>
       <p:ext uri="{BB962C8B-B14F-4D97-AF65-F5344CB8AC3E}">
-        <p14:creationId xmlns:p14="http://schemas.microsoft.com/office/powerpoint/2010/main" val="1212999818"/>
+        <p14:creationId xmlns:p14="http://schemas.microsoft.com/office/powerpoint/2010/main" val="2075357982"/>
       </p:ext>
     </p:extLst>
   </p:cSld>
@@ -2048,7 +3014,7 @@
 </file>
 
 <file path=ppt/slideLayouts/slideLayout8.xml><?xml version="1.0" encoding="utf-8"?>
-<p:sldLayout xmlns:a="http://schemas.openxmlformats.org/drawingml/2006/main" xmlns:r="http://schemas.openxmlformats.org/officeDocument/2006/relationships" xmlns:p="http://schemas.openxmlformats.org/presentationml/2006/main" type="objTx" preserve="1">
+<p:sldLayout xmlns:a="http://schemas.openxmlformats.org/drawingml/2006/main" xmlns:r="http://schemas.openxmlformats.org/officeDocument/2006/relationships" xmlns:p="http://schemas.openxmlformats.org/presentationml/2006/main" showMasterSp="0" type="objTx" preserve="1">
   <p:cSld name="Content with Caption">
     <p:spTree>
       <p:nvGrpSpPr>
@@ -2066,33 +3032,115 @@
       </p:grpSpPr>
       <p:sp>
         <p:nvSpPr>
-          <p:cNvPr id="2" name="Title 1"/>
-          <p:cNvSpPr>
-            <a:spLocks noGrp="1"/>
-          </p:cNvSpPr>
-          <p:nvPr>
-            <p:ph type="title"/>
-          </p:nvPr>
+          <p:cNvPr id="8" name="Rectangle 7"/>
+          <p:cNvSpPr/>
+          <p:nvPr/>
         </p:nvSpPr>
         <p:spPr>
           <a:xfrm>
-            <a:off x="457200" y="273050"/>
-            <a:ext cx="3008313" cy="1162050"/>
+            <a:off x="13" y="0"/>
+            <a:ext cx="3038093" cy="6858000"/>
+          </a:xfrm>
+          <a:prstGeom prst="rect">
+            <a:avLst/>
+          </a:prstGeom>
+          <a:solidFill>
+            <a:schemeClr val="accent2"/>
+          </a:solidFill>
+          <a:ln>
+            <a:noFill/>
+          </a:ln>
+        </p:spPr>
+        <p:style>
+          <a:lnRef idx="2">
+            <a:schemeClr val="accent1">
+              <a:shade val="50000"/>
+            </a:schemeClr>
+          </a:lnRef>
+          <a:fillRef idx="1">
+            <a:schemeClr val="accent1"/>
+          </a:fillRef>
+          <a:effectRef idx="0">
+            <a:schemeClr val="accent1"/>
+          </a:effectRef>
+          <a:fontRef idx="minor">
+            <a:schemeClr val="lt1"/>
+          </a:fontRef>
+        </p:style>
+      </p:sp>
+      <p:sp>
+        <p:nvSpPr>
+          <p:cNvPr id="9" name="Rectangle 8"/>
+          <p:cNvSpPr/>
+          <p:nvPr/>
+        </p:nvSpPr>
+        <p:spPr>
+          <a:xfrm>
+            <a:off x="3030053" y="0"/>
+            <a:ext cx="48006" cy="6858000"/>
+          </a:xfrm>
+          <a:prstGeom prst="rect">
+            <a:avLst/>
+          </a:prstGeom>
+          <a:solidFill>
+            <a:schemeClr val="accent1"/>
+          </a:solidFill>
+          <a:ln>
+            <a:noFill/>
+          </a:ln>
+        </p:spPr>
+        <p:style>
+          <a:lnRef idx="2">
+            <a:schemeClr val="accent1">
+              <a:shade val="50000"/>
+            </a:schemeClr>
+          </a:lnRef>
+          <a:fillRef idx="1">
+            <a:schemeClr val="accent1"/>
+          </a:fillRef>
+          <a:effectRef idx="0">
+            <a:schemeClr val="accent1"/>
+          </a:effectRef>
+          <a:fontRef idx="minor">
+            <a:schemeClr val="lt1"/>
+          </a:fontRef>
+        </p:style>
+      </p:sp>
+      <p:sp>
+        <p:nvSpPr>
+          <p:cNvPr id="2" name="Title 1"/>
+          <p:cNvSpPr>
+            <a:spLocks noGrp="1"/>
+          </p:cNvSpPr>
+          <p:nvPr>
+            <p:ph type="title"/>
+          </p:nvPr>
+        </p:nvSpPr>
+        <p:spPr>
+          <a:xfrm>
+            <a:off x="342900" y="594359"/>
+            <a:ext cx="2400300" cy="2286000"/>
           </a:xfrm>
         </p:spPr>
         <p:txBody>
-          <a:bodyPr anchor="b"/>
+          <a:bodyPr anchor="b">
+            <a:normAutofit/>
+          </a:bodyPr>
           <a:lstStyle>
-            <a:lvl1pPr algn="l">
-              <a:defRPr sz="2000" b="1"/>
+            <a:lvl1pPr>
+              <a:defRPr sz="3600" b="0">
+                <a:solidFill>
+                  <a:srgbClr val="FFFFFF"/>
+                </a:solidFill>
+              </a:defRPr>
             </a:lvl1pPr>
           </a:lstStyle>
           <a:p>
             <a:r>
-              <a:rPr lang="en-US" smtClean="0"/>
+              <a:rPr lang="en-US"/>
               <a:t>Click to edit Master title style</a:t>
             </a:r>
-            <a:endParaRPr lang="en-US"/>
+            <a:endParaRPr lang="en-US" dirty="0"/>
           </a:p>
         </p:txBody>
       </p:sp>
@@ -2108,76 +3156,48 @@
         </p:nvSpPr>
         <p:spPr>
           <a:xfrm>
-            <a:off x="3575050" y="273050"/>
-            <a:ext cx="5111750" cy="5853113"/>
+            <a:off x="3460237" y="731520"/>
+            <a:ext cx="5009393" cy="5257800"/>
           </a:xfrm>
         </p:spPr>
         <p:txBody>
           <a:bodyPr/>
-          <a:lstStyle>
-            <a:lvl1pPr>
-              <a:defRPr sz="3200"/>
-            </a:lvl1pPr>
-            <a:lvl2pPr>
-              <a:defRPr sz="2800"/>
-            </a:lvl2pPr>
-            <a:lvl3pPr>
-              <a:defRPr sz="2400"/>
-            </a:lvl3pPr>
-            <a:lvl4pPr>
-              <a:defRPr sz="2000"/>
-            </a:lvl4pPr>
-            <a:lvl5pPr>
-              <a:defRPr sz="2000"/>
-            </a:lvl5pPr>
-            <a:lvl6pPr>
-              <a:defRPr sz="2000"/>
-            </a:lvl6pPr>
-            <a:lvl7pPr>
-              <a:defRPr sz="2000"/>
-            </a:lvl7pPr>
-            <a:lvl8pPr>
-              <a:defRPr sz="2000"/>
-            </a:lvl8pPr>
-            <a:lvl9pPr>
-              <a:defRPr sz="2000"/>
-            </a:lvl9pPr>
-          </a:lstStyle>
+          <a:lstStyle/>
           <a:p>
             <a:pPr lvl="0"/>
             <a:r>
-              <a:rPr lang="en-US" smtClean="0"/>
+              <a:rPr lang="en-US"/>
               <a:t>Click to edit Master text styles</a:t>
             </a:r>
           </a:p>
           <a:p>
             <a:pPr lvl="1"/>
             <a:r>
-              <a:rPr lang="en-US" smtClean="0"/>
+              <a:rPr lang="en-US"/>
               <a:t>Second level</a:t>
             </a:r>
           </a:p>
           <a:p>
             <a:pPr lvl="2"/>
             <a:r>
-              <a:rPr lang="en-US" smtClean="0"/>
+              <a:rPr lang="en-US"/>
               <a:t>Third level</a:t>
             </a:r>
           </a:p>
           <a:p>
             <a:pPr lvl="3"/>
             <a:r>
-              <a:rPr lang="en-US" smtClean="0"/>
+              <a:rPr lang="en-US"/>
               <a:t>Fourth level</a:t>
             </a:r>
           </a:p>
           <a:p>
             <a:pPr lvl="4"/>
             <a:r>
-              <a:rPr lang="en-US" smtClean="0"/>
+              <a:rPr lang="en-US"/>
               <a:t>Fifth level</a:t>
             </a:r>
-            <a:endParaRPr lang="en-US"/>
+            <a:endParaRPr lang="en-US" dirty="0"/>
           </a:p>
         </p:txBody>
       </p:sp>
@@ -2193,16 +3213,22 @@
         </p:nvSpPr>
         <p:spPr>
           <a:xfrm>
-            <a:off x="457200" y="1435100"/>
-            <a:ext cx="3008313" cy="4691063"/>
+            <a:off x="342900" y="2926080"/>
+            <a:ext cx="2400300" cy="3379124"/>
           </a:xfrm>
         </p:spPr>
         <p:txBody>
-          <a:bodyPr/>
+          <a:bodyPr lIns="91440" rIns="91440">
+            <a:normAutofit/>
+          </a:bodyPr>
           <a:lstStyle>
             <a:lvl1pPr marL="0" indent="0">
               <a:buNone/>
-              <a:defRPr sz="1400"/>
+              <a:defRPr sz="1500">
+                <a:solidFill>
+                  <a:srgbClr val="FFFFFF"/>
+                </a:solidFill>
+              </a:defRPr>
             </a:lvl1pPr>
             <a:lvl2pPr marL="457200" indent="0">
               <a:buNone/>
@@ -2240,7 +3266,7 @@
           <a:p>
             <a:pPr lvl="0"/>
             <a:r>
-              <a:rPr lang="en-US" smtClean="0"/>
+              <a:rPr lang="en-US"/>
               <a:t>Click to edit Master text styles</a:t>
             </a:r>
           </a:p>
@@ -2256,14 +3282,23 @@
             <p:ph type="dt" sz="half" idx="10"/>
           </p:nvPr>
         </p:nvSpPr>
-        <p:spPr/>
+        <p:spPr>
+          <a:xfrm>
+            <a:off x="349134" y="6459786"/>
+            <a:ext cx="1963883" cy="365125"/>
+          </a:xfrm>
+        </p:spPr>
         <p:txBody>
           <a:bodyPr/>
-          <a:lstStyle/>
+          <a:lstStyle>
+            <a:lvl1pPr algn="l">
+              <a:defRPr/>
+            </a:lvl1pPr>
+          </a:lstStyle>
           <a:p>
             <a:fld id="{5BCAD085-E8A6-8845-BD4E-CB4CCA059FC4}" type="datetimeFigureOut">
               <a:rPr lang="en-US" smtClean="0"/>
-              <a:t>1/27/13</a:t>
+              <a:t>8/27/2025</a:t>
             </a:fld>
             <a:endParaRPr lang="en-US"/>
           </a:p>
@@ -2279,29 +3314,50 @@
             <p:ph type="ftr" sz="quarter" idx="11"/>
           </p:nvPr>
         </p:nvSpPr>
+        <p:spPr>
+          <a:xfrm>
+            <a:off x="3600450" y="6459786"/>
+            <a:ext cx="3486150" cy="365125"/>
+          </a:xfrm>
+        </p:spPr>
+        <p:txBody>
+          <a:bodyPr/>
+          <a:lstStyle>
+            <a:lvl1pPr algn="l">
+              <a:defRPr>
+                <a:solidFill>
+                  <a:schemeClr val="tx2"/>
+                </a:solidFill>
+              </a:defRPr>
+            </a:lvl1pPr>
+          </a:lstStyle>
+          <a:p>
+            <a:endParaRPr lang="en-US"/>
+          </a:p>
+        </p:txBody>
+      </p:sp>
+      <p:sp>
+        <p:nvSpPr>
+          <p:cNvPr id="7" name="Slide Number Placeholder 6"/>
+          <p:cNvSpPr>
+            <a:spLocks noGrp="1"/>
+          </p:cNvSpPr>
+          <p:nvPr>
+            <p:ph type="sldNum" sz="quarter" idx="12"/>
+          </p:nvPr>
+        </p:nvSpPr>
         <p:spPr/>
         <p:txBody>
           <a:bodyPr/>
-          <a:lstStyle/>
-          <a:p>
-            <a:endParaRPr lang="en-US"/>
-          </a:p>
-        </p:txBody>
-      </p:sp>
-      <p:sp>
-        <p:nvSpPr>
-          <p:cNvPr id="7" name="Slide Number Placeholder 6"/>
-          <p:cNvSpPr>
-            <a:spLocks noGrp="1"/>
-          </p:cNvSpPr>
-          <p:nvPr>
-            <p:ph type="sldNum" sz="quarter" idx="12"/>
-          </p:nvPr>
-        </p:nvSpPr>
-        <p:spPr/>
-        <p:txBody>
-          <a:bodyPr/>
-          <a:lstStyle/>
+          <a:lstStyle>
+            <a:lvl1pPr>
+              <a:defRPr>
+                <a:solidFill>
+                  <a:schemeClr val="tx2"/>
+                </a:solidFill>
+              </a:defRPr>
+            </a:lvl1pPr>
+          </a:lstStyle>
           <a:p>
             <a:fld id="{C1FF6DA9-008F-8B48-92A6-B652298478BF}" type="slidenum">
               <a:rPr lang="en-US" smtClean="0"/>
@@ -2314,7 +3370,7 @@
     </p:spTree>
     <p:extLst>
       <p:ext uri="{BB962C8B-B14F-4D97-AF65-F5344CB8AC3E}">
-        <p14:creationId xmlns:p14="http://schemas.microsoft.com/office/powerpoint/2010/main" val="1840726560"/>
+        <p14:creationId xmlns:p14="http://schemas.microsoft.com/office/powerpoint/2010/main" val="726869142"/>
       </p:ext>
     </p:extLst>
   </p:cSld>
@@ -2325,7 +3381,7 @@
 </file>
 
 <file path=ppt/slideLayouts/slideLayout9.xml><?xml version="1.0" encoding="utf-8"?>
-<p:sldLayout xmlns:a="http://schemas.openxmlformats.org/drawingml/2006/main" xmlns:r="http://schemas.openxmlformats.org/officeDocument/2006/relationships" xmlns:p="http://schemas.openxmlformats.org/presentationml/2006/main" type="picTx" preserve="1">
+<p:sldLayout xmlns:a="http://schemas.openxmlformats.org/drawingml/2006/main" xmlns:r="http://schemas.openxmlformats.org/officeDocument/2006/relationships" xmlns:p="http://schemas.openxmlformats.org/presentationml/2006/main" showMasterSp="0" type="picTx" preserve="1">
   <p:cSld name="Picture with Caption">
     <p:spTree>
       <p:nvGrpSpPr>
@@ -2343,33 +3399,115 @@
       </p:grpSpPr>
       <p:sp>
         <p:nvSpPr>
-          <p:cNvPr id="2" name="Title 1"/>
-          <p:cNvSpPr>
-            <a:spLocks noGrp="1"/>
-          </p:cNvSpPr>
-          <p:nvPr>
-            <p:ph type="title"/>
-          </p:nvPr>
+          <p:cNvPr id="8" name="Rectangle 7"/>
+          <p:cNvSpPr/>
+          <p:nvPr/>
         </p:nvSpPr>
         <p:spPr>
           <a:xfrm>
-            <a:off x="1792288" y="4800600"/>
-            <a:ext cx="5486400" cy="566738"/>
+            <a:off x="0" y="4953000"/>
+            <a:ext cx="9141619" cy="1905000"/>
+          </a:xfrm>
+          <a:prstGeom prst="rect">
+            <a:avLst/>
+          </a:prstGeom>
+          <a:solidFill>
+            <a:schemeClr val="accent2"/>
+          </a:solidFill>
+          <a:ln>
+            <a:noFill/>
+          </a:ln>
+        </p:spPr>
+        <p:style>
+          <a:lnRef idx="2">
+            <a:schemeClr val="accent1">
+              <a:shade val="50000"/>
+            </a:schemeClr>
+          </a:lnRef>
+          <a:fillRef idx="1">
+            <a:schemeClr val="accent1"/>
+          </a:fillRef>
+          <a:effectRef idx="0">
+            <a:schemeClr val="accent1"/>
+          </a:effectRef>
+          <a:fontRef idx="minor">
+            <a:schemeClr val="lt1"/>
+          </a:fontRef>
+        </p:style>
+      </p:sp>
+      <p:sp>
+        <p:nvSpPr>
+          <p:cNvPr id="9" name="Rectangle 8"/>
+          <p:cNvSpPr/>
+          <p:nvPr/>
+        </p:nvSpPr>
+        <p:spPr>
+          <a:xfrm>
+            <a:off x="12" y="4915076"/>
+            <a:ext cx="9141619" cy="64008"/>
+          </a:xfrm>
+          <a:prstGeom prst="rect">
+            <a:avLst/>
+          </a:prstGeom>
+          <a:solidFill>
+            <a:schemeClr val="accent1"/>
+          </a:solidFill>
+          <a:ln>
+            <a:noFill/>
+          </a:ln>
+        </p:spPr>
+        <p:style>
+          <a:lnRef idx="2">
+            <a:schemeClr val="accent1">
+              <a:shade val="50000"/>
+            </a:schemeClr>
+          </a:lnRef>
+          <a:fillRef idx="1">
+            <a:schemeClr val="accent1"/>
+          </a:fillRef>
+          <a:effectRef idx="0">
+            <a:schemeClr val="accent1"/>
+          </a:effectRef>
+          <a:fontRef idx="minor">
+            <a:schemeClr val="lt1"/>
+          </a:fontRef>
+        </p:style>
+      </p:sp>
+      <p:sp>
+        <p:nvSpPr>
+          <p:cNvPr id="2" name="Title 1"/>
+          <p:cNvSpPr>
+            <a:spLocks noGrp="1"/>
+          </p:cNvSpPr>
+          <p:nvPr>
+            <p:ph type="title"/>
+          </p:nvPr>
+        </p:nvSpPr>
+        <p:spPr>
+          <a:xfrm>
+            <a:off x="822960" y="5074920"/>
+            <a:ext cx="7589520" cy="822960"/>
           </a:xfrm>
         </p:spPr>
         <p:txBody>
-          <a:bodyPr anchor="b"/>
+          <a:bodyPr tIns="0" bIns="0" anchor="b">
+            <a:noAutofit/>
+          </a:bodyPr>
           <a:lstStyle>
-            <a:lvl1pPr algn="l">
-              <a:defRPr sz="2000" b="1"/>
+            <a:lvl1pPr>
+              <a:defRPr sz="3600" b="0">
+                <a:solidFill>
+                  <a:srgbClr val="FFFFFF"/>
+                </a:solidFill>
+              </a:defRPr>
             </a:lvl1pPr>
           </a:lstStyle>
           <a:p>
             <a:r>
-              <a:rPr lang="en-US" smtClean="0"/>
+              <a:rPr lang="en-US"/>
               <a:t>Click to edit Master title style</a:t>
             </a:r>
-            <a:endParaRPr lang="en-US"/>
+            <a:endParaRPr lang="en-US" dirty="0"/>
           </a:p>
         </p:txBody>
       </p:sp>
@@ -2377,7 +3515,7 @@
         <p:nvSpPr>
           <p:cNvPr id="3" name="Picture Placeholder 2"/>
           <p:cNvSpPr>
-            <a:spLocks noGrp="1"/>
+            <a:spLocks noGrp="1" noChangeAspect="1"/>
           </p:cNvSpPr>
           <p:nvPr>
             <p:ph type="pic" idx="1"/>
@@ -2385,16 +3523,26 @@
         </p:nvSpPr>
         <p:spPr>
           <a:xfrm>
-            <a:off x="1792288" y="612775"/>
-            <a:ext cx="5486400" cy="4114800"/>
+            <a:off x="12" y="0"/>
+            <a:ext cx="9143989" cy="4915076"/>
           </a:xfrm>
+          <a:blipFill>
+            <a:blip r:embed="rId2"/>
+            <a:stretch>
+              <a:fillRect/>
+            </a:stretch>
+          </a:blipFill>
         </p:spPr>
         <p:txBody>
-          <a:bodyPr/>
+          <a:bodyPr lIns="457200" tIns="457200" anchor="t"/>
           <a:lstStyle>
             <a:lvl1pPr marL="0" indent="0">
               <a:buNone/>
-              <a:defRPr sz="3200"/>
+              <a:defRPr sz="3200">
+                <a:solidFill>
+                  <a:schemeClr val="bg1"/>
+                </a:solidFill>
+              </a:defRPr>
             </a:lvl1pPr>
             <a:lvl2pPr marL="457200" indent="0">
               <a:buNone/>
@@ -2430,7 +3578,11 @@
             </a:lvl9pPr>
           </a:lstStyle>
           <a:p>
-            <a:endParaRPr lang="en-US"/>
+            <a:r>
+              <a:rPr lang="en-US"/>
+              <a:t>Click icon to add picture</a:t>
+            </a:r>
+            <a:endParaRPr lang="en-US" dirty="0"/>
           </a:p>
         </p:txBody>
       </p:sp>
@@ -2446,16 +3598,28 @@
         </p:nvSpPr>
         <p:spPr>
           <a:xfrm>
-            <a:off x="1792288" y="5367338"/>
-            <a:ext cx="5486400" cy="804862"/>
+            <a:off x="822959" y="5907024"/>
+            <a:ext cx="7589520" cy="594360"/>
           </a:xfrm>
         </p:spPr>
         <p:txBody>
-          <a:bodyPr/>
+          <a:bodyPr lIns="91440" tIns="0" rIns="91440" bIns="0">
+            <a:normAutofit/>
+          </a:bodyPr>
           <a:lstStyle>
             <a:lvl1pPr marL="0" indent="0">
+              <a:spcBef>
+                <a:spcPts val="0"/>
+              </a:spcBef>
+              <a:spcAft>
+                <a:spcPts val="600"/>
+              </a:spcAft>
               <a:buNone/>
-              <a:defRPr sz="1400"/>
+              <a:defRPr sz="1500">
+                <a:solidFill>
+                  <a:srgbClr val="FFFFFF"/>
+                </a:solidFill>
+              </a:defRPr>
             </a:lvl1pPr>
             <a:lvl2pPr marL="457200" indent="0">
               <a:buNone/>
@@ -2493,7 +3657,7 @@
           <a:p>
             <a:pPr lvl="0"/>
             <a:r>
-              <a:rPr lang="en-US" smtClean="0"/>
+              <a:rPr lang="en-US"/>
               <a:t>Click to edit Master text styles</a:t>
             </a:r>
           </a:p>
@@ -2516,7 +3680,7 @@
           <a:p>
             <a:fld id="{5BCAD085-E8A6-8845-BD4E-CB4CCA059FC4}" type="datetimeFigureOut">
               <a:rPr lang="en-US" smtClean="0"/>
-              <a:t>1/27/13</a:t>
+              <a:t>8/27/2025</a:t>
             </a:fld>
             <a:endParaRPr lang="en-US"/>
           </a:p>
@@ -2567,7 +3731,7 @@
     </p:spTree>
     <p:extLst>
       <p:ext uri="{BB962C8B-B14F-4D97-AF65-F5344CB8AC3E}">
-        <p14:creationId xmlns:p14="http://schemas.microsoft.com/office/powerpoint/2010/main" val="3889236939"/>
+        <p14:creationId xmlns:p14="http://schemas.microsoft.com/office/powerpoint/2010/main" val="1403884556"/>
       </p:ext>
     </p:extLst>
   </p:cSld>
@@ -2601,34 +3765,110 @@
       </p:grpSpPr>
       <p:sp>
         <p:nvSpPr>
-          <p:cNvPr id="2" name="Title Placeholder 1"/>
-          <p:cNvSpPr>
-            <a:spLocks noGrp="1"/>
-          </p:cNvSpPr>
-          <p:nvPr>
-            <p:ph type="title"/>
-          </p:nvPr>
+          <p:cNvPr id="7" name="Rectangle 6"/>
+          <p:cNvSpPr/>
+          <p:nvPr/>
         </p:nvSpPr>
         <p:spPr>
           <a:xfrm>
-            <a:off x="457200" y="274638"/>
-            <a:ext cx="8229600" cy="1143000"/>
+            <a:off x="0" y="6400800"/>
+            <a:ext cx="9144001" cy="457200"/>
+          </a:xfrm>
+          <a:prstGeom prst="rect">
+            <a:avLst/>
+          </a:prstGeom>
+          <a:solidFill>
+            <a:schemeClr val="accent2"/>
+          </a:solidFill>
+          <a:ln>
+            <a:noFill/>
+          </a:ln>
+        </p:spPr>
+        <p:style>
+          <a:lnRef idx="2">
+            <a:schemeClr val="accent1">
+              <a:shade val="50000"/>
+            </a:schemeClr>
+          </a:lnRef>
+          <a:fillRef idx="1">
+            <a:schemeClr val="accent1"/>
+          </a:fillRef>
+          <a:effectRef idx="0">
+            <a:schemeClr val="accent1"/>
+          </a:effectRef>
+          <a:fontRef idx="minor">
+            <a:schemeClr val="lt1"/>
+          </a:fontRef>
+        </p:style>
+      </p:sp>
+      <p:sp>
+        <p:nvSpPr>
+          <p:cNvPr id="9" name="Rectangle 8"/>
+          <p:cNvSpPr/>
+          <p:nvPr/>
+        </p:nvSpPr>
+        <p:spPr>
+          <a:xfrm>
+            <a:off x="0" y="6334315"/>
+            <a:ext cx="9144001" cy="65999"/>
+          </a:xfrm>
+          <a:prstGeom prst="rect">
+            <a:avLst/>
+          </a:prstGeom>
+          <a:solidFill>
+            <a:schemeClr val="accent1"/>
+          </a:solidFill>
+          <a:ln>
+            <a:noFill/>
+          </a:ln>
+        </p:spPr>
+        <p:style>
+          <a:lnRef idx="2">
+            <a:schemeClr val="accent1">
+              <a:shade val="50000"/>
+            </a:schemeClr>
+          </a:lnRef>
+          <a:fillRef idx="1">
+            <a:schemeClr val="accent1"/>
+          </a:fillRef>
+          <a:effectRef idx="0">
+            <a:schemeClr val="accent1"/>
+          </a:effectRef>
+          <a:fontRef idx="minor">
+            <a:schemeClr val="lt1"/>
+          </a:fontRef>
+        </p:style>
+      </p:sp>
+      <p:sp>
+        <p:nvSpPr>
+          <p:cNvPr id="2" name="Title Placeholder 1"/>
+          <p:cNvSpPr>
+            <a:spLocks noGrp="1"/>
+          </p:cNvSpPr>
+          <p:nvPr>
+            <p:ph type="title"/>
+          </p:nvPr>
+        </p:nvSpPr>
+        <p:spPr>
+          <a:xfrm>
+            <a:off x="822960" y="286604"/>
+            <a:ext cx="7543800" cy="1450757"/>
           </a:xfrm>
           <a:prstGeom prst="rect">
             <a:avLst/>
           </a:prstGeom>
         </p:spPr>
         <p:txBody>
-          <a:bodyPr vert="horz" lIns="91440" tIns="45720" rIns="91440" bIns="45720" rtlCol="0" anchor="ctr">
+          <a:bodyPr vert="horz" lIns="91440" tIns="45720" rIns="91440" bIns="45720" rtlCol="0" anchor="b">
             <a:normAutofit/>
           </a:bodyPr>
           <a:lstStyle/>
           <a:p>
             <a:r>
-              <a:rPr lang="en-US" smtClean="0"/>
+              <a:rPr lang="en-US"/>
               <a:t>Click to edit Master title style</a:t>
             </a:r>
-            <a:endParaRPr lang="en-US"/>
+            <a:endParaRPr lang="en-US" dirty="0"/>
           </a:p>
         </p:txBody>
       </p:sp>
@@ -2644,53 +3884,53 @@
         </p:nvSpPr>
         <p:spPr>
           <a:xfrm>
-            <a:off x="457200" y="1600200"/>
-            <a:ext cx="8229600" cy="4525963"/>
+            <a:off x="822959" y="1845734"/>
+            <a:ext cx="7543801" cy="4023360"/>
           </a:xfrm>
           <a:prstGeom prst="rect">
             <a:avLst/>
           </a:prstGeom>
         </p:spPr>
         <p:txBody>
-          <a:bodyPr vert="horz" lIns="91440" tIns="45720" rIns="91440" bIns="45720" rtlCol="0">
+          <a:bodyPr vert="horz" lIns="0" tIns="45720" rIns="0" bIns="45720" rtlCol="0">
             <a:normAutofit/>
           </a:bodyPr>
           <a:lstStyle/>
           <a:p>
             <a:pPr lvl="0"/>
             <a:r>
-              <a:rPr lang="en-US" smtClean="0"/>
+              <a:rPr lang="en-US"/>
               <a:t>Click to edit Master text styles</a:t>
             </a:r>
           </a:p>
           <a:p>
             <a:pPr lvl="1"/>
             <a:r>
-              <a:rPr lang="en-US" smtClean="0"/>
+              <a:rPr lang="en-US"/>
               <a:t>Second level</a:t>
             </a:r>
           </a:p>
           <a:p>
             <a:pPr lvl="2"/>
             <a:r>
-              <a:rPr lang="en-US" smtClean="0"/>
+              <a:rPr lang="en-US"/>
               <a:t>Third level</a:t>
             </a:r>
           </a:p>
           <a:p>
             <a:pPr lvl="3"/>
             <a:r>
-              <a:rPr lang="en-US" smtClean="0"/>
+              <a:rPr lang="en-US"/>
               <a:t>Fourth level</a:t>
             </a:r>
           </a:p>
           <a:p>
             <a:pPr lvl="4"/>
             <a:r>
-              <a:rPr lang="en-US" smtClean="0"/>
+              <a:rPr lang="en-US"/>
               <a:t>Fifth level</a:t>
             </a:r>
-            <a:endParaRPr lang="en-US"/>
+            <a:endParaRPr lang="en-US" dirty="0"/>
           </a:p>
         </p:txBody>
       </p:sp>
@@ -2706,8 +3946,8 @@
         </p:nvSpPr>
         <p:spPr>
           <a:xfrm>
-            <a:off x="457200" y="6356350"/>
-            <a:ext cx="2133600" cy="365125"/>
+            <a:off x="822961" y="6459786"/>
+            <a:ext cx="1854203" cy="365125"/>
           </a:xfrm>
           <a:prstGeom prst="rect">
             <a:avLst/>
@@ -2717,11 +3957,9 @@
           <a:bodyPr vert="horz" lIns="91440" tIns="45720" rIns="91440" bIns="45720" rtlCol="0" anchor="ctr"/>
           <a:lstStyle>
             <a:lvl1pPr algn="l">
-              <a:defRPr sz="1200">
+              <a:defRPr sz="900">
                 <a:solidFill>
-                  <a:schemeClr val="tx1">
-                    <a:tint val="75000"/>
-                  </a:schemeClr>
+                  <a:srgbClr val="FFFFFF"/>
                 </a:solidFill>
               </a:defRPr>
             </a:lvl1pPr>
@@ -2729,7 +3967,7 @@
           <a:p>
             <a:fld id="{5BCAD085-E8A6-8845-BD4E-CB4CCA059FC4}" type="datetimeFigureOut">
               <a:rPr lang="en-US" smtClean="0"/>
-              <a:t>1/27/13</a:t>
+              <a:t>8/27/2025</a:t>
             </a:fld>
             <a:endParaRPr lang="en-US"/>
           </a:p>
@@ -2747,8 +3985,8 @@
         </p:nvSpPr>
         <p:spPr>
           <a:xfrm>
-            <a:off x="3124200" y="6356350"/>
-            <a:ext cx="2895600" cy="365125"/>
+            <a:off x="2764639" y="6459786"/>
+            <a:ext cx="3617103" cy="365125"/>
           </a:xfrm>
           <a:prstGeom prst="rect">
             <a:avLst/>
@@ -2758,11 +3996,9 @@
           <a:bodyPr vert="horz" lIns="91440" tIns="45720" rIns="91440" bIns="45720" rtlCol="0" anchor="ctr"/>
           <a:lstStyle>
             <a:lvl1pPr algn="ctr">
-              <a:defRPr sz="1200">
+              <a:defRPr sz="900" cap="all" baseline="0">
                 <a:solidFill>
-                  <a:schemeClr val="tx1">
-                    <a:tint val="75000"/>
-                  </a:schemeClr>
+                  <a:srgbClr val="FFFFFF"/>
                 </a:solidFill>
               </a:defRPr>
             </a:lvl1pPr>
@@ -2784,8 +4020,8 @@
         </p:nvSpPr>
         <p:spPr>
           <a:xfrm>
-            <a:off x="6553200" y="6356350"/>
-            <a:ext cx="2133600" cy="365125"/>
+            <a:off x="7425344" y="6459786"/>
+            <a:ext cx="984019" cy="365125"/>
           </a:xfrm>
           <a:prstGeom prst="rect">
             <a:avLst/>
@@ -2795,11 +4031,9 @@
           <a:bodyPr vert="horz" lIns="91440" tIns="45720" rIns="91440" bIns="45720" rtlCol="0" anchor="ctr"/>
           <a:lstStyle>
             <a:lvl1pPr algn="r">
-              <a:defRPr sz="1200">
+              <a:defRPr sz="1050">
                 <a:solidFill>
-                  <a:schemeClr val="tx1">
-                    <a:tint val="75000"/>
-                  </a:schemeClr>
+                  <a:srgbClr val="FFFFFF"/>
                 </a:solidFill>
               </a:defRPr>
             </a:lvl1pPr>
@@ -2813,37 +4047,81 @@
           </a:p>
         </p:txBody>
       </p:sp>
+      <p:cxnSp>
+        <p:nvCxnSpPr>
+          <p:cNvPr id="10" name="Straight Connector 9"/>
+          <p:cNvCxnSpPr/>
+          <p:nvPr/>
+        </p:nvCxnSpPr>
+        <p:spPr>
+          <a:xfrm>
+            <a:off x="895149" y="1737845"/>
+            <a:ext cx="7475220" cy="0"/>
+          </a:xfrm>
+          <a:prstGeom prst="line">
+            <a:avLst/>
+          </a:prstGeom>
+          <a:ln w="6350">
+            <a:solidFill>
+              <a:schemeClr val="tx1">
+                <a:lumMod val="50000"/>
+                <a:lumOff val="50000"/>
+              </a:schemeClr>
+            </a:solidFill>
+          </a:ln>
+        </p:spPr>
+        <p:style>
+          <a:lnRef idx="1">
+            <a:schemeClr val="accent1"/>
+          </a:lnRef>
+          <a:fillRef idx="0">
+            <a:schemeClr val="accent1"/>
+          </a:fillRef>
+          <a:effectRef idx="0">
+            <a:schemeClr val="accent1"/>
+          </a:effectRef>
+          <a:fontRef idx="minor">
+            <a:schemeClr val="tx1"/>
+          </a:fontRef>
+        </p:style>
+      </p:cxnSp>
     </p:spTree>
     <p:extLst>
       <p:ext uri="{BB962C8B-B14F-4D97-AF65-F5344CB8AC3E}">
-        <p14:creationId xmlns:p14="http://schemas.microsoft.com/office/powerpoint/2010/main" val="2209977519"/>
+        <p14:creationId xmlns:p14="http://schemas.microsoft.com/office/powerpoint/2010/main" val="2636794099"/>
       </p:ext>
     </p:extLst>
   </p:cSld>
   <p:clrMap bg1="lt1" tx1="dk1" bg2="lt2" tx2="dk2" accent1="accent1" accent2="accent2" accent3="accent3" accent4="accent4" accent5="accent5" accent6="accent6" hlink="hlink" folHlink="folHlink"/>
   <p:sldLayoutIdLst>
-    <p:sldLayoutId id="2147483649" r:id="rId1"/>
-    <p:sldLayoutId id="2147483650" r:id="rId2"/>
-    <p:sldLayoutId id="2147483651" r:id="rId3"/>
-    <p:sldLayoutId id="2147483652" r:id="rId4"/>
-    <p:sldLayoutId id="2147483653" r:id="rId5"/>
-    <p:sldLayoutId id="2147483654" r:id="rId6"/>
-    <p:sldLayoutId id="2147483655" r:id="rId7"/>
-    <p:sldLayoutId id="2147483656" r:id="rId8"/>
-    <p:sldLayoutId id="2147483657" r:id="rId9"/>
-    <p:sldLayoutId id="2147483658" r:id="rId10"/>
-    <p:sldLayoutId id="2147483659" r:id="rId11"/>
+    <p:sldLayoutId id="2147483661" r:id="rId1"/>
+    <p:sldLayoutId id="2147483662" r:id="rId2"/>
+    <p:sldLayoutId id="2147483663" r:id="rId3"/>
+    <p:sldLayoutId id="2147483664" r:id="rId4"/>
+    <p:sldLayoutId id="2147483665" r:id="rId5"/>
+    <p:sldLayoutId id="2147483666" r:id="rId6"/>
+    <p:sldLayoutId id="2147483667" r:id="rId7"/>
+    <p:sldLayoutId id="2147483668" r:id="rId8"/>
+    <p:sldLayoutId id="2147483669" r:id="rId9"/>
+    <p:sldLayoutId id="2147483670" r:id="rId10"/>
+    <p:sldLayoutId id="2147483671" r:id="rId11"/>
   </p:sldLayoutIdLst>
   <p:txStyles>
     <p:titleStyle>
-      <a:lvl1pPr algn="ctr" defTabSz="457200" rtl="0" eaLnBrk="1" latinLnBrk="0" hangingPunct="1">
+      <a:lvl1pPr algn="l" defTabSz="914400" rtl="0" eaLnBrk="1" latinLnBrk="0" hangingPunct="1">
+        <a:lnSpc>
+          <a:spcPct val="85000"/>
+        </a:lnSpc>
         <a:spcBef>
           <a:spcPct val="0"/>
         </a:spcBef>
         <a:buNone/>
-        <a:defRPr sz="4400" kern="1200">
+        <a:defRPr sz="4800" kern="1200" spc="-50" baseline="0">
           <a:solidFill>
-            <a:schemeClr val="tx1"/>
+            <a:schemeClr val="tx1">
+              <a:lumMod val="75000"/>
+              <a:lumOff val="25000"/>
+            </a:schemeClr>
           </a:solidFill>
           <a:latin typeface="+mj-lt"/>
           <a:ea typeface="+mj-ea"/>
@@ -2852,135 +4130,244 @@
       </a:lvl1pPr>
     </p:titleStyle>
     <p:bodyStyle>
-      <a:lvl1pPr marL="342900" indent="-342900" algn="l" defTabSz="457200" rtl="0" eaLnBrk="1" latinLnBrk="0" hangingPunct="1">
+      <a:lvl1pPr marL="91440" indent="-91440" algn="l" defTabSz="914400" rtl="0" eaLnBrk="1" latinLnBrk="0" hangingPunct="1">
+        <a:lnSpc>
+          <a:spcPct val="90000"/>
+        </a:lnSpc>
         <a:spcBef>
-          <a:spcPct val="20000"/>
+          <a:spcPts val="1200"/>
         </a:spcBef>
-        <a:buFont typeface="Arial"/>
-        <a:buChar char="•"/>
-        <a:defRPr sz="3200" kern="1200">
+        <a:spcAft>
+          <a:spcPts val="200"/>
+        </a:spcAft>
+        <a:buClr>
+          <a:schemeClr val="accent1"/>
+        </a:buClr>
+        <a:buSzPct val="100000"/>
+        <a:buFont typeface="Calibri" panose="020F0502020204030204" pitchFamily="34" charset="0"/>
+        <a:buChar char=" "/>
+        <a:defRPr sz="2000" kern="1200">
           <a:solidFill>
-            <a:schemeClr val="tx1"/>
+            <a:schemeClr val="tx1">
+              <a:lumMod val="75000"/>
+              <a:lumOff val="25000"/>
+            </a:schemeClr>
           </a:solidFill>
           <a:latin typeface="+mn-lt"/>
           <a:ea typeface="+mn-ea"/>
           <a:cs typeface="+mn-cs"/>
         </a:defRPr>
       </a:lvl1pPr>
-      <a:lvl2pPr marL="742950" indent="-285750" algn="l" defTabSz="457200" rtl="0" eaLnBrk="1" latinLnBrk="0" hangingPunct="1">
+      <a:lvl2pPr marL="384048" indent="-182880" algn="l" defTabSz="914400" rtl="0" eaLnBrk="1" latinLnBrk="0" hangingPunct="1">
+        <a:lnSpc>
+          <a:spcPct val="90000"/>
+        </a:lnSpc>
         <a:spcBef>
-          <a:spcPct val="20000"/>
+          <a:spcPts val="200"/>
         </a:spcBef>
-        <a:buFont typeface="Arial"/>
-        <a:buChar char="–"/>
-        <a:defRPr sz="2800" kern="1200">
+        <a:spcAft>
+          <a:spcPts val="400"/>
+        </a:spcAft>
+        <a:buClr>
+          <a:schemeClr val="accent1"/>
+        </a:buClr>
+        <a:buFont typeface="Calibri" pitchFamily="34" charset="0"/>
+        <a:buChar char="◦"/>
+        <a:defRPr sz="1800" kern="1200">
           <a:solidFill>
-            <a:schemeClr val="tx1"/>
+            <a:schemeClr val="tx1">
+              <a:lumMod val="75000"/>
+              <a:lumOff val="25000"/>
+            </a:schemeClr>
           </a:solidFill>
           <a:latin typeface="+mn-lt"/>
           <a:ea typeface="+mn-ea"/>
           <a:cs typeface="+mn-cs"/>
         </a:defRPr>
       </a:lvl2pPr>
-      <a:lvl3pPr marL="1143000" indent="-228600" algn="l" defTabSz="457200" rtl="0" eaLnBrk="1" latinLnBrk="0" hangingPunct="1">
+      <a:lvl3pPr marL="566928" indent="-182880" algn="l" defTabSz="914400" rtl="0" eaLnBrk="1" latinLnBrk="0" hangingPunct="1">
+        <a:lnSpc>
+          <a:spcPct val="90000"/>
+        </a:lnSpc>
         <a:spcBef>
-          <a:spcPct val="20000"/>
+          <a:spcPts val="200"/>
         </a:spcBef>
-        <a:buFont typeface="Arial"/>
-        <a:buChar char="•"/>
-        <a:defRPr sz="2400" kern="1200">
+        <a:spcAft>
+          <a:spcPts val="400"/>
+        </a:spcAft>
+        <a:buClr>
+          <a:schemeClr val="accent1"/>
+        </a:buClr>
+        <a:buFont typeface="Calibri" pitchFamily="34" charset="0"/>
+        <a:buChar char="◦"/>
+        <a:defRPr sz="1400" kern="1200">
           <a:solidFill>
-            <a:schemeClr val="tx1"/>
+            <a:schemeClr val="tx1">
+              <a:lumMod val="75000"/>
+              <a:lumOff val="25000"/>
+            </a:schemeClr>
           </a:solidFill>
           <a:latin typeface="+mn-lt"/>
           <a:ea typeface="+mn-ea"/>
           <a:cs typeface="+mn-cs"/>
         </a:defRPr>
       </a:lvl3pPr>
-      <a:lvl4pPr marL="1600200" indent="-228600" algn="l" defTabSz="457200" rtl="0" eaLnBrk="1" latinLnBrk="0" hangingPunct="1">
+      <a:lvl4pPr marL="749808" indent="-182880" algn="l" defTabSz="914400" rtl="0" eaLnBrk="1" latinLnBrk="0" hangingPunct="1">
+        <a:lnSpc>
+          <a:spcPct val="90000"/>
+        </a:lnSpc>
         <a:spcBef>
-          <a:spcPct val="20000"/>
+          <a:spcPts val="200"/>
         </a:spcBef>
-        <a:buFont typeface="Arial"/>
-        <a:buChar char="–"/>
-        <a:defRPr sz="2000" kern="1200">
+        <a:spcAft>
+          <a:spcPts val="400"/>
+        </a:spcAft>
+        <a:buClr>
+          <a:schemeClr val="accent1"/>
+        </a:buClr>
+        <a:buFont typeface="Calibri" pitchFamily="34" charset="0"/>
+        <a:buChar char="◦"/>
+        <a:defRPr sz="1400" kern="1200">
           <a:solidFill>
-            <a:schemeClr val="tx1"/>
+            <a:schemeClr val="tx1">
+              <a:lumMod val="75000"/>
+              <a:lumOff val="25000"/>
+            </a:schemeClr>
           </a:solidFill>
           <a:latin typeface="+mn-lt"/>
           <a:ea typeface="+mn-ea"/>
           <a:cs typeface="+mn-cs"/>
         </a:defRPr>
       </a:lvl4pPr>
-      <a:lvl5pPr marL="2057400" indent="-228600" algn="l" defTabSz="457200" rtl="0" eaLnBrk="1" latinLnBrk="0" hangingPunct="1">
+      <a:lvl5pPr marL="932688" indent="-182880" algn="l" defTabSz="914400" rtl="0" eaLnBrk="1" latinLnBrk="0" hangingPunct="1">
+        <a:lnSpc>
+          <a:spcPct val="90000"/>
+        </a:lnSpc>
         <a:spcBef>
-          <a:spcPct val="20000"/>
+          <a:spcPts val="200"/>
         </a:spcBef>
-        <a:buFont typeface="Arial"/>
-        <a:buChar char="»"/>
-        <a:defRPr sz="2000" kern="1200">
+        <a:spcAft>
+          <a:spcPts val="400"/>
+        </a:spcAft>
+        <a:buClr>
+          <a:schemeClr val="accent1"/>
+        </a:buClr>
+        <a:buFont typeface="Calibri" pitchFamily="34" charset="0"/>
+        <a:buChar char="◦"/>
+        <a:defRPr sz="1400" kern="1200">
           <a:solidFill>
-            <a:schemeClr val="tx1"/>
+            <a:schemeClr val="tx1">
+              <a:lumMod val="75000"/>
+              <a:lumOff val="25000"/>
+            </a:schemeClr>
           </a:solidFill>
           <a:latin typeface="+mn-lt"/>
           <a:ea typeface="+mn-ea"/>
           <a:cs typeface="+mn-cs"/>
         </a:defRPr>
       </a:lvl5pPr>
-      <a:lvl6pPr marL="2514600" indent="-228600" algn="l" defTabSz="457200" rtl="0" eaLnBrk="1" latinLnBrk="0" hangingPunct="1">
+      <a:lvl6pPr marL="1100000" indent="-228600" algn="l" defTabSz="914400" rtl="0" eaLnBrk="1" latinLnBrk="0" hangingPunct="1">
+        <a:lnSpc>
+          <a:spcPct val="90000"/>
+        </a:lnSpc>
         <a:spcBef>
-          <a:spcPct val="20000"/>
+          <a:spcPts val="200"/>
         </a:spcBef>
-        <a:buFont typeface="Arial"/>
-        <a:buChar char="•"/>
-        <a:defRPr sz="2000" kern="1200">
+        <a:spcAft>
+          <a:spcPts val="400"/>
+        </a:spcAft>
+        <a:buClr>
+          <a:schemeClr val="accent1"/>
+        </a:buClr>
+        <a:buFont typeface="Calibri" pitchFamily="34" charset="0"/>
+        <a:buChar char="◦"/>
+        <a:defRPr sz="1400" kern="1200">
           <a:solidFill>
-            <a:schemeClr val="tx1"/>
+            <a:schemeClr val="tx1">
+              <a:lumMod val="75000"/>
+              <a:lumOff val="25000"/>
+            </a:schemeClr>
           </a:solidFill>
           <a:latin typeface="+mn-lt"/>
           <a:ea typeface="+mn-ea"/>
           <a:cs typeface="+mn-cs"/>
         </a:defRPr>
       </a:lvl6pPr>
-      <a:lvl7pPr marL="2971800" indent="-228600" algn="l" defTabSz="457200" rtl="0" eaLnBrk="1" latinLnBrk="0" hangingPunct="1">
+      <a:lvl7pPr marL="1300000" indent="-228600" algn="l" defTabSz="914400" rtl="0" eaLnBrk="1" latinLnBrk="0" hangingPunct="1">
+        <a:lnSpc>
+          <a:spcPct val="90000"/>
+        </a:lnSpc>
         <a:spcBef>
-          <a:spcPct val="20000"/>
+          <a:spcPts val="200"/>
         </a:spcBef>
-        <a:buFont typeface="Arial"/>
-        <a:buChar char="•"/>
-        <a:defRPr sz="2000" kern="1200">
+        <a:spcAft>
+          <a:spcPts val="400"/>
+        </a:spcAft>
+        <a:buClr>
+          <a:schemeClr val="accent1"/>
+        </a:buClr>
+        <a:buFont typeface="Calibri" pitchFamily="34" charset="0"/>
+        <a:buChar char="◦"/>
+        <a:defRPr sz="1400" kern="1200">
           <a:solidFill>
-            <a:schemeClr val="tx1"/>
+            <a:schemeClr val="tx1">
+              <a:lumMod val="75000"/>
+              <a:lumOff val="25000"/>
+            </a:schemeClr>
           </a:solidFill>
           <a:latin typeface="+mn-lt"/>
           <a:ea typeface="+mn-ea"/>
           <a:cs typeface="+mn-cs"/>
         </a:defRPr>
       </a:lvl7pPr>
-      <a:lvl8pPr marL="3429000" indent="-228600" algn="l" defTabSz="457200" rtl="0" eaLnBrk="1" latinLnBrk="0" hangingPunct="1">
+      <a:lvl8pPr marL="1500000" indent="-228600" algn="l" defTabSz="914400" rtl="0" eaLnBrk="1" latinLnBrk="0" hangingPunct="1">
+        <a:lnSpc>
+          <a:spcPct val="90000"/>
+        </a:lnSpc>
         <a:spcBef>
-          <a:spcPct val="20000"/>
+          <a:spcPts val="200"/>
         </a:spcBef>
-        <a:buFont typeface="Arial"/>
-        <a:buChar char="•"/>
-        <a:defRPr sz="2000" kern="1200">
+        <a:spcAft>
+          <a:spcPts val="400"/>
+        </a:spcAft>
+        <a:buClr>
+          <a:schemeClr val="accent1"/>
+        </a:buClr>
+        <a:buFont typeface="Calibri" pitchFamily="34" charset="0"/>
+        <a:buChar char="◦"/>
+        <a:defRPr sz="1400" kern="1200">
           <a:solidFill>
-            <a:schemeClr val="tx1"/>
+            <a:schemeClr val="tx1">
+              <a:lumMod val="75000"/>
+              <a:lumOff val="25000"/>
+            </a:schemeClr>
           </a:solidFill>
           <a:latin typeface="+mn-lt"/>
           <a:ea typeface="+mn-ea"/>
           <a:cs typeface="+mn-cs"/>
         </a:defRPr>
       </a:lvl8pPr>
-      <a:lvl9pPr marL="3886200" indent="-228600" algn="l" defTabSz="457200" rtl="0" eaLnBrk="1" latinLnBrk="0" hangingPunct="1">
+      <a:lvl9pPr marL="1700000" indent="-228600" algn="l" defTabSz="914400" rtl="0" eaLnBrk="1" latinLnBrk="0" hangingPunct="1">
+        <a:lnSpc>
+          <a:spcPct val="90000"/>
+        </a:lnSpc>
         <a:spcBef>
-          <a:spcPct val="20000"/>
+          <a:spcPts val="200"/>
         </a:spcBef>
-        <a:buFont typeface="Arial"/>
-        <a:buChar char="•"/>
-        <a:defRPr sz="2000" kern="1200">
+        <a:spcAft>
+          <a:spcPts val="400"/>
+        </a:spcAft>
+        <a:buClr>
+          <a:schemeClr val="accent1"/>
+        </a:buClr>
+        <a:buFont typeface="Calibri" pitchFamily="34" charset="0"/>
+        <a:buChar char="◦"/>
+        <a:defRPr sz="1400" kern="1200">
           <a:solidFill>
-            <a:schemeClr val="tx1"/>
+            <a:schemeClr val="tx1">
+              <a:lumMod val="75000"/>
+              <a:lumOff val="25000"/>
+            </a:schemeClr>
           </a:solidFill>
           <a:latin typeface="+mn-lt"/>
           <a:ea typeface="+mn-ea"/>
@@ -2992,7 +4379,7 @@
       <a:defPPr>
         <a:defRPr lang="en-US"/>
       </a:defPPr>
-      <a:lvl1pPr marL="0" algn="l" defTabSz="457200" rtl="0" eaLnBrk="1" latinLnBrk="0" hangingPunct="1">
+      <a:lvl1pPr marL="0" algn="l" defTabSz="914400" rtl="0" eaLnBrk="1" latinLnBrk="0" hangingPunct="1">
         <a:defRPr sz="1800" kern="1200">
           <a:solidFill>
             <a:schemeClr val="tx1"/>
@@ -3002,7 +4389,7 @@
           <a:cs typeface="+mn-cs"/>
         </a:defRPr>
       </a:lvl1pPr>
-      <a:lvl2pPr marL="457200" algn="l" defTabSz="457200" rtl="0" eaLnBrk="1" latinLnBrk="0" hangingPunct="1">
+      <a:lvl2pPr marL="457200" algn="l" defTabSz="914400" rtl="0" eaLnBrk="1" latinLnBrk="0" hangingPunct="1">
         <a:defRPr sz="1800" kern="1200">
           <a:solidFill>
             <a:schemeClr val="tx1"/>
@@ -3012,7 +4399,7 @@
           <a:cs typeface="+mn-cs"/>
         </a:defRPr>
       </a:lvl2pPr>
-      <a:lvl3pPr marL="914400" algn="l" defTabSz="457200" rtl="0" eaLnBrk="1" latinLnBrk="0" hangingPunct="1">
+      <a:lvl3pPr marL="914400" algn="l" defTabSz="914400" rtl="0" eaLnBrk="1" latinLnBrk="0" hangingPunct="1">
         <a:defRPr sz="1800" kern="1200">
           <a:solidFill>
             <a:schemeClr val="tx1"/>
@@ -3022,7 +4409,7 @@
           <a:cs typeface="+mn-cs"/>
         </a:defRPr>
       </a:lvl3pPr>
-      <a:lvl4pPr marL="1371600" algn="l" defTabSz="457200" rtl="0" eaLnBrk="1" latinLnBrk="0" hangingPunct="1">
+      <a:lvl4pPr marL="1371600" algn="l" defTabSz="914400" rtl="0" eaLnBrk="1" latinLnBrk="0" hangingPunct="1">
         <a:defRPr sz="1800" kern="1200">
           <a:solidFill>
             <a:schemeClr val="tx1"/>
@@ -3032,7 +4419,7 @@
           <a:cs typeface="+mn-cs"/>
         </a:defRPr>
       </a:lvl4pPr>
-      <a:lvl5pPr marL="1828800" algn="l" defTabSz="457200" rtl="0" eaLnBrk="1" latinLnBrk="0" hangingPunct="1">
+      <a:lvl5pPr marL="1828800" algn="l" defTabSz="914400" rtl="0" eaLnBrk="1" latinLnBrk="0" hangingPunct="1">
         <a:defRPr sz="1800" kern="1200">
           <a:solidFill>
             <a:schemeClr val="tx1"/>
@@ -3042,7 +4429,7 @@
           <a:cs typeface="+mn-cs"/>
         </a:defRPr>
       </a:lvl5pPr>
-      <a:lvl6pPr marL="2286000" algn="l" defTabSz="457200" rtl="0" eaLnBrk="1" latinLnBrk="0" hangingPunct="1">
+      <a:lvl6pPr marL="2286000" algn="l" defTabSz="914400" rtl="0" eaLnBrk="1" latinLnBrk="0" hangingPunct="1">
         <a:defRPr sz="1800" kern="1200">
           <a:solidFill>
             <a:schemeClr val="tx1"/>
@@ -3052,7 +4439,7 @@
           <a:cs typeface="+mn-cs"/>
         </a:defRPr>
       </a:lvl6pPr>
-      <a:lvl7pPr marL="2743200" algn="l" defTabSz="457200" rtl="0" eaLnBrk="1" latinLnBrk="0" hangingPunct="1">
+      <a:lvl7pPr marL="2743200" algn="l" defTabSz="914400" rtl="0" eaLnBrk="1" latinLnBrk="0" hangingPunct="1">
         <a:defRPr sz="1800" kern="1200">
           <a:solidFill>
             <a:schemeClr val="tx1"/>
@@ -3062,7 +4449,7 @@
           <a:cs typeface="+mn-cs"/>
         </a:defRPr>
       </a:lvl7pPr>
-      <a:lvl8pPr marL="3200400" algn="l" defTabSz="457200" rtl="0" eaLnBrk="1" latinLnBrk="0" hangingPunct="1">
+      <a:lvl8pPr marL="3200400" algn="l" defTabSz="914400" rtl="0" eaLnBrk="1" latinLnBrk="0" hangingPunct="1">
         <a:defRPr sz="1800" kern="1200">
           <a:solidFill>
             <a:schemeClr val="tx1"/>
@@ -3072,7 +4459,7 @@
           <a:cs typeface="+mn-cs"/>
         </a:defRPr>
       </a:lvl8pPr>
-      <a:lvl9pPr marL="3657600" algn="l" defTabSz="457200" rtl="0" eaLnBrk="1" latinLnBrk="0" hangingPunct="1">
+      <a:lvl9pPr marL="3657600" algn="l" defTabSz="914400" rtl="0" eaLnBrk="1" latinLnBrk="0" hangingPunct="1">
         <a:defRPr sz="1800" kern="1200">
           <a:solidFill>
             <a:schemeClr val="tx1"/>
@@ -3088,7 +4475,7 @@
 </file>
 
 <file path=ppt/slides/slide1.xml><?xml version="1.0" encoding="utf-8"?>
-<p:sld xmlns:a="http://schemas.openxmlformats.org/drawingml/2006/main" xmlns:p="http://schemas.openxmlformats.org/presentationml/2006/main" xmlns:r="http://schemas.openxmlformats.org/officeDocument/2006/relationships">
+<p:sld xmlns:a="http://schemas.openxmlformats.org/drawingml/2006/main" xmlns:r="http://schemas.openxmlformats.org/officeDocument/2006/relationships" xmlns:p="http://schemas.openxmlformats.org/presentationml/2006/main">
   <p:cSld>
     <p:spTree>
       <p:nvGrpSpPr>
@@ -3096,7 +4483,14 @@
         <p:cNvGrpSpPr/>
         <p:nvPr/>
       </p:nvGrpSpPr>
-      <p:grpSpPr/>
+      <p:grpSpPr>
+        <a:xfrm>
+          <a:off x="0" y="0"/>
+          <a:ext cx="0" cy="0"/>
+          <a:chOff x="0" y="0"/>
+          <a:chExt cx="0" cy="0"/>
+        </a:xfrm>
+      </p:grpSpPr>
       <p:sp>
         <p:nvSpPr>
           <p:cNvPr id="2" name="Title 1"/>
@@ -3113,7 +4507,20 @@
           <a:lstStyle/>
           <a:p>
             <a:r>
-              <a:t>Medisyn Labs: Review Analytics Case Study</a:t>
+              <a:rPr dirty="0" err="1"/>
+              <a:t>Medisyn</a:t>
+            </a:r>
+            <a:r>
+              <a:rPr dirty="0"/>
+              <a:t> Labs: Review</a:t>
+            </a:r>
+            <a:r>
+              <a:rPr lang="en-IN" dirty="0"/>
+              <a:t>s</a:t>
+            </a:r>
+            <a:r>
+              <a:rPr dirty="0"/>
+              <a:t> Analytics Case Study</a:t>
             </a:r>
           </a:p>
         </p:txBody>
@@ -3130,12 +4537,23 @@
         </p:nvSpPr>
         <p:spPr/>
         <p:txBody>
-          <a:bodyPr/>
+          <a:bodyPr>
+            <a:normAutofit fontScale="92500" lnSpcReduction="10000"/>
+          </a:bodyPr>
           <a:lstStyle/>
           <a:p>
             <a:r>
+              <a:rPr dirty="0"/>
               <a:t>Sentiment • Effectiveness • Cohorts • Recommendations (10‑minute brief)</a:t>
             </a:r>
+            <a:endParaRPr lang="en-US" dirty="0"/>
+          </a:p>
+          <a:p>
+            <a:r>
+              <a:rPr lang="en-IN" b="1" dirty="0"/>
+              <a:t>Ankita SINHA – August, 2025</a:t>
+            </a:r>
+            <a:endParaRPr b="1" dirty="0"/>
           </a:p>
         </p:txBody>
       </p:sp>
@@ -3148,7 +4566,7 @@
 </file>
 
 <file path=ppt/slides/slide10.xml><?xml version="1.0" encoding="utf-8"?>
-<p:sld xmlns:a="http://schemas.openxmlformats.org/drawingml/2006/main" xmlns:p="http://schemas.openxmlformats.org/presentationml/2006/main" xmlns:r="http://schemas.openxmlformats.org/officeDocument/2006/relationships">
+<p:sld xmlns:a="http://schemas.openxmlformats.org/drawingml/2006/main" xmlns:r="http://schemas.openxmlformats.org/officeDocument/2006/relationships" xmlns:p="http://schemas.openxmlformats.org/presentationml/2006/main">
   <p:cSld>
     <p:spTree>
       <p:nvGrpSpPr>
@@ -3156,7 +4574,14 @@
         <p:cNvGrpSpPr/>
         <p:nvPr/>
       </p:nvGrpSpPr>
-      <p:grpSpPr/>
+      <p:grpSpPr>
+        <a:xfrm>
+          <a:off x="0" y="0"/>
+          <a:ext cx="0" cy="0"/>
+          <a:chOff x="0" y="0"/>
+          <a:chExt cx="0" cy="0"/>
+        </a:xfrm>
+      </p:grpSpPr>
       <p:sp>
         <p:nvSpPr>
           <p:cNvPr id="2" name="Title 1"/>
@@ -3173,7 +4598,7 @@
           <a:lstStyle/>
           <a:p>
             <a:r>
-              <a:t>Key Insights &amp; Next Steps</a:t>
+              <a:t>Use Case 3 — Cohort Discovery (Clustering)</a:t>
             </a:r>
           </a:p>
         </p:txBody>
@@ -3186,6 +4611,198 @@
           </p:cNvSpPr>
           <p:nvPr>
             <p:ph idx="1"/>
+          </p:nvPr>
+        </p:nvSpPr>
+        <p:spPr/>
+        <p:txBody>
+          <a:bodyPr>
+            <a:normAutofit lnSpcReduction="10000"/>
+          </a:bodyPr>
+          <a:lstStyle/>
+          <a:p>
+            <a:pPr>
+              <a:buFont typeface="Arial" panose="020B0604020202020204" pitchFamily="34" charset="0"/>
+              <a:buChar char="•"/>
+            </a:pPr>
+            <a:r>
+              <a:rPr lang="en-US" b="1" dirty="0"/>
+              <a:t> </a:t>
+            </a:r>
+            <a:r>
+              <a:rPr b="1" dirty="0"/>
+              <a:t>Approach:</a:t>
+            </a:r>
+          </a:p>
+          <a:p>
+            <a:r>
+              <a:rPr dirty="0"/>
+              <a:t>- </a:t>
+            </a:r>
+            <a:r>
+              <a:rPr dirty="0" err="1"/>
+              <a:t>SentenceTransformer</a:t>
+            </a:r>
+            <a:r>
+              <a:rPr dirty="0"/>
+              <a:t> embeddings of combined text</a:t>
+            </a:r>
+            <a:r>
+              <a:rPr lang="en-US" dirty="0"/>
+              <a:t> (all-MiniLM-L6-v2)</a:t>
+            </a:r>
+            <a:endParaRPr dirty="0"/>
+          </a:p>
+          <a:p>
+            <a:r>
+              <a:rPr dirty="0"/>
+              <a:t>- </a:t>
+            </a:r>
+            <a:r>
+              <a:rPr dirty="0" err="1"/>
+              <a:t>MiniBatchKMeans</a:t>
+            </a:r>
+            <a:r>
+              <a:rPr dirty="0"/>
+              <a:t>; k chosen by silhouette (cosine)</a:t>
+            </a:r>
+            <a:r>
+              <a:rPr lang="en-US" dirty="0"/>
+              <a:t> measures                            </a:t>
+            </a:r>
+          </a:p>
+          <a:p>
+            <a:r>
+              <a:rPr lang="en-US" dirty="0"/>
+              <a:t>   separation and cohesion</a:t>
+            </a:r>
+            <a:r>
+              <a:rPr dirty="0"/>
+              <a:t>.</a:t>
+            </a:r>
+          </a:p>
+          <a:p>
+            <a:r>
+              <a:rPr dirty="0"/>
+              <a:t>- 2D visualization via PCA.</a:t>
+            </a:r>
+          </a:p>
+          <a:p>
+            <a:r>
+              <a:rPr dirty="0"/>
+              <a:t>- </a:t>
+            </a:r>
+            <a:r>
+              <a:rPr lang="en-US" dirty="0"/>
+              <a:t>C</a:t>
+            </a:r>
+            <a:r>
+              <a:rPr dirty="0"/>
+              <a:t>luster</a:t>
+            </a:r>
+            <a:r>
+              <a:rPr lang="en-US" dirty="0"/>
+              <a:t> Interpretation</a:t>
+            </a:r>
+            <a:r>
+              <a:rPr dirty="0"/>
+              <a:t> via top conditions/avg rating and sample</a:t>
+            </a:r>
+            <a:endParaRPr lang="en-US" dirty="0"/>
+          </a:p>
+          <a:p>
+            <a:r>
+              <a:rPr lang="en-IN" dirty="0"/>
+              <a:t>  </a:t>
+            </a:r>
+            <a:r>
+              <a:rPr dirty="0"/>
+              <a:t> reviews</a:t>
+            </a:r>
+            <a:r>
+              <a:rPr lang="en-IN" dirty="0"/>
+              <a:t>.</a:t>
+            </a:r>
+            <a:endParaRPr dirty="0"/>
+          </a:p>
+          <a:p>
+            <a:pPr>
+              <a:buFont typeface="Arial" panose="020B0604020202020204" pitchFamily="34" charset="0"/>
+              <a:buChar char="•"/>
+            </a:pPr>
+            <a:r>
+              <a:rPr lang="en-US" b="1" dirty="0"/>
+              <a:t> </a:t>
+            </a:r>
+            <a:r>
+              <a:rPr b="1" dirty="0"/>
+              <a:t>Why embeddings over TF‑IDF:</a:t>
+            </a:r>
+          </a:p>
+          <a:p>
+            <a:r>
+              <a:rPr dirty="0"/>
+              <a:t>- Groups by </a:t>
+            </a:r>
+            <a:r>
+              <a:rPr lang="en-US" dirty="0"/>
+              <a:t>semantic </a:t>
+            </a:r>
+            <a:r>
+              <a:rPr dirty="0"/>
+              <a:t>meaning (hypertension ≈ high blood pressure), not just exact words.</a:t>
+            </a:r>
+            <a:endParaRPr lang="en-US" dirty="0"/>
+          </a:p>
+          <a:p>
+            <a:endParaRPr dirty="0"/>
+          </a:p>
+        </p:txBody>
+      </p:sp>
+    </p:spTree>
+  </p:cSld>
+  <p:clrMapOvr>
+    <a:masterClrMapping/>
+  </p:clrMapOvr>
+</p:sld>
+</file>
+
+<file path=ppt/slides/slide11.xml><?xml version="1.0" encoding="utf-8"?>
+<p:sld xmlns:a="http://schemas.openxmlformats.org/drawingml/2006/main" xmlns:r="http://schemas.openxmlformats.org/officeDocument/2006/relationships" xmlns:p="http://schemas.openxmlformats.org/presentationml/2006/main">
+  <p:cSld>
+    <p:spTree>
+      <p:nvGrpSpPr>
+        <p:cNvPr id="1" name="">
+          <a:extLst>
+            <a:ext uri="{FF2B5EF4-FFF2-40B4-BE49-F238E27FC236}">
+              <a16:creationId xmlns:a16="http://schemas.microsoft.com/office/drawing/2014/main" id="{7740AF05-1352-C2CF-1E0E-9B9452962971}"/>
+            </a:ext>
+          </a:extLst>
+        </p:cNvPr>
+        <p:cNvGrpSpPr/>
+        <p:nvPr/>
+      </p:nvGrpSpPr>
+      <p:grpSpPr>
+        <a:xfrm>
+          <a:off x="0" y="0"/>
+          <a:ext cx="0" cy="0"/>
+          <a:chOff x="0" y="0"/>
+          <a:chExt cx="0" cy="0"/>
+        </a:xfrm>
+      </p:grpSpPr>
+      <p:sp>
+        <p:nvSpPr>
+          <p:cNvPr id="2" name="Title 1">
+            <a:extLst>
+              <a:ext uri="{FF2B5EF4-FFF2-40B4-BE49-F238E27FC236}">
+                <a16:creationId xmlns:a16="http://schemas.microsoft.com/office/drawing/2014/main" id="{8248BD41-9E36-FB3B-4576-CF86F21EB3EE}"/>
+              </a:ext>
+            </a:extLst>
+          </p:cNvPr>
+          <p:cNvSpPr>
+            <a:spLocks noGrp="1"/>
+          </p:cNvSpPr>
+          <p:nvPr>
+            <p:ph type="title"/>
           </p:nvPr>
         </p:nvSpPr>
         <p:spPr/>
@@ -3194,38 +4811,1856 @@
           <a:lstStyle/>
           <a:p>
             <a:r>
-              <a:t>Insights:</a:t>
-            </a:r>
-          </a:p>
-          <a:p>
-            <a:r>
-              <a:t>- TF‑IDF best for sentiment; embeddings best for cohorts/recs.</a:t>
-            </a:r>
-          </a:p>
-          <a:p>
-            <a:r>
-              <a:t>- Clusters align with conditions and experiential themes; actionable for product/support.</a:t>
-            </a:r>
-          </a:p>
-          <a:p/>
-          <a:p>
-            <a:r>
+              <a:rPr dirty="0"/>
+              <a:t>Use Case 3 — Cohort Discovery (Clustering)</a:t>
+            </a:r>
+            <a:r>
+              <a:rPr lang="en-US" dirty="0"/>
+              <a:t> - Results</a:t>
+            </a:r>
+            <a:endParaRPr dirty="0"/>
+          </a:p>
+        </p:txBody>
+      </p:sp>
+      <p:sp>
+        <p:nvSpPr>
+          <p:cNvPr id="3" name="Content Placeholder 2">
+            <a:extLst>
+              <a:ext uri="{FF2B5EF4-FFF2-40B4-BE49-F238E27FC236}">
+                <a16:creationId xmlns:a16="http://schemas.microsoft.com/office/drawing/2014/main" id="{6391F061-6F72-370B-1CD5-1A5FAB8EA072}"/>
+              </a:ext>
+            </a:extLst>
+          </p:cNvPr>
+          <p:cNvSpPr>
+            <a:spLocks noGrp="1"/>
+          </p:cNvSpPr>
+          <p:nvPr>
+            <p:ph idx="1"/>
+          </p:nvPr>
+        </p:nvSpPr>
+        <p:spPr/>
+        <p:txBody>
+          <a:bodyPr>
+            <a:normAutofit/>
+          </a:bodyPr>
+          <a:lstStyle/>
+          <a:p>
+            <a:pPr>
+              <a:buFont typeface="Arial" panose="020B0604020202020204" pitchFamily="34" charset="0"/>
+              <a:buChar char="•"/>
+            </a:pPr>
+            <a:r>
+              <a:rPr lang="en-US" b="1" dirty="0"/>
+              <a:t> Silhouette Score - </a:t>
+            </a:r>
+            <a:r>
+              <a:rPr lang="en-IN" dirty="0"/>
+              <a:t>0.0514 (k=5)</a:t>
+            </a:r>
+          </a:p>
+          <a:p>
+            <a:pPr>
+              <a:buFont typeface="Arial" panose="020B0604020202020204" pitchFamily="34" charset="0"/>
+              <a:buChar char="•"/>
+            </a:pPr>
+            <a:endParaRPr dirty="0"/>
+          </a:p>
+        </p:txBody>
+      </p:sp>
+      <p:pic>
+        <p:nvPicPr>
+          <p:cNvPr id="5" name="Picture 4">
+            <a:extLst>
+              <a:ext uri="{FF2B5EF4-FFF2-40B4-BE49-F238E27FC236}">
+                <a16:creationId xmlns:a16="http://schemas.microsoft.com/office/drawing/2014/main" id="{DBB37E18-F704-4D24-5F0B-43FD94A752A5}"/>
+              </a:ext>
+            </a:extLst>
+          </p:cNvPr>
+          <p:cNvPicPr>
+            <a:picLocks noChangeAspect="1"/>
+          </p:cNvPicPr>
+          <p:nvPr/>
+        </p:nvPicPr>
+        <p:blipFill>
+          <a:blip r:embed="rId2"/>
+          <a:stretch>
+            <a:fillRect/>
+          </a:stretch>
+        </p:blipFill>
+        <p:spPr>
+          <a:xfrm>
+            <a:off x="747742" y="4284260"/>
+            <a:ext cx="2893635" cy="2031050"/>
+          </a:xfrm>
+          <a:prstGeom prst="rect">
+            <a:avLst/>
+          </a:prstGeom>
+        </p:spPr>
+      </p:pic>
+      <p:pic>
+        <p:nvPicPr>
+          <p:cNvPr id="7" name="Picture 6">
+            <a:extLst>
+              <a:ext uri="{FF2B5EF4-FFF2-40B4-BE49-F238E27FC236}">
+                <a16:creationId xmlns:a16="http://schemas.microsoft.com/office/drawing/2014/main" id="{4D318C10-DB2C-4A14-707E-99F6729E18FF}"/>
+              </a:ext>
+            </a:extLst>
+          </p:cNvPr>
+          <p:cNvPicPr>
+            <a:picLocks noChangeAspect="1"/>
+          </p:cNvPicPr>
+          <p:nvPr/>
+        </p:nvPicPr>
+        <p:blipFill>
+          <a:blip r:embed="rId3"/>
+          <a:stretch>
+            <a:fillRect/>
+          </a:stretch>
+        </p:blipFill>
+        <p:spPr>
+          <a:xfrm>
+            <a:off x="670559" y="2130684"/>
+            <a:ext cx="3201321" cy="2353482"/>
+          </a:xfrm>
+          <a:prstGeom prst="rect">
+            <a:avLst/>
+          </a:prstGeom>
+        </p:spPr>
+      </p:pic>
+      <p:sp>
+        <p:nvSpPr>
+          <p:cNvPr id="8" name="Content Placeholder 2">
+            <a:extLst>
+              <a:ext uri="{FF2B5EF4-FFF2-40B4-BE49-F238E27FC236}">
+                <a16:creationId xmlns:a16="http://schemas.microsoft.com/office/drawing/2014/main" id="{C731CE1E-E1AC-8F84-F0FD-6FAA27995386}"/>
+              </a:ext>
+            </a:extLst>
+          </p:cNvPr>
+          <p:cNvSpPr txBox="1">
+            <a:spLocks/>
+          </p:cNvSpPr>
+          <p:nvPr/>
+        </p:nvSpPr>
+        <p:spPr>
+          <a:xfrm>
+            <a:off x="4188543" y="2130684"/>
+            <a:ext cx="4330618" cy="3890810"/>
+          </a:xfrm>
+          <a:prstGeom prst="rect">
+            <a:avLst/>
+          </a:prstGeom>
+        </p:spPr>
+        <p:txBody>
+          <a:bodyPr vert="horz" lIns="0" tIns="45720" rIns="0" bIns="45720" rtlCol="0">
+            <a:normAutofit fontScale="70000" lnSpcReduction="20000"/>
+          </a:bodyPr>
+          <a:lstStyle>
+            <a:lvl1pPr marL="91440" indent="-91440" algn="l" defTabSz="914400" rtl="0" eaLnBrk="1" latinLnBrk="0" hangingPunct="1">
+              <a:lnSpc>
+                <a:spcPct val="90000"/>
+              </a:lnSpc>
+              <a:spcBef>
+                <a:spcPts val="1200"/>
+              </a:spcBef>
+              <a:spcAft>
+                <a:spcPts val="200"/>
+              </a:spcAft>
+              <a:buClr>
+                <a:schemeClr val="accent1"/>
+              </a:buClr>
+              <a:buSzPct val="100000"/>
+              <a:buFont typeface="Calibri" panose="020F0502020204030204" pitchFamily="34" charset="0"/>
+              <a:buChar char=" "/>
+              <a:defRPr sz="2000" kern="1200">
+                <a:solidFill>
+                  <a:schemeClr val="tx1">
+                    <a:lumMod val="75000"/>
+                    <a:lumOff val="25000"/>
+                  </a:schemeClr>
+                </a:solidFill>
+                <a:latin typeface="+mn-lt"/>
+                <a:ea typeface="+mn-ea"/>
+                <a:cs typeface="+mn-cs"/>
+              </a:defRPr>
+            </a:lvl1pPr>
+            <a:lvl2pPr marL="384048" indent="-182880" algn="l" defTabSz="914400" rtl="0" eaLnBrk="1" latinLnBrk="0" hangingPunct="1">
+              <a:lnSpc>
+                <a:spcPct val="90000"/>
+              </a:lnSpc>
+              <a:spcBef>
+                <a:spcPts val="200"/>
+              </a:spcBef>
+              <a:spcAft>
+                <a:spcPts val="400"/>
+              </a:spcAft>
+              <a:buClr>
+                <a:schemeClr val="accent1"/>
+              </a:buClr>
+              <a:buFont typeface="Calibri" pitchFamily="34" charset="0"/>
+              <a:buChar char="◦"/>
+              <a:defRPr sz="1800" kern="1200">
+                <a:solidFill>
+                  <a:schemeClr val="tx1">
+                    <a:lumMod val="75000"/>
+                    <a:lumOff val="25000"/>
+                  </a:schemeClr>
+                </a:solidFill>
+                <a:latin typeface="+mn-lt"/>
+                <a:ea typeface="+mn-ea"/>
+                <a:cs typeface="+mn-cs"/>
+              </a:defRPr>
+            </a:lvl2pPr>
+            <a:lvl3pPr marL="566928" indent="-182880" algn="l" defTabSz="914400" rtl="0" eaLnBrk="1" latinLnBrk="0" hangingPunct="1">
+              <a:lnSpc>
+                <a:spcPct val="90000"/>
+              </a:lnSpc>
+              <a:spcBef>
+                <a:spcPts val="200"/>
+              </a:spcBef>
+              <a:spcAft>
+                <a:spcPts val="400"/>
+              </a:spcAft>
+              <a:buClr>
+                <a:schemeClr val="accent1"/>
+              </a:buClr>
+              <a:buFont typeface="Calibri" pitchFamily="34" charset="0"/>
+              <a:buChar char="◦"/>
+              <a:defRPr sz="1400" kern="1200">
+                <a:solidFill>
+                  <a:schemeClr val="tx1">
+                    <a:lumMod val="75000"/>
+                    <a:lumOff val="25000"/>
+                  </a:schemeClr>
+                </a:solidFill>
+                <a:latin typeface="+mn-lt"/>
+                <a:ea typeface="+mn-ea"/>
+                <a:cs typeface="+mn-cs"/>
+              </a:defRPr>
+            </a:lvl3pPr>
+            <a:lvl4pPr marL="749808" indent="-182880" algn="l" defTabSz="914400" rtl="0" eaLnBrk="1" latinLnBrk="0" hangingPunct="1">
+              <a:lnSpc>
+                <a:spcPct val="90000"/>
+              </a:lnSpc>
+              <a:spcBef>
+                <a:spcPts val="200"/>
+              </a:spcBef>
+              <a:spcAft>
+                <a:spcPts val="400"/>
+              </a:spcAft>
+              <a:buClr>
+                <a:schemeClr val="accent1"/>
+              </a:buClr>
+              <a:buFont typeface="Calibri" pitchFamily="34" charset="0"/>
+              <a:buChar char="◦"/>
+              <a:defRPr sz="1400" kern="1200">
+                <a:solidFill>
+                  <a:schemeClr val="tx1">
+                    <a:lumMod val="75000"/>
+                    <a:lumOff val="25000"/>
+                  </a:schemeClr>
+                </a:solidFill>
+                <a:latin typeface="+mn-lt"/>
+                <a:ea typeface="+mn-ea"/>
+                <a:cs typeface="+mn-cs"/>
+              </a:defRPr>
+            </a:lvl4pPr>
+            <a:lvl5pPr marL="932688" indent="-182880" algn="l" defTabSz="914400" rtl="0" eaLnBrk="1" latinLnBrk="0" hangingPunct="1">
+              <a:lnSpc>
+                <a:spcPct val="90000"/>
+              </a:lnSpc>
+              <a:spcBef>
+                <a:spcPts val="200"/>
+              </a:spcBef>
+              <a:spcAft>
+                <a:spcPts val="400"/>
+              </a:spcAft>
+              <a:buClr>
+                <a:schemeClr val="accent1"/>
+              </a:buClr>
+              <a:buFont typeface="Calibri" pitchFamily="34" charset="0"/>
+              <a:buChar char="◦"/>
+              <a:defRPr sz="1400" kern="1200">
+                <a:solidFill>
+                  <a:schemeClr val="tx1">
+                    <a:lumMod val="75000"/>
+                    <a:lumOff val="25000"/>
+                  </a:schemeClr>
+                </a:solidFill>
+                <a:latin typeface="+mn-lt"/>
+                <a:ea typeface="+mn-ea"/>
+                <a:cs typeface="+mn-cs"/>
+              </a:defRPr>
+            </a:lvl5pPr>
+            <a:lvl6pPr marL="1100000" indent="-228600" algn="l" defTabSz="914400" rtl="0" eaLnBrk="1" latinLnBrk="0" hangingPunct="1">
+              <a:lnSpc>
+                <a:spcPct val="90000"/>
+              </a:lnSpc>
+              <a:spcBef>
+                <a:spcPts val="200"/>
+              </a:spcBef>
+              <a:spcAft>
+                <a:spcPts val="400"/>
+              </a:spcAft>
+              <a:buClr>
+                <a:schemeClr val="accent1"/>
+              </a:buClr>
+              <a:buFont typeface="Calibri" pitchFamily="34" charset="0"/>
+              <a:buChar char="◦"/>
+              <a:defRPr sz="1400" kern="1200">
+                <a:solidFill>
+                  <a:schemeClr val="tx1">
+                    <a:lumMod val="75000"/>
+                    <a:lumOff val="25000"/>
+                  </a:schemeClr>
+                </a:solidFill>
+                <a:latin typeface="+mn-lt"/>
+                <a:ea typeface="+mn-ea"/>
+                <a:cs typeface="+mn-cs"/>
+              </a:defRPr>
+            </a:lvl6pPr>
+            <a:lvl7pPr marL="1300000" indent="-228600" algn="l" defTabSz="914400" rtl="0" eaLnBrk="1" latinLnBrk="0" hangingPunct="1">
+              <a:lnSpc>
+                <a:spcPct val="90000"/>
+              </a:lnSpc>
+              <a:spcBef>
+                <a:spcPts val="200"/>
+              </a:spcBef>
+              <a:spcAft>
+                <a:spcPts val="400"/>
+              </a:spcAft>
+              <a:buClr>
+                <a:schemeClr val="accent1"/>
+              </a:buClr>
+              <a:buFont typeface="Calibri" pitchFamily="34" charset="0"/>
+              <a:buChar char="◦"/>
+              <a:defRPr sz="1400" kern="1200">
+                <a:solidFill>
+                  <a:schemeClr val="tx1">
+                    <a:lumMod val="75000"/>
+                    <a:lumOff val="25000"/>
+                  </a:schemeClr>
+                </a:solidFill>
+                <a:latin typeface="+mn-lt"/>
+                <a:ea typeface="+mn-ea"/>
+                <a:cs typeface="+mn-cs"/>
+              </a:defRPr>
+            </a:lvl7pPr>
+            <a:lvl8pPr marL="1500000" indent="-228600" algn="l" defTabSz="914400" rtl="0" eaLnBrk="1" latinLnBrk="0" hangingPunct="1">
+              <a:lnSpc>
+                <a:spcPct val="90000"/>
+              </a:lnSpc>
+              <a:spcBef>
+                <a:spcPts val="200"/>
+              </a:spcBef>
+              <a:spcAft>
+                <a:spcPts val="400"/>
+              </a:spcAft>
+              <a:buClr>
+                <a:schemeClr val="accent1"/>
+              </a:buClr>
+              <a:buFont typeface="Calibri" pitchFamily="34" charset="0"/>
+              <a:buChar char="◦"/>
+              <a:defRPr sz="1400" kern="1200">
+                <a:solidFill>
+                  <a:schemeClr val="tx1">
+                    <a:lumMod val="75000"/>
+                    <a:lumOff val="25000"/>
+                  </a:schemeClr>
+                </a:solidFill>
+                <a:latin typeface="+mn-lt"/>
+                <a:ea typeface="+mn-ea"/>
+                <a:cs typeface="+mn-cs"/>
+              </a:defRPr>
+            </a:lvl8pPr>
+            <a:lvl9pPr marL="1700000" indent="-228600" algn="l" defTabSz="914400" rtl="0" eaLnBrk="1" latinLnBrk="0" hangingPunct="1">
+              <a:lnSpc>
+                <a:spcPct val="90000"/>
+              </a:lnSpc>
+              <a:spcBef>
+                <a:spcPts val="200"/>
+              </a:spcBef>
+              <a:spcAft>
+                <a:spcPts val="400"/>
+              </a:spcAft>
+              <a:buClr>
+                <a:schemeClr val="accent1"/>
+              </a:buClr>
+              <a:buFont typeface="Calibri" pitchFamily="34" charset="0"/>
+              <a:buChar char="◦"/>
+              <a:defRPr sz="1400" kern="1200">
+                <a:solidFill>
+                  <a:schemeClr val="tx1">
+                    <a:lumMod val="75000"/>
+                    <a:lumOff val="25000"/>
+                  </a:schemeClr>
+                </a:solidFill>
+                <a:latin typeface="+mn-lt"/>
+                <a:ea typeface="+mn-ea"/>
+                <a:cs typeface="+mn-cs"/>
+              </a:defRPr>
+            </a:lvl9pPr>
+          </a:lstStyle>
+          <a:p>
+            <a:pPr>
+              <a:buFont typeface="Arial" panose="020B0604020202020204" pitchFamily="34" charset="0"/>
+              <a:buChar char="•"/>
+            </a:pPr>
+            <a:r>
+              <a:rPr lang="en-US" b="1" dirty="0"/>
+              <a:t>Results:</a:t>
+            </a:r>
+          </a:p>
+          <a:p>
+            <a:r>
+              <a:rPr lang="en-US" dirty="0"/>
+              <a:t>- Spherical clustering provides </a:t>
+            </a:r>
+            <a:r>
+              <a:rPr lang="en-US" b="1" dirty="0"/>
+              <a:t>clean, non-overlapping groups.</a:t>
+            </a:r>
+          </a:p>
+          <a:p>
+            <a:r>
+              <a:rPr lang="en-US" dirty="0"/>
+              <a:t>- Clusters Overlap but </a:t>
+            </a:r>
+            <a:r>
+              <a:rPr lang="en-US" b="1" dirty="0"/>
+              <a:t>k=5</a:t>
+            </a:r>
+            <a:r>
+              <a:rPr lang="en-US" dirty="0"/>
+              <a:t> provides the most interpretable structure.</a:t>
+            </a:r>
+          </a:p>
+          <a:p>
+            <a:r>
+              <a:rPr lang="en-IN" dirty="0"/>
+              <a:t>Cluster 0 (750 users, </a:t>
+            </a:r>
+            <a:r>
+              <a:rPr lang="en-IN" dirty="0" err="1"/>
+              <a:t>avg</a:t>
+            </a:r>
+            <a:r>
+              <a:rPr lang="en-IN" dirty="0"/>
+              <a:t> rating ~6.8)</a:t>
+            </a:r>
+          </a:p>
+          <a:p>
+            <a:r>
+              <a:rPr lang="en-IN" dirty="0"/>
+              <a:t>Cluster 1 (772 users, </a:t>
+            </a:r>
+            <a:r>
+              <a:rPr lang="en-IN" dirty="0" err="1"/>
+              <a:t>avg</a:t>
+            </a:r>
+            <a:r>
+              <a:rPr lang="en-IN" dirty="0"/>
+              <a:t> rating ~7.1)</a:t>
+            </a:r>
+          </a:p>
+          <a:p>
+            <a:r>
+              <a:rPr lang="en-IN" dirty="0"/>
+              <a:t>Cluster 2 (400 users, </a:t>
+            </a:r>
+            <a:r>
+              <a:rPr lang="en-IN" dirty="0" err="1"/>
+              <a:t>avg</a:t>
+            </a:r>
+            <a:r>
+              <a:rPr lang="en-IN" dirty="0"/>
+              <a:t> rating ~6.9)</a:t>
+            </a:r>
+          </a:p>
+          <a:p>
+            <a:r>
+              <a:rPr lang="en-IN" dirty="0"/>
+              <a:t>Cluster 3 (571 users, </a:t>
+            </a:r>
+            <a:r>
+              <a:rPr lang="en-IN" dirty="0" err="1"/>
+              <a:t>avg</a:t>
+            </a:r>
+            <a:r>
+              <a:rPr lang="en-IN" dirty="0"/>
+              <a:t> rating ~7.2)</a:t>
+            </a:r>
+          </a:p>
+          <a:p>
+            <a:r>
+              <a:rPr lang="en-IN" dirty="0"/>
+              <a:t>Cluster 4 (569 users, </a:t>
+            </a:r>
+            <a:r>
+              <a:rPr lang="en-IN" dirty="0" err="1"/>
+              <a:t>avg</a:t>
+            </a:r>
+            <a:r>
+              <a:rPr lang="en-IN" dirty="0"/>
+              <a:t> rating ~7.0)</a:t>
+            </a:r>
+          </a:p>
+          <a:p>
+            <a:r>
+              <a:rPr lang="en-US" b="1" dirty="0"/>
+              <a:t>cosine clustering</a:t>
+            </a:r>
+            <a:r>
+              <a:rPr lang="en-US" dirty="0"/>
+              <a:t> produces more coherent semantic clusters in NLP tasks.</a:t>
+            </a:r>
+          </a:p>
+          <a:p>
+            <a:r>
+              <a:rPr lang="en-US" dirty="0"/>
+              <a:t>- </a:t>
+            </a:r>
+          </a:p>
+        </p:txBody>
+      </p:sp>
+    </p:spTree>
+    <p:extLst>
+      <p:ext uri="{BB962C8B-B14F-4D97-AF65-F5344CB8AC3E}">
+        <p14:creationId xmlns:p14="http://schemas.microsoft.com/office/powerpoint/2010/main" val="4202361059"/>
+      </p:ext>
+    </p:extLst>
+  </p:cSld>
+  <p:clrMapOvr>
+    <a:masterClrMapping/>
+  </p:clrMapOvr>
+</p:sld>
+</file>
+
+<file path=ppt/slides/slide12.xml><?xml version="1.0" encoding="utf-8"?>
+<p:sld xmlns:a="http://schemas.openxmlformats.org/drawingml/2006/main" xmlns:r="http://schemas.openxmlformats.org/officeDocument/2006/relationships" xmlns:p="http://schemas.openxmlformats.org/presentationml/2006/main">
+  <p:cSld>
+    <p:spTree>
+      <p:nvGrpSpPr>
+        <p:cNvPr id="1" name="">
+          <a:extLst>
+            <a:ext uri="{FF2B5EF4-FFF2-40B4-BE49-F238E27FC236}">
+              <a16:creationId xmlns:a16="http://schemas.microsoft.com/office/drawing/2014/main" id="{430F0075-0564-F4C3-F54B-2171DF9B1DC7}"/>
+            </a:ext>
+          </a:extLst>
+        </p:cNvPr>
+        <p:cNvGrpSpPr/>
+        <p:nvPr/>
+      </p:nvGrpSpPr>
+      <p:grpSpPr>
+        <a:xfrm>
+          <a:off x="0" y="0"/>
+          <a:ext cx="0" cy="0"/>
+          <a:chOff x="0" y="0"/>
+          <a:chExt cx="0" cy="0"/>
+        </a:xfrm>
+      </p:grpSpPr>
+      <p:sp>
+        <p:nvSpPr>
+          <p:cNvPr id="2" name="Title 1">
+            <a:extLst>
+              <a:ext uri="{FF2B5EF4-FFF2-40B4-BE49-F238E27FC236}">
+                <a16:creationId xmlns:a16="http://schemas.microsoft.com/office/drawing/2014/main" id="{8D9158F5-506B-7F2D-C538-1D1D16DE811B}"/>
+              </a:ext>
+            </a:extLst>
+          </p:cNvPr>
+          <p:cNvSpPr>
+            <a:spLocks noGrp="1"/>
+          </p:cNvSpPr>
+          <p:nvPr>
+            <p:ph type="title"/>
+          </p:nvPr>
+        </p:nvSpPr>
+        <p:spPr/>
+        <p:txBody>
+          <a:bodyPr>
+            <a:normAutofit fontScale="90000"/>
+          </a:bodyPr>
+          <a:lstStyle/>
+          <a:p>
+            <a:r>
+              <a:rPr dirty="0"/>
+              <a:t>Use Case 3 — Cohort Discovery (Clustering)</a:t>
+            </a:r>
+            <a:r>
+              <a:rPr lang="en-US" dirty="0"/>
+              <a:t> –Actionable Insights</a:t>
+            </a:r>
+            <a:endParaRPr dirty="0"/>
+          </a:p>
+        </p:txBody>
+      </p:sp>
+      <p:sp>
+        <p:nvSpPr>
+          <p:cNvPr id="8" name="Content Placeholder 2">
+            <a:extLst>
+              <a:ext uri="{FF2B5EF4-FFF2-40B4-BE49-F238E27FC236}">
+                <a16:creationId xmlns:a16="http://schemas.microsoft.com/office/drawing/2014/main" id="{7EC4777B-D640-FCCF-C929-36D5D112F2A9}"/>
+              </a:ext>
+            </a:extLst>
+          </p:cNvPr>
+          <p:cNvSpPr txBox="1">
+            <a:spLocks/>
+          </p:cNvSpPr>
+          <p:nvPr/>
+        </p:nvSpPr>
+        <p:spPr>
+          <a:xfrm>
+            <a:off x="904568" y="1973368"/>
+            <a:ext cx="7614593" cy="4122632"/>
+          </a:xfrm>
+          <a:prstGeom prst="rect">
+            <a:avLst/>
+          </a:prstGeom>
+        </p:spPr>
+        <p:txBody>
+          <a:bodyPr vert="horz" lIns="0" tIns="45720" rIns="0" bIns="45720" rtlCol="0">
+            <a:normAutofit fontScale="25000" lnSpcReduction="20000"/>
+          </a:bodyPr>
+          <a:lstStyle>
+            <a:lvl1pPr marL="91440" indent="-91440" algn="l" defTabSz="914400" rtl="0" eaLnBrk="1" latinLnBrk="0" hangingPunct="1">
+              <a:lnSpc>
+                <a:spcPct val="90000"/>
+              </a:lnSpc>
+              <a:spcBef>
+                <a:spcPts val="1200"/>
+              </a:spcBef>
+              <a:spcAft>
+                <a:spcPts val="200"/>
+              </a:spcAft>
+              <a:buClr>
+                <a:schemeClr val="accent1"/>
+              </a:buClr>
+              <a:buSzPct val="100000"/>
+              <a:buFont typeface="Calibri" panose="020F0502020204030204" pitchFamily="34" charset="0"/>
+              <a:buChar char=" "/>
+              <a:defRPr sz="2000" kern="1200">
+                <a:solidFill>
+                  <a:schemeClr val="tx1">
+                    <a:lumMod val="75000"/>
+                    <a:lumOff val="25000"/>
+                  </a:schemeClr>
+                </a:solidFill>
+                <a:latin typeface="+mn-lt"/>
+                <a:ea typeface="+mn-ea"/>
+                <a:cs typeface="+mn-cs"/>
+              </a:defRPr>
+            </a:lvl1pPr>
+            <a:lvl2pPr marL="384048" indent="-182880" algn="l" defTabSz="914400" rtl="0" eaLnBrk="1" latinLnBrk="0" hangingPunct="1">
+              <a:lnSpc>
+                <a:spcPct val="90000"/>
+              </a:lnSpc>
+              <a:spcBef>
+                <a:spcPts val="200"/>
+              </a:spcBef>
+              <a:spcAft>
+                <a:spcPts val="400"/>
+              </a:spcAft>
+              <a:buClr>
+                <a:schemeClr val="accent1"/>
+              </a:buClr>
+              <a:buFont typeface="Calibri" pitchFamily="34" charset="0"/>
+              <a:buChar char="◦"/>
+              <a:defRPr sz="1800" kern="1200">
+                <a:solidFill>
+                  <a:schemeClr val="tx1">
+                    <a:lumMod val="75000"/>
+                    <a:lumOff val="25000"/>
+                  </a:schemeClr>
+                </a:solidFill>
+                <a:latin typeface="+mn-lt"/>
+                <a:ea typeface="+mn-ea"/>
+                <a:cs typeface="+mn-cs"/>
+              </a:defRPr>
+            </a:lvl2pPr>
+            <a:lvl3pPr marL="566928" indent="-182880" algn="l" defTabSz="914400" rtl="0" eaLnBrk="1" latinLnBrk="0" hangingPunct="1">
+              <a:lnSpc>
+                <a:spcPct val="90000"/>
+              </a:lnSpc>
+              <a:spcBef>
+                <a:spcPts val="200"/>
+              </a:spcBef>
+              <a:spcAft>
+                <a:spcPts val="400"/>
+              </a:spcAft>
+              <a:buClr>
+                <a:schemeClr val="accent1"/>
+              </a:buClr>
+              <a:buFont typeface="Calibri" pitchFamily="34" charset="0"/>
+              <a:buChar char="◦"/>
+              <a:defRPr sz="1400" kern="1200">
+                <a:solidFill>
+                  <a:schemeClr val="tx1">
+                    <a:lumMod val="75000"/>
+                    <a:lumOff val="25000"/>
+                  </a:schemeClr>
+                </a:solidFill>
+                <a:latin typeface="+mn-lt"/>
+                <a:ea typeface="+mn-ea"/>
+                <a:cs typeface="+mn-cs"/>
+              </a:defRPr>
+            </a:lvl3pPr>
+            <a:lvl4pPr marL="749808" indent="-182880" algn="l" defTabSz="914400" rtl="0" eaLnBrk="1" latinLnBrk="0" hangingPunct="1">
+              <a:lnSpc>
+                <a:spcPct val="90000"/>
+              </a:lnSpc>
+              <a:spcBef>
+                <a:spcPts val="200"/>
+              </a:spcBef>
+              <a:spcAft>
+                <a:spcPts val="400"/>
+              </a:spcAft>
+              <a:buClr>
+                <a:schemeClr val="accent1"/>
+              </a:buClr>
+              <a:buFont typeface="Calibri" pitchFamily="34" charset="0"/>
+              <a:buChar char="◦"/>
+              <a:defRPr sz="1400" kern="1200">
+                <a:solidFill>
+                  <a:schemeClr val="tx1">
+                    <a:lumMod val="75000"/>
+                    <a:lumOff val="25000"/>
+                  </a:schemeClr>
+                </a:solidFill>
+                <a:latin typeface="+mn-lt"/>
+                <a:ea typeface="+mn-ea"/>
+                <a:cs typeface="+mn-cs"/>
+              </a:defRPr>
+            </a:lvl4pPr>
+            <a:lvl5pPr marL="932688" indent="-182880" algn="l" defTabSz="914400" rtl="0" eaLnBrk="1" latinLnBrk="0" hangingPunct="1">
+              <a:lnSpc>
+                <a:spcPct val="90000"/>
+              </a:lnSpc>
+              <a:spcBef>
+                <a:spcPts val="200"/>
+              </a:spcBef>
+              <a:spcAft>
+                <a:spcPts val="400"/>
+              </a:spcAft>
+              <a:buClr>
+                <a:schemeClr val="accent1"/>
+              </a:buClr>
+              <a:buFont typeface="Calibri" pitchFamily="34" charset="0"/>
+              <a:buChar char="◦"/>
+              <a:defRPr sz="1400" kern="1200">
+                <a:solidFill>
+                  <a:schemeClr val="tx1">
+                    <a:lumMod val="75000"/>
+                    <a:lumOff val="25000"/>
+                  </a:schemeClr>
+                </a:solidFill>
+                <a:latin typeface="+mn-lt"/>
+                <a:ea typeface="+mn-ea"/>
+                <a:cs typeface="+mn-cs"/>
+              </a:defRPr>
+            </a:lvl5pPr>
+            <a:lvl6pPr marL="1100000" indent="-228600" algn="l" defTabSz="914400" rtl="0" eaLnBrk="1" latinLnBrk="0" hangingPunct="1">
+              <a:lnSpc>
+                <a:spcPct val="90000"/>
+              </a:lnSpc>
+              <a:spcBef>
+                <a:spcPts val="200"/>
+              </a:spcBef>
+              <a:spcAft>
+                <a:spcPts val="400"/>
+              </a:spcAft>
+              <a:buClr>
+                <a:schemeClr val="accent1"/>
+              </a:buClr>
+              <a:buFont typeface="Calibri" pitchFamily="34" charset="0"/>
+              <a:buChar char="◦"/>
+              <a:defRPr sz="1400" kern="1200">
+                <a:solidFill>
+                  <a:schemeClr val="tx1">
+                    <a:lumMod val="75000"/>
+                    <a:lumOff val="25000"/>
+                  </a:schemeClr>
+                </a:solidFill>
+                <a:latin typeface="+mn-lt"/>
+                <a:ea typeface="+mn-ea"/>
+                <a:cs typeface="+mn-cs"/>
+              </a:defRPr>
+            </a:lvl6pPr>
+            <a:lvl7pPr marL="1300000" indent="-228600" algn="l" defTabSz="914400" rtl="0" eaLnBrk="1" latinLnBrk="0" hangingPunct="1">
+              <a:lnSpc>
+                <a:spcPct val="90000"/>
+              </a:lnSpc>
+              <a:spcBef>
+                <a:spcPts val="200"/>
+              </a:spcBef>
+              <a:spcAft>
+                <a:spcPts val="400"/>
+              </a:spcAft>
+              <a:buClr>
+                <a:schemeClr val="accent1"/>
+              </a:buClr>
+              <a:buFont typeface="Calibri" pitchFamily="34" charset="0"/>
+              <a:buChar char="◦"/>
+              <a:defRPr sz="1400" kern="1200">
+                <a:solidFill>
+                  <a:schemeClr val="tx1">
+                    <a:lumMod val="75000"/>
+                    <a:lumOff val="25000"/>
+                  </a:schemeClr>
+                </a:solidFill>
+                <a:latin typeface="+mn-lt"/>
+                <a:ea typeface="+mn-ea"/>
+                <a:cs typeface="+mn-cs"/>
+              </a:defRPr>
+            </a:lvl7pPr>
+            <a:lvl8pPr marL="1500000" indent="-228600" algn="l" defTabSz="914400" rtl="0" eaLnBrk="1" latinLnBrk="0" hangingPunct="1">
+              <a:lnSpc>
+                <a:spcPct val="90000"/>
+              </a:lnSpc>
+              <a:spcBef>
+                <a:spcPts val="200"/>
+              </a:spcBef>
+              <a:spcAft>
+                <a:spcPts val="400"/>
+              </a:spcAft>
+              <a:buClr>
+                <a:schemeClr val="accent1"/>
+              </a:buClr>
+              <a:buFont typeface="Calibri" pitchFamily="34" charset="0"/>
+              <a:buChar char="◦"/>
+              <a:defRPr sz="1400" kern="1200">
+                <a:solidFill>
+                  <a:schemeClr val="tx1">
+                    <a:lumMod val="75000"/>
+                    <a:lumOff val="25000"/>
+                  </a:schemeClr>
+                </a:solidFill>
+                <a:latin typeface="+mn-lt"/>
+                <a:ea typeface="+mn-ea"/>
+                <a:cs typeface="+mn-cs"/>
+              </a:defRPr>
+            </a:lvl8pPr>
+            <a:lvl9pPr marL="1700000" indent="-228600" algn="l" defTabSz="914400" rtl="0" eaLnBrk="1" latinLnBrk="0" hangingPunct="1">
+              <a:lnSpc>
+                <a:spcPct val="90000"/>
+              </a:lnSpc>
+              <a:spcBef>
+                <a:spcPts val="200"/>
+              </a:spcBef>
+              <a:spcAft>
+                <a:spcPts val="400"/>
+              </a:spcAft>
+              <a:buClr>
+                <a:schemeClr val="accent1"/>
+              </a:buClr>
+              <a:buFont typeface="Calibri" pitchFamily="34" charset="0"/>
+              <a:buChar char="◦"/>
+              <a:defRPr sz="1400" kern="1200">
+                <a:solidFill>
+                  <a:schemeClr val="tx1">
+                    <a:lumMod val="75000"/>
+                    <a:lumOff val="25000"/>
+                  </a:schemeClr>
+                </a:solidFill>
+                <a:latin typeface="+mn-lt"/>
+                <a:ea typeface="+mn-ea"/>
+                <a:cs typeface="+mn-cs"/>
+              </a:defRPr>
+            </a:lvl9pPr>
+          </a:lstStyle>
+          <a:p>
+            <a:pPr>
+              <a:buFont typeface="Arial" panose="020B0604020202020204" pitchFamily="34" charset="0"/>
+              <a:buChar char="•"/>
+            </a:pPr>
+            <a:r>
+              <a:rPr lang="en-US" sz="5200" b="1" dirty="0"/>
+              <a:t> Key Business Takeaways (Effectiveness Prediction Cohort Discovery)</a:t>
+            </a:r>
+          </a:p>
+          <a:p>
+            <a:pPr>
+              <a:buFont typeface="Arial" panose="020B0604020202020204" pitchFamily="34" charset="0"/>
+              <a:buChar char="•"/>
+            </a:pPr>
+            <a:r>
+              <a:rPr lang="en-US" sz="5200" b="1" dirty="0"/>
+              <a:t> Customer segments emerge around conditions</a:t>
+            </a:r>
+            <a:endParaRPr lang="en-US" sz="5200" dirty="0"/>
+          </a:p>
+          <a:p>
+            <a:pPr lvl="1"/>
+            <a:r>
+              <a:rPr lang="en-US" sz="5200" dirty="0"/>
+              <a:t>Cluster 1 (Depression/Anxiety-related) and Cluster 3 (Acne/Birth Control-related) highlight </a:t>
+            </a:r>
+            <a:r>
+              <a:rPr lang="en-US" sz="5200" b="1" dirty="0"/>
+              <a:t>clear medical-condition cohorts</a:t>
+            </a:r>
+            <a:r>
+              <a:rPr lang="en-US" sz="5200" dirty="0"/>
+              <a:t>.</a:t>
+            </a:r>
+          </a:p>
+          <a:p>
+            <a:pPr lvl="1"/>
+            <a:r>
+              <a:rPr lang="en-US" sz="5200" dirty="0"/>
+              <a:t>This allows </a:t>
+            </a:r>
+            <a:r>
+              <a:rPr lang="en-US" sz="5200" b="1" dirty="0"/>
+              <a:t>targeted engagement</a:t>
+            </a:r>
+            <a:r>
+              <a:rPr lang="en-US" sz="5200" dirty="0"/>
+              <a:t> (e.g., condition-specific educational campaigns or product bundling).</a:t>
+            </a:r>
+          </a:p>
+          <a:p>
+            <a:pPr>
+              <a:buFont typeface="Arial" panose="020B0604020202020204" pitchFamily="34" charset="0"/>
+              <a:buChar char="•"/>
+            </a:pPr>
+            <a:r>
+              <a:rPr lang="en-US" sz="5200" b="1" dirty="0"/>
+              <a:t> Ratings differ slightly across cohorts</a:t>
+            </a:r>
+            <a:endParaRPr lang="en-US" sz="5200" dirty="0"/>
+          </a:p>
+          <a:p>
+            <a:pPr lvl="1"/>
+            <a:r>
+              <a:rPr lang="en-US" sz="5200" dirty="0"/>
+              <a:t>Average ratings per cluster hover around </a:t>
+            </a:r>
+            <a:r>
+              <a:rPr lang="en-US" sz="5200" b="1" dirty="0"/>
+              <a:t>6.8–7.2</a:t>
+            </a:r>
+            <a:r>
+              <a:rPr lang="en-US" sz="5200" dirty="0"/>
+              <a:t>, suggesting </a:t>
+            </a:r>
+            <a:r>
+              <a:rPr lang="en-US" sz="5200" b="1" dirty="0"/>
+              <a:t>generally positive but not very high satisfaction</a:t>
+            </a:r>
+            <a:r>
+              <a:rPr lang="en-US" sz="5200" dirty="0"/>
+              <a:t>.</a:t>
+            </a:r>
+          </a:p>
+          <a:p>
+            <a:pPr lvl="1"/>
+            <a:r>
+              <a:rPr lang="en-US" sz="5200" dirty="0"/>
+              <a:t>Identifying </a:t>
+            </a:r>
+            <a:r>
+              <a:rPr lang="en-US" sz="5200" i="1" dirty="0"/>
+              <a:t>why certain cohorts (e.g., allergies/asthma cluster ~6.87)</a:t>
+            </a:r>
+            <a:r>
+              <a:rPr lang="en-US" sz="5200" dirty="0"/>
+              <a:t> rate lower can guide </a:t>
+            </a:r>
+            <a:r>
+              <a:rPr lang="en-US" sz="5200" b="1" dirty="0"/>
+              <a:t>product improvement priorities</a:t>
+            </a:r>
+            <a:r>
+              <a:rPr lang="en-US" sz="5200" dirty="0"/>
+              <a:t>.</a:t>
+            </a:r>
+          </a:p>
+          <a:p>
+            <a:pPr>
+              <a:buFont typeface="Arial" panose="020B0604020202020204" pitchFamily="34" charset="0"/>
+              <a:buChar char="•"/>
+            </a:pPr>
+            <a:r>
+              <a:rPr lang="en-US" sz="5200" b="1" dirty="0"/>
+              <a:t> Cohorts differ in volume (market size proxy)</a:t>
+            </a:r>
+            <a:endParaRPr lang="en-US" sz="5200" dirty="0"/>
+          </a:p>
+          <a:p>
+            <a:pPr lvl="1"/>
+            <a:r>
+              <a:rPr lang="en-US" sz="5200" dirty="0"/>
+              <a:t>The Depression/Anxiety cluster (772 reviews) is the largest — meaning </a:t>
+            </a:r>
+            <a:r>
+              <a:rPr lang="en-US" sz="5200" b="1" dirty="0"/>
+              <a:t>mental health is the dominant concern</a:t>
+            </a:r>
+            <a:r>
+              <a:rPr lang="en-US" sz="5200" dirty="0"/>
+              <a:t> in your dataset.</a:t>
+            </a:r>
+          </a:p>
+          <a:p>
+            <a:pPr lvl="1"/>
+            <a:r>
+              <a:rPr lang="en-US" sz="5200" dirty="0"/>
+              <a:t>Business impact: This segment deserves </a:t>
+            </a:r>
+            <a:r>
+              <a:rPr lang="en-US" sz="5200" b="1" dirty="0"/>
+              <a:t>priority for personalization, service improvements, or partnerships</a:t>
+            </a:r>
+            <a:r>
+              <a:rPr lang="en-US" sz="5200" dirty="0"/>
+              <a:t>.</a:t>
+            </a:r>
+          </a:p>
+          <a:p>
+            <a:pPr>
+              <a:buFont typeface="Arial" panose="020B0604020202020204" pitchFamily="34" charset="0"/>
+              <a:buChar char="•"/>
+            </a:pPr>
+            <a:r>
+              <a:rPr lang="en-US" sz="5200" b="1" dirty="0"/>
+              <a:t> Silhouette score is low (0.0514)</a:t>
+            </a:r>
+            <a:endParaRPr lang="en-US" sz="5200" dirty="0"/>
+          </a:p>
+          <a:p>
+            <a:pPr lvl="1"/>
+            <a:r>
+              <a:rPr lang="en-US" sz="5200" dirty="0"/>
+              <a:t>Indicates </a:t>
+            </a:r>
+            <a:r>
+              <a:rPr lang="en-US" sz="5200" b="1" dirty="0"/>
+              <a:t>clusters are not sharply separated</a:t>
+            </a:r>
+            <a:r>
+              <a:rPr lang="en-US" sz="5200" dirty="0"/>
+              <a:t>, suggesting customers often report </a:t>
+            </a:r>
+            <a:r>
+              <a:rPr lang="en-US" sz="5200" b="1" dirty="0"/>
+              <a:t>multiple overlapping conditions</a:t>
+            </a:r>
+            <a:r>
+              <a:rPr lang="en-US" sz="5200" dirty="0"/>
+              <a:t>.</a:t>
+            </a:r>
+          </a:p>
+          <a:p>
+            <a:pPr lvl="1"/>
+            <a:r>
+              <a:rPr lang="en-US" sz="5200" dirty="0"/>
+              <a:t>Business takeaway: customers may require </a:t>
+            </a:r>
+            <a:r>
+              <a:rPr lang="en-US" sz="5200" b="1" dirty="0"/>
+              <a:t>holistic solutions</a:t>
+            </a:r>
+            <a:r>
+              <a:rPr lang="en-US" sz="5200" dirty="0"/>
+              <a:t> </a:t>
+            </a:r>
+          </a:p>
+          <a:p>
+            <a:r>
+              <a:rPr lang="en-US" dirty="0"/>
+              <a:t> </a:t>
+            </a:r>
+          </a:p>
+        </p:txBody>
+      </p:sp>
+    </p:spTree>
+    <p:extLst>
+      <p:ext uri="{BB962C8B-B14F-4D97-AF65-F5344CB8AC3E}">
+        <p14:creationId xmlns:p14="http://schemas.microsoft.com/office/powerpoint/2010/main" val="3676274524"/>
+      </p:ext>
+    </p:extLst>
+  </p:cSld>
+  <p:clrMapOvr>
+    <a:masterClrMapping/>
+  </p:clrMapOvr>
+</p:sld>
+</file>
+
+<file path=ppt/slides/slide13.xml><?xml version="1.0" encoding="utf-8"?>
+<p:sld xmlns:a="http://schemas.openxmlformats.org/drawingml/2006/main" xmlns:r="http://schemas.openxmlformats.org/officeDocument/2006/relationships" xmlns:p="http://schemas.openxmlformats.org/presentationml/2006/main">
+  <p:cSld>
+    <p:spTree>
+      <p:nvGrpSpPr>
+        <p:cNvPr id="1" name=""/>
+        <p:cNvGrpSpPr/>
+        <p:nvPr/>
+      </p:nvGrpSpPr>
+      <p:grpSpPr>
+        <a:xfrm>
+          <a:off x="0" y="0"/>
+          <a:ext cx="0" cy="0"/>
+          <a:chOff x="0" y="0"/>
+          <a:chExt cx="0" cy="0"/>
+        </a:xfrm>
+      </p:grpSpPr>
+      <p:sp>
+        <p:nvSpPr>
+          <p:cNvPr id="2" name="Title 1"/>
+          <p:cNvSpPr>
+            <a:spLocks noGrp="1"/>
+          </p:cNvSpPr>
+          <p:nvPr>
+            <p:ph type="title"/>
+          </p:nvPr>
+        </p:nvSpPr>
+        <p:spPr/>
+        <p:txBody>
+          <a:bodyPr/>
+          <a:lstStyle/>
+          <a:p>
+            <a:r>
+              <a:t>Use Case 4 — Medicine Recommendations</a:t>
+            </a:r>
+          </a:p>
+        </p:txBody>
+      </p:sp>
+      <p:sp>
+        <p:nvSpPr>
+          <p:cNvPr id="3" name="Content Placeholder 2"/>
+          <p:cNvSpPr>
+            <a:spLocks noGrp="1"/>
+          </p:cNvSpPr>
+          <p:nvPr>
+            <p:ph idx="1"/>
+          </p:nvPr>
+        </p:nvSpPr>
+        <p:spPr/>
+        <p:txBody>
+          <a:bodyPr>
+            <a:normAutofit/>
+          </a:bodyPr>
+          <a:lstStyle/>
+          <a:p>
+            <a:pPr>
+              <a:buFont typeface="Arial" panose="020B0604020202020204" pitchFamily="34" charset="0"/>
+              <a:buChar char="•"/>
+            </a:pPr>
+            <a:r>
+              <a:rPr lang="en-US" b="1" dirty="0"/>
+              <a:t> </a:t>
+            </a:r>
+            <a:r>
+              <a:rPr b="1" dirty="0"/>
+              <a:t>Goal</a:t>
+            </a:r>
+            <a:r>
+              <a:rPr dirty="0"/>
+              <a:t>: </a:t>
+            </a:r>
+            <a:r>
+              <a:rPr lang="en-US" sz="1800" dirty="0"/>
+              <a:t>Recommend the </a:t>
+            </a:r>
+            <a:r>
+              <a:rPr lang="en-US" sz="1800" b="1" dirty="0"/>
+              <a:t>most suitable medicine</a:t>
+            </a:r>
+            <a:r>
+              <a:rPr lang="en-US" sz="1800" dirty="0"/>
+              <a:t> for a patient’s </a:t>
+            </a:r>
+            <a:r>
+              <a:rPr lang="en-US" sz="1800" b="1" dirty="0"/>
+              <a:t>symptoms/condition</a:t>
+            </a:r>
+            <a:r>
+              <a:rPr lang="en-US" sz="1800" dirty="0"/>
+              <a:t> using past reviews &amp; ratings.</a:t>
+            </a:r>
+            <a:endParaRPr sz="1800" dirty="0"/>
+          </a:p>
+          <a:p>
+            <a:pPr>
+              <a:buFont typeface="Arial" panose="020B0604020202020204" pitchFamily="34" charset="0"/>
+              <a:buChar char="•"/>
+            </a:pPr>
+            <a:r>
+              <a:rPr lang="en-US" sz="1800" dirty="0"/>
+              <a:t> </a:t>
+            </a:r>
+            <a:r>
+              <a:rPr sz="1800" b="1" dirty="0"/>
+              <a:t>Approach</a:t>
+            </a:r>
+            <a:r>
+              <a:rPr sz="1800" dirty="0"/>
+              <a:t> </a:t>
+            </a:r>
+            <a:endParaRPr lang="en-US" sz="1800" dirty="0"/>
+          </a:p>
+          <a:p>
+            <a:pPr marL="0" indent="0">
+              <a:buNone/>
+            </a:pPr>
+            <a:r>
+              <a:rPr lang="en-US" sz="1800" dirty="0"/>
+              <a:t>Balance </a:t>
+            </a:r>
+            <a:r>
+              <a:rPr lang="en-US" sz="1800" b="1" dirty="0"/>
+              <a:t>medical relevance</a:t>
+            </a:r>
+            <a:r>
+              <a:rPr lang="en-US" sz="1800" dirty="0"/>
+              <a:t> (condition-based) and </a:t>
+            </a:r>
+            <a:r>
+              <a:rPr lang="en-US" sz="1800" b="1" dirty="0"/>
+              <a:t>personalization</a:t>
+            </a:r>
+            <a:r>
+              <a:rPr lang="en-US" sz="1800" dirty="0"/>
+              <a:t> (user similarity).</a:t>
+            </a:r>
+            <a:endParaRPr sz="1800" dirty="0"/>
+          </a:p>
+          <a:p>
+            <a:r>
+              <a:rPr sz="1800" dirty="0"/>
+              <a:t>- </a:t>
+            </a:r>
+            <a:r>
+              <a:rPr lang="en-IN" sz="1800" dirty="0"/>
+              <a:t>Hybrid Recommender System</a:t>
+            </a:r>
+          </a:p>
+          <a:p>
+            <a:r>
+              <a:rPr lang="en-IN" sz="1800" dirty="0"/>
+              <a:t>- </a:t>
+            </a:r>
+            <a:r>
+              <a:rPr lang="en-US" sz="1800" b="1" dirty="0"/>
+              <a:t>Content-Based Filtering (CBF):</a:t>
+            </a:r>
+            <a:r>
+              <a:rPr lang="en-US" sz="1800" dirty="0"/>
+              <a:t> Matches symptoms with medicine reviews.</a:t>
+            </a:r>
+          </a:p>
+          <a:p>
+            <a:r>
+              <a:rPr lang="en-IN" sz="1800" dirty="0"/>
+              <a:t>- </a:t>
+            </a:r>
+            <a:r>
+              <a:rPr lang="en-IN" sz="1800" b="1" dirty="0"/>
+              <a:t>Collaborative Filtering (CF):</a:t>
+            </a:r>
+            <a:r>
+              <a:rPr lang="en-IN" sz="1800" dirty="0"/>
+              <a:t> Leverages patient–medicine rating patterns.</a:t>
+            </a:r>
+          </a:p>
+          <a:p>
+            <a:r>
+              <a:rPr lang="en-IN" sz="1800" dirty="0"/>
+              <a:t>- </a:t>
+            </a:r>
+            <a:r>
+              <a:rPr lang="en-US" sz="1800" b="1" dirty="0"/>
+              <a:t>Hybrid Score:</a:t>
+            </a:r>
+            <a:r>
+              <a:rPr lang="en-US" sz="1800" dirty="0"/>
+              <a:t> Weighted combination of CBF + CF. </a:t>
+            </a:r>
+          </a:p>
+          <a:p>
+            <a:endParaRPr lang="en-IN" dirty="0"/>
+          </a:p>
+          <a:p>
+            <a:endParaRPr dirty="0"/>
+          </a:p>
+        </p:txBody>
+      </p:sp>
+    </p:spTree>
+  </p:cSld>
+  <p:clrMapOvr>
+    <a:masterClrMapping/>
+  </p:clrMapOvr>
+</p:sld>
+</file>
+
+<file path=ppt/slides/slide14.xml><?xml version="1.0" encoding="utf-8"?>
+<p:sld xmlns:a="http://schemas.openxmlformats.org/drawingml/2006/main" xmlns:r="http://schemas.openxmlformats.org/officeDocument/2006/relationships" xmlns:p="http://schemas.openxmlformats.org/presentationml/2006/main">
+  <p:cSld>
+    <p:spTree>
+      <p:nvGrpSpPr>
+        <p:cNvPr id="1" name="">
+          <a:extLst>
+            <a:ext uri="{FF2B5EF4-FFF2-40B4-BE49-F238E27FC236}">
+              <a16:creationId xmlns:a16="http://schemas.microsoft.com/office/drawing/2014/main" id="{7B716CD9-DD98-D812-8CC7-AD41C3ED60C6}"/>
+            </a:ext>
+          </a:extLst>
+        </p:cNvPr>
+        <p:cNvGrpSpPr/>
+        <p:nvPr/>
+      </p:nvGrpSpPr>
+      <p:grpSpPr>
+        <a:xfrm>
+          <a:off x="0" y="0"/>
+          <a:ext cx="0" cy="0"/>
+          <a:chOff x="0" y="0"/>
+          <a:chExt cx="0" cy="0"/>
+        </a:xfrm>
+      </p:grpSpPr>
+      <p:sp>
+        <p:nvSpPr>
+          <p:cNvPr id="2" name="Title 1">
+            <a:extLst>
+              <a:ext uri="{FF2B5EF4-FFF2-40B4-BE49-F238E27FC236}">
+                <a16:creationId xmlns:a16="http://schemas.microsoft.com/office/drawing/2014/main" id="{CBAB9F02-0DE1-4519-D602-0B63DEAA5710}"/>
+              </a:ext>
+            </a:extLst>
+          </p:cNvPr>
+          <p:cNvSpPr>
+            <a:spLocks noGrp="1"/>
+          </p:cNvSpPr>
+          <p:nvPr>
+            <p:ph type="title"/>
+          </p:nvPr>
+        </p:nvSpPr>
+        <p:spPr/>
+        <p:txBody>
+          <a:bodyPr>
+            <a:normAutofit fontScale="90000"/>
+          </a:bodyPr>
+          <a:lstStyle/>
+          <a:p>
+            <a:r>
+              <a:rPr dirty="0"/>
+              <a:t>Use Case 4 — Medicine Recommendations</a:t>
+            </a:r>
+            <a:r>
+              <a:rPr lang="en-US" dirty="0"/>
+              <a:t> (Methodology)</a:t>
+            </a:r>
+            <a:endParaRPr dirty="0"/>
+          </a:p>
+        </p:txBody>
+      </p:sp>
+      <p:sp>
+        <p:nvSpPr>
+          <p:cNvPr id="3" name="Content Placeholder 2">
+            <a:extLst>
+              <a:ext uri="{FF2B5EF4-FFF2-40B4-BE49-F238E27FC236}">
+                <a16:creationId xmlns:a16="http://schemas.microsoft.com/office/drawing/2014/main" id="{504A4180-EC74-1DC0-E0BB-B81D7F87C9A9}"/>
+              </a:ext>
+            </a:extLst>
+          </p:cNvPr>
+          <p:cNvSpPr>
+            <a:spLocks noGrp="1"/>
+          </p:cNvSpPr>
+          <p:nvPr>
+            <p:ph idx="1"/>
+          </p:nvPr>
+        </p:nvSpPr>
+        <p:spPr/>
+        <p:txBody>
+          <a:bodyPr>
+            <a:normAutofit fontScale="62500" lnSpcReduction="20000"/>
+          </a:bodyPr>
+          <a:lstStyle/>
+          <a:p>
+            <a:r>
+              <a:rPr lang="en-IN" sz="2600" b="1" dirty="0"/>
+              <a:t>Methodology</a:t>
+            </a:r>
+          </a:p>
+          <a:p>
+            <a:r>
+              <a:rPr lang="en-IN" b="1" dirty="0"/>
+              <a:t>Content-Based (CBF):</a:t>
+            </a:r>
+            <a:endParaRPr lang="en-IN" dirty="0"/>
+          </a:p>
+          <a:p>
+            <a:pPr lvl="1"/>
+            <a:r>
+              <a:rPr lang="en-IN" dirty="0"/>
+              <a:t>TF–IDF embeddings of aggregated reviews per medicine.</a:t>
+            </a:r>
+          </a:p>
+          <a:p>
+            <a:pPr lvl="1"/>
+            <a:r>
+              <a:rPr lang="en-IN" dirty="0"/>
+              <a:t>Cosine similarity between query (symptoms) &amp; medicine reviews.</a:t>
+            </a:r>
+          </a:p>
+          <a:p>
+            <a:pPr lvl="1"/>
+            <a:r>
+              <a:rPr lang="en-IN" dirty="0"/>
+              <a:t>Minimum reviews threshold for robustness.</a:t>
+            </a:r>
+          </a:p>
+          <a:p>
+            <a:r>
+              <a:rPr lang="en-IN" b="1" dirty="0"/>
+              <a:t>Collaborative Filtering (CF):</a:t>
+            </a:r>
+            <a:endParaRPr lang="en-IN" dirty="0"/>
+          </a:p>
+          <a:p>
+            <a:pPr lvl="1"/>
+            <a:r>
+              <a:rPr lang="en-IN" dirty="0"/>
+              <a:t>Build Customer × Medicine rating matrix.</a:t>
+            </a:r>
+          </a:p>
+          <a:p>
+            <a:pPr lvl="1"/>
+            <a:r>
+              <a:rPr lang="en-IN" dirty="0"/>
+              <a:t>Compute patient similarity via cosine similarity.</a:t>
+            </a:r>
+          </a:p>
+          <a:p>
+            <a:pPr lvl="1"/>
+            <a:r>
+              <a:rPr lang="en-IN" dirty="0"/>
+              <a:t>Recommend medicines rated highly by similar patients.</a:t>
+            </a:r>
+          </a:p>
+          <a:p>
+            <a:pPr marL="201168" lvl="1" indent="0">
+              <a:buNone/>
+            </a:pPr>
+            <a:endParaRPr lang="en-IN" b="1" dirty="0"/>
+          </a:p>
+          <a:p>
+            <a:pPr marL="201168" lvl="1" indent="0">
+              <a:buNone/>
+            </a:pPr>
+            <a:endParaRPr lang="en-IN" b="1" dirty="0"/>
+          </a:p>
+          <a:p>
+            <a:pPr marL="201168" lvl="1" indent="0">
+              <a:buNone/>
+            </a:pPr>
+            <a:endParaRPr lang="en-IN" b="1" dirty="0"/>
+          </a:p>
+          <a:p>
+            <a:pPr marL="201168" lvl="1" indent="0">
+              <a:buNone/>
+            </a:pPr>
+            <a:r>
+              <a:rPr lang="en-IN" b="1" dirty="0"/>
+              <a:t>Advantages of using Hybrid System:</a:t>
+            </a:r>
+          </a:p>
+          <a:p>
+            <a:pPr marL="201168" lvl="1" indent="0">
+              <a:lnSpc>
+                <a:spcPct val="120000"/>
+              </a:lnSpc>
+              <a:buNone/>
+            </a:pPr>
+            <a:br>
+              <a:rPr lang="en-IN" dirty="0"/>
+            </a:br>
+            <a:r>
+              <a:rPr lang="en-IN" dirty="0"/>
+              <a:t>-  Combines medicine/condition relevance better with personalization</a:t>
+            </a:r>
+            <a:br>
+              <a:rPr lang="en-IN" dirty="0"/>
+            </a:br>
+            <a:r>
+              <a:rPr lang="en-IN" dirty="0"/>
+              <a:t>-  Handles new user issues better</a:t>
+            </a:r>
+            <a:br>
+              <a:rPr lang="en-IN" dirty="0"/>
+            </a:br>
+            <a:r>
+              <a:rPr lang="en-IN" dirty="0"/>
+              <a:t>-  More diverse &amp; patient-specific recommendations </a:t>
+            </a:r>
+            <a:br>
+              <a:rPr lang="en-IN" dirty="0"/>
+            </a:br>
+            <a:r>
+              <a:rPr lang="en-IN" dirty="0"/>
+              <a:t>-  Less Risk associated with irrelevant recommendation</a:t>
+            </a:r>
+          </a:p>
+          <a:p>
+            <a:pPr marL="201168" lvl="1" indent="0">
+              <a:buNone/>
+            </a:pPr>
+            <a:endParaRPr lang="en-IN" dirty="0"/>
+          </a:p>
+          <a:p>
+            <a:pPr marL="201168" lvl="1" indent="0">
+              <a:buNone/>
+            </a:pPr>
+            <a:endParaRPr lang="en-IN" dirty="0"/>
+          </a:p>
+          <a:p>
+            <a:endParaRPr dirty="0"/>
+          </a:p>
+        </p:txBody>
+      </p:sp>
+      <p:pic>
+        <p:nvPicPr>
+          <p:cNvPr id="8" name="Picture 7">
+            <a:extLst>
+              <a:ext uri="{FF2B5EF4-FFF2-40B4-BE49-F238E27FC236}">
+                <a16:creationId xmlns:a16="http://schemas.microsoft.com/office/drawing/2014/main" id="{3911E329-7028-6E8E-3176-AFB143744EFF}"/>
+              </a:ext>
+            </a:extLst>
+          </p:cNvPr>
+          <p:cNvPicPr>
+            <a:picLocks noChangeAspect="1"/>
+          </p:cNvPicPr>
+          <p:nvPr/>
+        </p:nvPicPr>
+        <p:blipFill>
+          <a:blip r:embed="rId2"/>
+          <a:stretch>
+            <a:fillRect/>
+          </a:stretch>
+        </p:blipFill>
+        <p:spPr>
+          <a:xfrm>
+            <a:off x="1863564" y="3907105"/>
+            <a:ext cx="4458086" cy="434378"/>
+          </a:xfrm>
+          <a:prstGeom prst="rect">
+            <a:avLst/>
+          </a:prstGeom>
+        </p:spPr>
+      </p:pic>
+    </p:spTree>
+    <p:extLst>
+      <p:ext uri="{BB962C8B-B14F-4D97-AF65-F5344CB8AC3E}">
+        <p14:creationId xmlns:p14="http://schemas.microsoft.com/office/powerpoint/2010/main" val="1065749904"/>
+      </p:ext>
+    </p:extLst>
+  </p:cSld>
+  <p:clrMapOvr>
+    <a:masterClrMapping/>
+  </p:clrMapOvr>
+</p:sld>
+</file>
+
+<file path=ppt/slides/slide15.xml><?xml version="1.0" encoding="utf-8"?>
+<p:sld xmlns:a="http://schemas.openxmlformats.org/drawingml/2006/main" xmlns:r="http://schemas.openxmlformats.org/officeDocument/2006/relationships" xmlns:p="http://schemas.openxmlformats.org/presentationml/2006/main">
+  <p:cSld>
+    <p:spTree>
+      <p:nvGrpSpPr>
+        <p:cNvPr id="1" name=""/>
+        <p:cNvGrpSpPr/>
+        <p:nvPr/>
+      </p:nvGrpSpPr>
+      <p:grpSpPr>
+        <a:xfrm>
+          <a:off x="0" y="0"/>
+          <a:ext cx="0" cy="0"/>
+          <a:chOff x="0" y="0"/>
+          <a:chExt cx="0" cy="0"/>
+        </a:xfrm>
+      </p:grpSpPr>
+      <p:sp>
+        <p:nvSpPr>
+          <p:cNvPr id="2" name="Title 1"/>
+          <p:cNvSpPr>
+            <a:spLocks noGrp="1"/>
+          </p:cNvSpPr>
+          <p:nvPr>
+            <p:ph type="title"/>
+          </p:nvPr>
+        </p:nvSpPr>
+        <p:spPr/>
+        <p:txBody>
+          <a:bodyPr/>
+          <a:lstStyle/>
+          <a:p>
+            <a:r>
+              <a:t>Assumptions, Risks &amp; Controls</a:t>
+            </a:r>
+          </a:p>
+        </p:txBody>
+      </p:sp>
+      <p:sp>
+        <p:nvSpPr>
+          <p:cNvPr id="3" name="Content Placeholder 2"/>
+          <p:cNvSpPr>
+            <a:spLocks noGrp="1"/>
+          </p:cNvSpPr>
+          <p:nvPr>
+            <p:ph idx="1"/>
+          </p:nvPr>
+        </p:nvSpPr>
+        <p:spPr/>
+        <p:txBody>
+          <a:bodyPr>
+            <a:normAutofit fontScale="92500" lnSpcReduction="20000"/>
+          </a:bodyPr>
+          <a:lstStyle/>
+          <a:p>
+            <a:pPr>
+              <a:buFont typeface="Arial" panose="020B0604020202020204" pitchFamily="34" charset="0"/>
+              <a:buChar char="•"/>
+            </a:pPr>
+            <a:r>
+              <a:rPr lang="en-US" b="1" dirty="0"/>
+              <a:t> </a:t>
+            </a:r>
+            <a:r>
+              <a:rPr b="1" dirty="0"/>
+              <a:t>Assumptions</a:t>
+            </a:r>
+            <a:r>
+              <a:rPr dirty="0"/>
+              <a:t>:</a:t>
+            </a:r>
+          </a:p>
+          <a:p>
+            <a:r>
+              <a:rPr dirty="0"/>
+              <a:t>- Reviews reflect real outcomes.</a:t>
+            </a:r>
+            <a:endParaRPr lang="en-US" dirty="0"/>
+          </a:p>
+          <a:p>
+            <a:r>
+              <a:rPr lang="en-US" dirty="0"/>
+              <a:t>- Labeling for Sentiment** uses `Rating &gt;= 6` as a proxy for positivity.</a:t>
+            </a:r>
+            <a:endParaRPr dirty="0"/>
+          </a:p>
+          <a:p>
+            <a:endParaRPr dirty="0"/>
+          </a:p>
+          <a:p>
+            <a:pPr>
+              <a:buFont typeface="Arial" panose="020B0604020202020204" pitchFamily="34" charset="0"/>
+              <a:buChar char="•"/>
+            </a:pPr>
+            <a:r>
+              <a:rPr lang="en-US" b="1" dirty="0"/>
+              <a:t> </a:t>
+            </a:r>
+            <a:r>
+              <a:rPr b="1" dirty="0"/>
+              <a:t>Risks &amp; Mitigations:</a:t>
+            </a:r>
+          </a:p>
+          <a:p>
+            <a:r>
+              <a:rPr dirty="0"/>
+              <a:t>- Class imbalance → stratified splits, class weights, macro‑F1.</a:t>
+            </a:r>
+          </a:p>
+          <a:p>
+            <a:r>
+              <a:rPr dirty="0"/>
+              <a:t>- Noisy text/newlines → robust TSV parsing, NA/length filters, dedupes.</a:t>
+            </a:r>
+          </a:p>
+          <a:p>
+            <a:r>
+              <a:rPr dirty="0"/>
+              <a:t>- Data leakage → exclude rating when predicting effectiveness</a:t>
+            </a:r>
+            <a:r>
+              <a:rPr lang="en-US" dirty="0"/>
+              <a:t>.</a:t>
+            </a:r>
+            <a:endParaRPr dirty="0"/>
+          </a:p>
+          <a:p>
+            <a:r>
+              <a:rPr dirty="0"/>
+              <a:t>- Bias/representativeness → manual audit of clusters and</a:t>
+            </a:r>
+            <a:endParaRPr lang="en-US" dirty="0"/>
+          </a:p>
+          <a:p>
+            <a:r>
+              <a:rPr lang="en-US" dirty="0"/>
+              <a:t> </a:t>
+            </a:r>
+            <a:r>
+              <a:rPr dirty="0"/>
+              <a:t> recommendations.</a:t>
+            </a:r>
+          </a:p>
+          <a:p>
+            <a:endParaRPr dirty="0"/>
+          </a:p>
+        </p:txBody>
+      </p:sp>
+    </p:spTree>
+  </p:cSld>
+  <p:clrMapOvr>
+    <a:masterClrMapping/>
+  </p:clrMapOvr>
+</p:sld>
+</file>
+
+<file path=ppt/slides/slide16.xml><?xml version="1.0" encoding="utf-8"?>
+<p:sld xmlns:a="http://schemas.openxmlformats.org/drawingml/2006/main" xmlns:r="http://schemas.openxmlformats.org/officeDocument/2006/relationships" xmlns:p="http://schemas.openxmlformats.org/presentationml/2006/main">
+  <p:cSld>
+    <p:spTree>
+      <p:nvGrpSpPr>
+        <p:cNvPr id="1" name=""/>
+        <p:cNvGrpSpPr/>
+        <p:nvPr/>
+      </p:nvGrpSpPr>
+      <p:grpSpPr>
+        <a:xfrm>
+          <a:off x="0" y="0"/>
+          <a:ext cx="0" cy="0"/>
+          <a:chOff x="0" y="0"/>
+          <a:chExt cx="0" cy="0"/>
+        </a:xfrm>
+      </p:grpSpPr>
+      <p:sp>
+        <p:nvSpPr>
+          <p:cNvPr id="2" name="Title 1"/>
+          <p:cNvSpPr>
+            <a:spLocks noGrp="1"/>
+          </p:cNvSpPr>
+          <p:nvPr>
+            <p:ph type="title"/>
+          </p:nvPr>
+        </p:nvSpPr>
+        <p:spPr/>
+        <p:txBody>
+          <a:bodyPr/>
+          <a:lstStyle/>
+          <a:p>
+            <a:r>
+              <a:t>Key Insights &amp; Next Steps</a:t>
+            </a:r>
+          </a:p>
+        </p:txBody>
+      </p:sp>
+      <p:sp>
+        <p:nvSpPr>
+          <p:cNvPr id="3" name="Content Placeholder 2"/>
+          <p:cNvSpPr>
+            <a:spLocks noGrp="1"/>
+          </p:cNvSpPr>
+          <p:nvPr>
+            <p:ph idx="1"/>
+          </p:nvPr>
+        </p:nvSpPr>
+        <p:spPr/>
+        <p:txBody>
+          <a:bodyPr>
+            <a:normAutofit/>
+          </a:bodyPr>
+          <a:lstStyle/>
+          <a:p>
+            <a:pPr>
+              <a:buFont typeface="Arial" panose="020B0604020202020204" pitchFamily="34" charset="0"/>
+              <a:buChar char="•"/>
+            </a:pPr>
+            <a:r>
+              <a:rPr lang="en-US" b="1" dirty="0"/>
+              <a:t> </a:t>
+            </a:r>
+            <a:r>
+              <a:rPr b="1" dirty="0"/>
+              <a:t>Insights</a:t>
+            </a:r>
+            <a:r>
+              <a:rPr dirty="0"/>
+              <a:t>:</a:t>
+            </a:r>
+          </a:p>
+          <a:p>
+            <a:r>
+              <a:rPr dirty="0"/>
+              <a:t>- TF‑IDF best for sentiment; embeddings best for cohorts.</a:t>
+            </a:r>
+          </a:p>
+          <a:p>
+            <a:r>
+              <a:rPr dirty="0"/>
+              <a:t>- Clusters align with conditions and </a:t>
+            </a:r>
+            <a:r>
+              <a:rPr lang="en-IN" dirty="0"/>
+              <a:t>review</a:t>
+            </a:r>
+            <a:r>
+              <a:rPr dirty="0"/>
+              <a:t>; actionable for product/support.</a:t>
+            </a:r>
+          </a:p>
+          <a:p>
+            <a:endParaRPr dirty="0"/>
+          </a:p>
+          <a:p>
+            <a:pPr>
+              <a:buFont typeface="Arial" panose="020B0604020202020204" pitchFamily="34" charset="0"/>
+              <a:buChar char="•"/>
+            </a:pPr>
+            <a:r>
+              <a:rPr lang="en-US" b="1" dirty="0"/>
+              <a:t> </a:t>
+            </a:r>
+            <a:r>
+              <a:rPr b="1" dirty="0"/>
               <a:t>Next Steps:</a:t>
             </a:r>
           </a:p>
           <a:p>
             <a:r>
-              <a:t>- Fine‑tune domain models (BioClinicalBERT); try ordinal losses for effectiveness.</a:t>
-            </a:r>
-          </a:p>
-          <a:p>
-            <a:r>
-              <a:t>- Add safety layer for recs (exclude severe side‑effect clusters).</a:t>
-            </a:r>
-          </a:p>
-          <a:p>
-            <a:r>
-              <a:t>- Build monitoring (data drift, class balance, cohort stability).</a:t>
+              <a:rPr dirty="0"/>
+              <a:t>- Fine‑tune domain models (BERT).</a:t>
+            </a:r>
+          </a:p>
+          <a:p>
+            <a:r>
+              <a:rPr dirty="0"/>
+              <a:t>- Build monitoring (data drift</a:t>
+            </a:r>
+            <a:r>
+              <a:rPr lang="en-US" dirty="0"/>
+              <a:t>)</a:t>
+            </a:r>
+          </a:p>
+          <a:p>
+            <a:r>
+              <a:rPr lang="en-US" dirty="0"/>
+              <a:t>- Handle Robust </a:t>
+            </a:r>
+            <a:r>
+              <a:rPr dirty="0"/>
+              <a:t>class balance</a:t>
+            </a:r>
+            <a:r>
+              <a:rPr lang="en-US" dirty="0"/>
+              <a:t> &amp; </a:t>
+            </a:r>
+            <a:r>
+              <a:rPr dirty="0"/>
+              <a:t>cohort</a:t>
+            </a:r>
+            <a:r>
+              <a:rPr lang="en-US" dirty="0"/>
+              <a:t> clear boundary separation</a:t>
+            </a:r>
+            <a:r>
+              <a:rPr dirty="0"/>
+              <a:t>.</a:t>
             </a:r>
           </a:p>
         </p:txBody>
@@ -3239,7 +6674,7 @@
 </file>
 
 <file path=ppt/slides/slide2.xml><?xml version="1.0" encoding="utf-8"?>
-<p:sld xmlns:a="http://schemas.openxmlformats.org/drawingml/2006/main" xmlns:p="http://schemas.openxmlformats.org/presentationml/2006/main" xmlns:r="http://schemas.openxmlformats.org/officeDocument/2006/relationships">
+<p:sld xmlns:a="http://schemas.openxmlformats.org/drawingml/2006/main" xmlns:r="http://schemas.openxmlformats.org/officeDocument/2006/relationships" xmlns:p="http://schemas.openxmlformats.org/presentationml/2006/main">
   <p:cSld>
     <p:spTree>
       <p:nvGrpSpPr>
@@ -3247,7 +6682,14 @@
         <p:cNvGrpSpPr/>
         <p:nvPr/>
       </p:nvGrpSpPr>
-      <p:grpSpPr/>
+      <p:grpSpPr>
+        <a:xfrm>
+          <a:off x="0" y="0"/>
+          <a:ext cx="0" cy="0"/>
+          <a:chOff x="0" y="0"/>
+          <a:chExt cx="0" cy="0"/>
+        </a:xfrm>
+      </p:grpSpPr>
       <p:sp>
         <p:nvSpPr>
           <p:cNvPr id="2" name="Title 1"/>
@@ -3284,38 +6726,64 @@
           <a:bodyPr/>
           <a:lstStyle/>
           <a:p>
-            <a:r>
+            <a:pPr>
+              <a:buFont typeface="Arial" panose="020B0604020202020204" pitchFamily="34" charset="0"/>
+              <a:buChar char="•"/>
+            </a:pPr>
+            <a:r>
+              <a:rPr lang="en-US" b="1" dirty="0"/>
+              <a:t> </a:t>
+            </a:r>
+            <a:r>
+              <a:rPr b="1" dirty="0"/>
               <a:t>Business Objective:</a:t>
             </a:r>
           </a:p>
           <a:p>
             <a:r>
+              <a:rPr dirty="0"/>
               <a:t>- Turn unstructured medicine reviews into insights for product, marketing, and support.</a:t>
             </a:r>
-          </a:p>
-          <a:p/>
-          <a:p>
-            <a:r>
+            <a:endParaRPr lang="en-US" dirty="0"/>
+          </a:p>
+          <a:p>
+            <a:endParaRPr dirty="0"/>
+          </a:p>
+          <a:p>
+            <a:pPr>
+              <a:buFont typeface="Arial" panose="020B0604020202020204" pitchFamily="34" charset="0"/>
+              <a:buChar char="•"/>
+            </a:pPr>
+            <a:r>
+              <a:rPr lang="en-US" b="1" dirty="0"/>
+              <a:t> </a:t>
+            </a:r>
+            <a:r>
+              <a:rPr b="1" dirty="0"/>
               <a:t>Use Cases:</a:t>
             </a:r>
           </a:p>
           <a:p>
             <a:r>
+              <a:rPr dirty="0"/>
               <a:t>1) Classify sentiment (positive/negative)</a:t>
             </a:r>
           </a:p>
           <a:p>
             <a:r>
+              <a:rPr dirty="0"/>
               <a:t>2) Predict 5‑step effectiveness rating</a:t>
             </a:r>
           </a:p>
           <a:p>
             <a:r>
+              <a:rPr dirty="0"/>
               <a:t>3) Discover patient cohorts (clustering)</a:t>
             </a:r>
           </a:p>
           <a:p>
             <a:r>
+              <a:rPr dirty="0"/>
               <a:t>4) Recommend medicines from symptoms/conditions</a:t>
             </a:r>
           </a:p>
@@ -3330,7 +6798,7 @@
 </file>
 
 <file path=ppt/slides/slide3.xml><?xml version="1.0" encoding="utf-8"?>
-<p:sld xmlns:a="http://schemas.openxmlformats.org/drawingml/2006/main" xmlns:p="http://schemas.openxmlformats.org/presentationml/2006/main" xmlns:r="http://schemas.openxmlformats.org/officeDocument/2006/relationships">
+<p:sld xmlns:a="http://schemas.openxmlformats.org/drawingml/2006/main" xmlns:r="http://schemas.openxmlformats.org/officeDocument/2006/relationships" xmlns:p="http://schemas.openxmlformats.org/presentationml/2006/main">
   <p:cSld>
     <p:spTree>
       <p:nvGrpSpPr>
@@ -3338,7 +6806,14 @@
         <p:cNvGrpSpPr/>
         <p:nvPr/>
       </p:nvGrpSpPr>
-      <p:grpSpPr/>
+      <p:grpSpPr>
+        <a:xfrm>
+          <a:off x="0" y="0"/>
+          <a:ext cx="0" cy="0"/>
+          <a:chOff x="0" y="0"/>
+          <a:chExt cx="0" cy="0"/>
+        </a:xfrm>
+      </p:grpSpPr>
       <p:sp>
         <p:nvSpPr>
           <p:cNvPr id="2" name="Title 1"/>
@@ -3375,32 +6850,86 @@
           <a:bodyPr/>
           <a:lstStyle/>
           <a:p>
-            <a:r>
-              <a:t>Data: train/test TSV • Fields: id, medicine, rating (1–10), effectiveness (5‑step), side‑effects (5‑step), condition, 3 review texts.</a:t>
-            </a:r>
-          </a:p>
-          <a:p/>
-          <a:p>
-            <a:r>
-              <a:t>Preprocessing:</a:t>
-            </a:r>
-          </a:p>
-          <a:p>
-            <a:r>
-              <a:t>- Robust TSV parsing (quotes/newlines), column standardization, NA handling, dedupes, rating numeric range checks.</a:t>
-            </a:r>
-          </a:p>
-          <a:p>
-            <a:r>
-              <a:t>- Text kept mostly intact (medical context preserved). Lowercasing, whitespace cleanup.</a:t>
-            </a:r>
-          </a:p>
-          <a:p>
-            <a:r>
-              <a:t>- Train/test schema validation; defensive checks.</a:t>
-            </a:r>
-          </a:p>
-          <a:p/>
+            <a:pPr>
+              <a:buFont typeface="Arial" panose="020B0604020202020204" pitchFamily="34" charset="0"/>
+              <a:buChar char="•"/>
+            </a:pPr>
+            <a:r>
+              <a:rPr lang="en-US" b="1" dirty="0"/>
+              <a:t> </a:t>
+            </a:r>
+            <a:r>
+              <a:rPr b="1" dirty="0"/>
+              <a:t>Data</a:t>
+            </a:r>
+            <a:r>
+              <a:rPr dirty="0"/>
+              <a:t>: train/test TSV • Fields: id, medicine, rating (1–10), effectiveness (5‑step), side‑effects (5‑step), condition, 3 review texts.</a:t>
+            </a:r>
+          </a:p>
+          <a:p>
+            <a:endParaRPr dirty="0"/>
+          </a:p>
+          <a:p>
+            <a:pPr>
+              <a:buFont typeface="Arial" panose="020B0604020202020204" pitchFamily="34" charset="0"/>
+              <a:buChar char="•"/>
+            </a:pPr>
+            <a:r>
+              <a:rPr lang="en-US" b="1" dirty="0"/>
+              <a:t> </a:t>
+            </a:r>
+            <a:r>
+              <a:rPr b="1" dirty="0"/>
+              <a:t>Preprocessing</a:t>
+            </a:r>
+            <a:r>
+              <a:rPr dirty="0"/>
+              <a:t>:</a:t>
+            </a:r>
+          </a:p>
+          <a:p>
+            <a:r>
+              <a:rPr dirty="0"/>
+              <a:t>- Robust TSV parsing (</a:t>
+            </a:r>
+            <a:r>
+              <a:rPr lang="en-IN" dirty="0"/>
+              <a:t>handled </a:t>
+            </a:r>
+            <a:r>
+              <a:rPr dirty="0"/>
+              <a:t>quotes/newlines), column standardization, NA handling, dedupes, rating numeric range checks.</a:t>
+            </a:r>
+          </a:p>
+          <a:p>
+            <a:r>
+              <a:rPr dirty="0"/>
+              <a:t>- </a:t>
+            </a:r>
+            <a:r>
+              <a:rPr lang="en-IN" dirty="0"/>
+              <a:t>Non-critical stopwords removal</a:t>
+            </a:r>
+            <a:r>
+              <a:rPr dirty="0"/>
+              <a:t>. Lowercasing.</a:t>
+            </a:r>
+          </a:p>
+          <a:p>
+            <a:r>
+              <a:rPr dirty="0"/>
+              <a:t>- Train/test schema validation</a:t>
+            </a:r>
+            <a:r>
+              <a:rPr lang="en-IN" dirty="0"/>
+              <a:t>.</a:t>
+            </a:r>
+            <a:endParaRPr dirty="0"/>
+          </a:p>
+          <a:p>
+            <a:endParaRPr dirty="0"/>
+          </a:p>
         </p:txBody>
       </p:sp>
     </p:spTree>
@@ -3412,18 +6941,37 @@
 </file>
 
 <file path=ppt/slides/slide4.xml><?xml version="1.0" encoding="utf-8"?>
-<p:sld xmlns:a="http://schemas.openxmlformats.org/drawingml/2006/main" xmlns:p="http://schemas.openxmlformats.org/presentationml/2006/main" xmlns:r="http://schemas.openxmlformats.org/officeDocument/2006/relationships">
+<p:sld xmlns:a="http://schemas.openxmlformats.org/drawingml/2006/main" xmlns:r="http://schemas.openxmlformats.org/officeDocument/2006/relationships" xmlns:p="http://schemas.openxmlformats.org/presentationml/2006/main">
   <p:cSld>
     <p:spTree>
       <p:nvGrpSpPr>
-        <p:cNvPr id="1" name=""/>
+        <p:cNvPr id="1" name="">
+          <a:extLst>
+            <a:ext uri="{FF2B5EF4-FFF2-40B4-BE49-F238E27FC236}">
+              <a16:creationId xmlns:a16="http://schemas.microsoft.com/office/drawing/2014/main" id="{44244972-A115-504F-1E87-22EBB3495EB7}"/>
+            </a:ext>
+          </a:extLst>
+        </p:cNvPr>
         <p:cNvGrpSpPr/>
         <p:nvPr/>
       </p:nvGrpSpPr>
-      <p:grpSpPr/>
-      <p:sp>
-        <p:nvSpPr>
-          <p:cNvPr id="2" name="Title 1"/>
+      <p:grpSpPr>
+        <a:xfrm>
+          <a:off x="0" y="0"/>
+          <a:ext cx="0" cy="0"/>
+          <a:chOff x="0" y="0"/>
+          <a:chExt cx="0" cy="0"/>
+        </a:xfrm>
+      </p:grpSpPr>
+      <p:sp>
+        <p:nvSpPr>
+          <p:cNvPr id="2" name="Title 1">
+            <a:extLst>
+              <a:ext uri="{FF2B5EF4-FFF2-40B4-BE49-F238E27FC236}">
+                <a16:creationId xmlns:a16="http://schemas.microsoft.com/office/drawing/2014/main" id="{F5A3650F-91F2-1C1C-9814-89CE8551712E}"/>
+              </a:ext>
+            </a:extLst>
+          </p:cNvPr>
           <p:cNvSpPr>
             <a:spLocks noGrp="1"/>
           </p:cNvSpPr>
@@ -3437,70 +6985,141 @@
           <a:lstStyle/>
           <a:p>
             <a:r>
-              <a:t>Modeling Strategy (at a glance)</a:t>
-            </a:r>
-          </a:p>
-        </p:txBody>
-      </p:sp>
-      <p:sp>
-        <p:nvSpPr>
-          <p:cNvPr id="3" name="Content Placeholder 2"/>
-          <p:cNvSpPr>
-            <a:spLocks noGrp="1"/>
-          </p:cNvSpPr>
+              <a:rPr lang="en-IN" dirty="0"/>
+              <a:t>Exploratory Data Analysis</a:t>
+            </a:r>
+            <a:endParaRPr dirty="0"/>
+          </a:p>
+        </p:txBody>
+      </p:sp>
+      <p:pic>
+        <p:nvPicPr>
+          <p:cNvPr id="5" name="Content Placeholder 4">
+            <a:extLst>
+              <a:ext uri="{FF2B5EF4-FFF2-40B4-BE49-F238E27FC236}">
+                <a16:creationId xmlns:a16="http://schemas.microsoft.com/office/drawing/2014/main" id="{F9AC23B2-BDE4-A5FC-B728-A8E4B5A0114F}"/>
+              </a:ext>
+            </a:extLst>
+          </p:cNvPr>
+          <p:cNvPicPr>
+            <a:picLocks noGrp="1" noChangeAspect="1"/>
+          </p:cNvPicPr>
           <p:nvPr>
             <p:ph idx="1"/>
           </p:nvPr>
-        </p:nvSpPr>
-        <p:spPr/>
-        <p:txBody>
-          <a:bodyPr/>
-          <a:lstStyle/>
-          <a:p>
-            <a:r>
-              <a:t>Features:</a:t>
-            </a:r>
-          </a:p>
-          <a:p>
-            <a:r>
-              <a:t>- Text → TF‑IDF (for sentiment) and SentenceTransformer embeddings (for cohorts/recs)</a:t>
-            </a:r>
-          </a:p>
-          <a:p>
-            <a:r>
-              <a:t>- Structured → rating, condition, medicine (as needed)</a:t>
-            </a:r>
-          </a:p>
-          <a:p/>
-          <a:p>
-            <a:r>
-              <a:t>Algorithms:</a:t>
-            </a:r>
-          </a:p>
-          <a:p>
-            <a:r>
-              <a:t>- Sentiment: Logistic Regression (baseline &amp; interpretable)</a:t>
-            </a:r>
-          </a:p>
-          <a:p>
-            <a:r>
-              <a:t>- Effectiveness: Multiclass Logistic/Linear SVM (ordinal aware in next steps)</a:t>
-            </a:r>
-          </a:p>
-          <a:p>
-            <a:r>
-              <a:t>- Cohorts: MiniBatchKMeans on normalized embeddings (k via silhouette)</a:t>
-            </a:r>
-          </a:p>
-          <a:p>
-            <a:r>
-              <a:t>- Recs: Content‑based cosine similarity over embeddings (+ simple CF roadmap)</a:t>
-            </a:r>
-          </a:p>
-          <a:p/>
-        </p:txBody>
-      </p:sp>
+        </p:nvPicPr>
+        <p:blipFill>
+          <a:blip r:embed="rId2"/>
+          <a:stretch>
+            <a:fillRect/>
+          </a:stretch>
+        </p:blipFill>
+        <p:spPr>
+          <a:xfrm>
+            <a:off x="916428" y="1928560"/>
+            <a:ext cx="3655572" cy="2261560"/>
+          </a:xfrm>
+          <a:prstGeom prst="rect">
+            <a:avLst/>
+          </a:prstGeom>
+        </p:spPr>
+      </p:pic>
+      <p:pic>
+        <p:nvPicPr>
+          <p:cNvPr id="7" name="Picture 6">
+            <a:extLst>
+              <a:ext uri="{FF2B5EF4-FFF2-40B4-BE49-F238E27FC236}">
+                <a16:creationId xmlns:a16="http://schemas.microsoft.com/office/drawing/2014/main" id="{2BC0A9AD-4B5E-219A-B9B5-42C0AF34CD94}"/>
+              </a:ext>
+            </a:extLst>
+          </p:cNvPr>
+          <p:cNvPicPr>
+            <a:picLocks noChangeAspect="1"/>
+          </p:cNvPicPr>
+          <p:nvPr/>
+        </p:nvPicPr>
+        <p:blipFill>
+          <a:blip r:embed="rId3"/>
+          <a:stretch>
+            <a:fillRect/>
+          </a:stretch>
+        </p:blipFill>
+        <p:spPr>
+          <a:xfrm>
+            <a:off x="4572001" y="1928559"/>
+            <a:ext cx="3655572" cy="2229007"/>
+          </a:xfrm>
+          <a:prstGeom prst="rect">
+            <a:avLst/>
+          </a:prstGeom>
+        </p:spPr>
+      </p:pic>
+      <p:pic>
+        <p:nvPicPr>
+          <p:cNvPr id="9" name="Picture 8">
+            <a:extLst>
+              <a:ext uri="{FF2B5EF4-FFF2-40B4-BE49-F238E27FC236}">
+                <a16:creationId xmlns:a16="http://schemas.microsoft.com/office/drawing/2014/main" id="{810E3735-4C7A-5811-3FAC-6B9851CE4ADC}"/>
+              </a:ext>
+            </a:extLst>
+          </p:cNvPr>
+          <p:cNvPicPr>
+            <a:picLocks noChangeAspect="1"/>
+          </p:cNvPicPr>
+          <p:nvPr/>
+        </p:nvPicPr>
+        <p:blipFill>
+          <a:blip r:embed="rId4"/>
+          <a:stretch>
+            <a:fillRect/>
+          </a:stretch>
+        </p:blipFill>
+        <p:spPr>
+          <a:xfrm>
+            <a:off x="822960" y="4190120"/>
+            <a:ext cx="3756986" cy="2116809"/>
+          </a:xfrm>
+          <a:prstGeom prst="rect">
+            <a:avLst/>
+          </a:prstGeom>
+        </p:spPr>
+      </p:pic>
+      <p:pic>
+        <p:nvPicPr>
+          <p:cNvPr id="13" name="Picture 12">
+            <a:extLst>
+              <a:ext uri="{FF2B5EF4-FFF2-40B4-BE49-F238E27FC236}">
+                <a16:creationId xmlns:a16="http://schemas.microsoft.com/office/drawing/2014/main" id="{686D240C-46AE-3331-76F0-65D89D21B22E}"/>
+              </a:ext>
+            </a:extLst>
+          </p:cNvPr>
+          <p:cNvPicPr>
+            <a:picLocks noChangeAspect="1"/>
+          </p:cNvPicPr>
+          <p:nvPr/>
+        </p:nvPicPr>
+        <p:blipFill>
+          <a:blip r:embed="rId5"/>
+          <a:stretch>
+            <a:fillRect/>
+          </a:stretch>
+        </p:blipFill>
+        <p:spPr>
+          <a:xfrm>
+            <a:off x="4609773" y="4348764"/>
+            <a:ext cx="3756987" cy="1776368"/>
+          </a:xfrm>
+          <a:prstGeom prst="rect">
+            <a:avLst/>
+          </a:prstGeom>
+        </p:spPr>
+      </p:pic>
     </p:spTree>
+    <p:extLst>
+      <p:ext uri="{BB962C8B-B14F-4D97-AF65-F5344CB8AC3E}">
+        <p14:creationId xmlns:p14="http://schemas.microsoft.com/office/powerpoint/2010/main" val="579388296"/>
+      </p:ext>
+    </p:extLst>
   </p:cSld>
   <p:clrMapOvr>
     <a:masterClrMapping/>
@@ -3509,7 +7128,7 @@
 </file>
 
 <file path=ppt/slides/slide5.xml><?xml version="1.0" encoding="utf-8"?>
-<p:sld xmlns:a="http://schemas.openxmlformats.org/drawingml/2006/main" xmlns:p="http://schemas.openxmlformats.org/presentationml/2006/main" xmlns:r="http://schemas.openxmlformats.org/officeDocument/2006/relationships">
+<p:sld xmlns:a="http://schemas.openxmlformats.org/drawingml/2006/main" xmlns:r="http://schemas.openxmlformats.org/officeDocument/2006/relationships" xmlns:p="http://schemas.openxmlformats.org/presentationml/2006/main">
   <p:cSld>
     <p:spTree>
       <p:nvGrpSpPr>
@@ -3517,7 +7136,14 @@
         <p:cNvGrpSpPr/>
         <p:nvPr/>
       </p:nvGrpSpPr>
-      <p:grpSpPr/>
+      <p:grpSpPr>
+        <a:xfrm>
+          <a:off x="0" y="0"/>
+          <a:ext cx="0" cy="0"/>
+          <a:chOff x="0" y="0"/>
+          <a:chExt cx="0" cy="0"/>
+        </a:xfrm>
+      </p:grpSpPr>
       <p:sp>
         <p:nvSpPr>
           <p:cNvPr id="2" name="Title 1"/>
@@ -3534,7 +7160,7 @@
           <a:lstStyle/>
           <a:p>
             <a:r>
-              <a:t>Use Case 1 — Sentiment Classification</a:t>
+              <a:t>Modeling Strategy (at a glance)</a:t>
             </a:r>
           </a:p>
         </p:txBody>
@@ -3551,51 +7177,120 @@
         </p:nvSpPr>
         <p:spPr/>
         <p:txBody>
-          <a:bodyPr/>
+          <a:bodyPr>
+            <a:normAutofit/>
+          </a:bodyPr>
           <a:lstStyle/>
           <a:p>
             <a:r>
-              <a:t>Approach:</a:t>
-            </a:r>
-          </a:p>
-          <a:p>
-            <a:r>
-              <a:t>- Compared TF‑IDF + Logistic Regression vs SentenceTransformer embeddings + LR.</a:t>
-            </a:r>
-          </a:p>
-          <a:p>
-            <a:r>
-              <a:t>- Selected TF‑IDF + LR for this task.</a:t>
-            </a:r>
-          </a:p>
-          <a:p/>
-          <a:p>
-            <a:r>
-              <a:t>Why this choice:</a:t>
-            </a:r>
-          </a:p>
-          <a:p>
-            <a:r>
-              <a:t>- Reviews are short/keyword‑heavy → TF‑IDF captures explicit polarity words ('not', 'effective', 'nausea').</a:t>
-            </a:r>
-          </a:p>
-          <a:p>
-            <a:r>
-              <a:t>- Higher F1/accuracy on validation than embeddings.</a:t>
-            </a:r>
-          </a:p>
-          <a:p/>
-          <a:p>
-            <a:r>
-              <a:t>Results (insert your run):</a:t>
-            </a:r>
-          </a:p>
-          <a:p>
-            <a:r>
-              <a:t>- ~80% accuracy; strong recall on positive class.</a:t>
-            </a:r>
-          </a:p>
-          <a:p/>
+              <a:rPr dirty="0"/>
+              <a:t>Features:</a:t>
+            </a:r>
+          </a:p>
+          <a:p>
+            <a:pPr>
+              <a:buFont typeface="Arial" panose="020B0604020202020204" pitchFamily="34" charset="0"/>
+              <a:buChar char="•"/>
+            </a:pPr>
+            <a:r>
+              <a:rPr lang="en-US" dirty="0"/>
+              <a:t> </a:t>
+            </a:r>
+            <a:r>
+              <a:rPr b="1" dirty="0"/>
+              <a:t>Text</a:t>
+            </a:r>
+            <a:r>
+              <a:rPr dirty="0"/>
+              <a:t> → TF‑IDF (for sentiment) and </a:t>
+            </a:r>
+            <a:r>
+              <a:rPr dirty="0" err="1"/>
+              <a:t>SentenceTransformer</a:t>
+            </a:r>
+            <a:r>
+              <a:rPr dirty="0"/>
+              <a:t> embeddings (for cohorts)</a:t>
+            </a:r>
+          </a:p>
+          <a:p>
+            <a:pPr>
+              <a:buFont typeface="Arial" panose="020B0604020202020204" pitchFamily="34" charset="0"/>
+              <a:buChar char="•"/>
+            </a:pPr>
+            <a:r>
+              <a:rPr lang="en-US" b="1" dirty="0"/>
+              <a:t> </a:t>
+            </a:r>
+            <a:r>
+              <a:rPr b="1" dirty="0"/>
+              <a:t>Algorithms</a:t>
+            </a:r>
+            <a:r>
+              <a:rPr dirty="0"/>
+              <a:t>:</a:t>
+            </a:r>
+            <a:r>
+              <a:rPr lang="en-IN" dirty="0"/>
+              <a:t> </a:t>
+            </a:r>
+            <a:endParaRPr dirty="0"/>
+          </a:p>
+          <a:p>
+            <a:r>
+              <a:rPr dirty="0"/>
+              <a:t>- Sentiment: L</a:t>
+            </a:r>
+            <a:r>
+              <a:rPr lang="en-IN" dirty="0" err="1"/>
+              <a:t>inear</a:t>
+            </a:r>
+            <a:r>
+              <a:rPr lang="en-IN" dirty="0"/>
+              <a:t> SVC </a:t>
+            </a:r>
+            <a:r>
+              <a:rPr dirty="0"/>
+              <a:t>(baseline</a:t>
+            </a:r>
+            <a:r>
+              <a:rPr lang="en-IN" dirty="0"/>
+              <a:t>, fast &amp;</a:t>
+            </a:r>
+            <a:r>
+              <a:rPr dirty="0"/>
+              <a:t> interpretable)</a:t>
+            </a:r>
+          </a:p>
+          <a:p>
+            <a:r>
+              <a:rPr dirty="0"/>
+              <a:t>- Effectiveness: Multiclass Logistic/Linear SVM (ordinal)</a:t>
+            </a:r>
+          </a:p>
+          <a:p>
+            <a:r>
+              <a:rPr dirty="0"/>
+              <a:t>- Cohorts: </a:t>
+            </a:r>
+            <a:r>
+              <a:rPr dirty="0" err="1"/>
+              <a:t>MiniBatchKMeans</a:t>
+            </a:r>
+            <a:r>
+              <a:rPr dirty="0"/>
+              <a:t> on normalized embeddings (k via silhouette)</a:t>
+            </a:r>
+          </a:p>
+          <a:p>
+            <a:r>
+              <a:rPr dirty="0"/>
+              <a:t>- Recs: Content‑based cosine similarity over embeddings (+ simple CF roadmap)</a:t>
+            </a:r>
+          </a:p>
+          <a:p>
+            <a:endParaRPr dirty="0"/>
+          </a:p>
         </p:txBody>
       </p:sp>
     </p:spTree>
@@ -3607,7 +7302,7 @@
 </file>
 
 <file path=ppt/slides/slide6.xml><?xml version="1.0" encoding="utf-8"?>
-<p:sld xmlns:a="http://schemas.openxmlformats.org/drawingml/2006/main" xmlns:p="http://schemas.openxmlformats.org/presentationml/2006/main" xmlns:r="http://schemas.openxmlformats.org/officeDocument/2006/relationships">
+<p:sld xmlns:a="http://schemas.openxmlformats.org/drawingml/2006/main" xmlns:r="http://schemas.openxmlformats.org/officeDocument/2006/relationships" xmlns:p="http://schemas.openxmlformats.org/presentationml/2006/main">
   <p:cSld>
     <p:spTree>
       <p:nvGrpSpPr>
@@ -3615,7 +7310,14 @@
         <p:cNvGrpSpPr/>
         <p:nvPr/>
       </p:nvGrpSpPr>
-      <p:grpSpPr/>
+      <p:grpSpPr>
+        <a:xfrm>
+          <a:off x="0" y="0"/>
+          <a:ext cx="0" cy="0"/>
+          <a:chOff x="0" y="0"/>
+          <a:chExt cx="0" cy="0"/>
+        </a:xfrm>
+      </p:grpSpPr>
       <p:sp>
         <p:nvSpPr>
           <p:cNvPr id="2" name="Title 1"/>
@@ -3632,7 +7334,7 @@
           <a:lstStyle/>
           <a:p>
             <a:r>
-              <a:t>Use Case 2 — Effectiveness Rating (5‑class)</a:t>
+              <a:t>Use Case 1 — Sentiment Classification</a:t>
             </a:r>
           </a:p>
         </p:txBody>
@@ -3649,54 +7351,86 @@
         </p:nvSpPr>
         <p:spPr/>
         <p:txBody>
-          <a:bodyPr/>
+          <a:bodyPr>
+            <a:normAutofit lnSpcReduction="10000"/>
+          </a:bodyPr>
           <a:lstStyle/>
           <a:p>
             <a:r>
-              <a:t>Problem: Predict 5‑step effectiveness from reviews + context.</a:t>
-            </a:r>
-          </a:p>
-          <a:p/>
-          <a:p>
-            <a:r>
+              <a:rPr dirty="0"/>
               <a:t>Approach:</a:t>
             </a:r>
           </a:p>
           <a:p>
             <a:r>
-              <a:t>- Text embeddings (SentenceTransformer) + Logistic/Linear SVM (multiclass).</a:t>
-            </a:r>
-          </a:p>
-          <a:p>
-            <a:r>
-              <a:t>- Features: overall review (+ optional condition/medicine one‑hots), rating excluded to avoid leakage.</a:t>
-            </a:r>
-          </a:p>
-          <a:p>
-            <a:r>
-              <a:t>- Metric: macro‑F1 (class balance), accuracy as secondary.</a:t>
-            </a:r>
-          </a:p>
-          <a:p/>
-          <a:p>
-            <a:r>
-              <a:t>Alternatives considered:</a:t>
-            </a:r>
-          </a:p>
-          <a:p>
-            <a:r>
-              <a:t>- Ordinal models (e.g., proportional odds), Gradient Boosting (XGBoost/LightGBM).</a:t>
-            </a:r>
-          </a:p>
-          <a:p>
-            <a:r>
-              <a:t>Rationale:</a:t>
-            </a:r>
-          </a:p>
-          <a:p>
-            <a:r>
-              <a:t>- Start with simple linear baseline on embeddings; extend to ordinal‑aware in next steps.</a:t>
-            </a:r>
+              <a:rPr dirty="0"/>
+              <a:t>- Compared TF‑IDF + Logistic Regression vs </a:t>
+            </a:r>
+            <a:r>
+              <a:rPr dirty="0" err="1"/>
+              <a:t>SentenceTransformer</a:t>
+            </a:r>
+            <a:r>
+              <a:rPr dirty="0"/>
+              <a:t> embeddings + LR.</a:t>
+            </a:r>
+          </a:p>
+          <a:p>
+            <a:r>
+              <a:rPr dirty="0"/>
+              <a:t>- Selected TF‑IDF + </a:t>
+            </a:r>
+            <a:r>
+              <a:rPr lang="en-IN" dirty="0"/>
+              <a:t>Linear SVC</a:t>
+            </a:r>
+            <a:r>
+              <a:rPr dirty="0"/>
+              <a:t> for this task.</a:t>
+            </a:r>
+            <a:endParaRPr lang="en-IN" dirty="0"/>
+          </a:p>
+          <a:p>
+            <a:r>
+              <a:rPr lang="en-IN" dirty="0"/>
+              <a:t>- </a:t>
+            </a:r>
+            <a:r>
+              <a:rPr lang="en-IN" dirty="0" err="1"/>
+              <a:t>StratifiedCV</a:t>
+            </a:r>
+            <a:r>
+              <a:rPr lang="en-IN" dirty="0"/>
+              <a:t> for class-balance</a:t>
+            </a:r>
+            <a:endParaRPr dirty="0"/>
+          </a:p>
+          <a:p>
+            <a:endParaRPr dirty="0"/>
+          </a:p>
+          <a:p>
+            <a:r>
+              <a:rPr dirty="0"/>
+              <a:t>Why this choice:</a:t>
+            </a:r>
+          </a:p>
+          <a:p>
+            <a:r>
+              <a:rPr dirty="0"/>
+              <a:t>- Reviews are short/keyword‑heavy → TF‑IDF captures explicit polarity words ('not', 'effective', 'nausea').</a:t>
+            </a:r>
+          </a:p>
+          <a:p>
+            <a:r>
+              <a:rPr dirty="0"/>
+              <a:t>- Higher F1/accuracy on validation than embeddings.</a:t>
+            </a:r>
+          </a:p>
+          <a:p>
+            <a:endParaRPr dirty="0"/>
+          </a:p>
+          <a:p>
+            <a:endParaRPr dirty="0"/>
           </a:p>
         </p:txBody>
       </p:sp>
@@ -3709,18 +7443,37 @@
 </file>
 
 <file path=ppt/slides/slide7.xml><?xml version="1.0" encoding="utf-8"?>
-<p:sld xmlns:a="http://schemas.openxmlformats.org/drawingml/2006/main" xmlns:p="http://schemas.openxmlformats.org/presentationml/2006/main" xmlns:r="http://schemas.openxmlformats.org/officeDocument/2006/relationships">
+<p:sld xmlns:a="http://schemas.openxmlformats.org/drawingml/2006/main" xmlns:r="http://schemas.openxmlformats.org/officeDocument/2006/relationships" xmlns:p="http://schemas.openxmlformats.org/presentationml/2006/main">
   <p:cSld>
     <p:spTree>
       <p:nvGrpSpPr>
-        <p:cNvPr id="1" name=""/>
+        <p:cNvPr id="1" name="">
+          <a:extLst>
+            <a:ext uri="{FF2B5EF4-FFF2-40B4-BE49-F238E27FC236}">
+              <a16:creationId xmlns:a16="http://schemas.microsoft.com/office/drawing/2014/main" id="{75F6E1D4-02BE-AA94-AC9B-58471B5B1CB6}"/>
+            </a:ext>
+          </a:extLst>
+        </p:cNvPr>
         <p:cNvGrpSpPr/>
         <p:nvPr/>
       </p:nvGrpSpPr>
-      <p:grpSpPr/>
-      <p:sp>
-        <p:nvSpPr>
-          <p:cNvPr id="2" name="Title 1"/>
+      <p:grpSpPr>
+        <a:xfrm>
+          <a:off x="0" y="0"/>
+          <a:ext cx="0" cy="0"/>
+          <a:chOff x="0" y="0"/>
+          <a:chExt cx="0" cy="0"/>
+        </a:xfrm>
+      </p:grpSpPr>
+      <p:sp>
+        <p:nvSpPr>
+          <p:cNvPr id="2" name="Title 1">
+            <a:extLst>
+              <a:ext uri="{FF2B5EF4-FFF2-40B4-BE49-F238E27FC236}">
+                <a16:creationId xmlns:a16="http://schemas.microsoft.com/office/drawing/2014/main" id="{CC381FE4-6BEC-01D1-20A5-D09CD79B3E41}"/>
+              </a:ext>
+            </a:extLst>
+          </p:cNvPr>
           <p:cNvSpPr>
             <a:spLocks noGrp="1"/>
           </p:cNvSpPr>
@@ -3734,14 +7487,26 @@
           <a:lstStyle/>
           <a:p>
             <a:r>
-              <a:t>Use Case 3 — Cohort Discovery (Clustering)</a:t>
-            </a:r>
-          </a:p>
-        </p:txBody>
-      </p:sp>
-      <p:sp>
-        <p:nvSpPr>
-          <p:cNvPr id="3" name="Content Placeholder 2"/>
+              <a:rPr dirty="0"/>
+              <a:t>Use Case 1 — Sentiment</a:t>
+            </a:r>
+            <a:r>
+              <a:rPr lang="en-IN" dirty="0"/>
+              <a:t> Model Results</a:t>
+            </a:r>
+            <a:endParaRPr dirty="0"/>
+          </a:p>
+        </p:txBody>
+      </p:sp>
+      <p:sp>
+        <p:nvSpPr>
+          <p:cNvPr id="3" name="Content Placeholder 2">
+            <a:extLst>
+              <a:ext uri="{FF2B5EF4-FFF2-40B4-BE49-F238E27FC236}">
+                <a16:creationId xmlns:a16="http://schemas.microsoft.com/office/drawing/2014/main" id="{DF2119AD-2663-8EF6-4F63-D42012114F4C}"/>
+              </a:ext>
+            </a:extLst>
+          </p:cNvPr>
           <p:cNvSpPr>
             <a:spLocks noGrp="1"/>
           </p:cNvSpPr>
@@ -3749,49 +7514,135 @@
             <p:ph idx="1"/>
           </p:nvPr>
         </p:nvSpPr>
-        <p:spPr/>
-        <p:txBody>
-          <a:bodyPr/>
+        <p:spPr>
+          <a:xfrm>
+            <a:off x="3539613" y="1845734"/>
+            <a:ext cx="4827148" cy="4023360"/>
+          </a:xfrm>
+        </p:spPr>
+        <p:txBody>
+          <a:bodyPr>
+            <a:normAutofit fontScale="92500" lnSpcReduction="10000"/>
+          </a:bodyPr>
           <a:lstStyle/>
           <a:p>
             <a:r>
-              <a:t>Approach:</a:t>
-            </a:r>
-          </a:p>
-          <a:p>
-            <a:r>
-              <a:t>- SentenceTransformer embeddings of combined text; L2‑normalize.</a:t>
-            </a:r>
-          </a:p>
-          <a:p>
-            <a:r>
-              <a:t>- MiniBatchKMeans; k chosen by silhouette (cosine).</a:t>
-            </a:r>
-          </a:p>
-          <a:p>
-            <a:r>
-              <a:t>- 2D visualization via PCA.</a:t>
-            </a:r>
-          </a:p>
-          <a:p>
-            <a:r>
-              <a:t>- Interpret clusters via top conditions/avg rating and sample reviews (TF‑IDF for labels optional).</a:t>
-            </a:r>
-          </a:p>
-          <a:p/>
-          <a:p>
-            <a:r>
-              <a:t>Why embeddings over TF‑IDF:</a:t>
-            </a:r>
-          </a:p>
-          <a:p>
-            <a:r>
-              <a:t>- Groups by meaning (hypertension ≈ high blood pressure), not just exact words.</a:t>
-            </a:r>
-          </a:p>
-        </p:txBody>
-      </p:sp>
+              <a:rPr lang="en-IN" dirty="0"/>
+              <a:t>Accuracy: 81.9%</a:t>
+            </a:r>
+          </a:p>
+          <a:p>
+            <a:r>
+              <a:rPr lang="en-IN" dirty="0"/>
+              <a:t>F1 (Positive): 0.886</a:t>
+            </a:r>
+          </a:p>
+          <a:p>
+            <a:r>
+              <a:rPr lang="en-IN" dirty="0"/>
+              <a:t>F1 (Negative): 0.565</a:t>
+            </a:r>
+          </a:p>
+          <a:p>
+            <a:r>
+              <a:rPr lang="en-US" b="1" dirty="0"/>
+              <a:t>Insights (bullets):</a:t>
+            </a:r>
+            <a:endParaRPr lang="en-US" dirty="0"/>
+          </a:p>
+          <a:p>
+            <a:r>
+              <a:rPr lang="en-US" dirty="0"/>
+              <a:t>- Model strong at detecting </a:t>
+            </a:r>
+            <a:r>
+              <a:rPr lang="en-US" b="1" dirty="0"/>
+              <a:t>positive reviews</a:t>
+            </a:r>
+            <a:r>
+              <a:rPr lang="en-US" dirty="0"/>
+              <a:t> (high recall: 95%).</a:t>
+            </a:r>
+          </a:p>
+          <a:p>
+            <a:r>
+              <a:rPr lang="en-US" dirty="0"/>
+              <a:t>- Struggles with </a:t>
+            </a:r>
+            <a:r>
+              <a:rPr lang="en-US" b="1" dirty="0"/>
+              <a:t>negative reviews</a:t>
+            </a:r>
+            <a:r>
+              <a:rPr lang="en-US" dirty="0"/>
+              <a:t> (low recall: 45%).</a:t>
+            </a:r>
+          </a:p>
+          <a:p>
+            <a:r>
+              <a:rPr lang="en-US" b="1" dirty="0"/>
+              <a:t>Overall F1: 0.80</a:t>
+            </a:r>
+            <a:r>
+              <a:rPr lang="en-US" dirty="0"/>
+              <a:t> </a:t>
+            </a:r>
+          </a:p>
+          <a:p>
+            <a:r>
+              <a:rPr lang="en-US" dirty="0"/>
+              <a:t>Further Action - Needs improvement in </a:t>
+            </a:r>
+            <a:r>
+              <a:rPr lang="en-US" b="1" dirty="0"/>
+              <a:t>handling class imbalance</a:t>
+            </a:r>
+            <a:r>
+              <a:rPr lang="en-US" dirty="0"/>
+              <a:t>.</a:t>
+            </a:r>
+          </a:p>
+          <a:p>
+            <a:endParaRPr dirty="0"/>
+          </a:p>
+        </p:txBody>
+      </p:sp>
+      <p:pic>
+        <p:nvPicPr>
+          <p:cNvPr id="5" name="Picture 4">
+            <a:extLst>
+              <a:ext uri="{FF2B5EF4-FFF2-40B4-BE49-F238E27FC236}">
+                <a16:creationId xmlns:a16="http://schemas.microsoft.com/office/drawing/2014/main" id="{C7169298-654B-3FC8-79F1-87828899B825}"/>
+              </a:ext>
+            </a:extLst>
+          </p:cNvPr>
+          <p:cNvPicPr>
+            <a:picLocks noChangeAspect="1"/>
+          </p:cNvPicPr>
+          <p:nvPr/>
+        </p:nvPicPr>
+        <p:blipFill>
+          <a:blip r:embed="rId2"/>
+          <a:stretch>
+            <a:fillRect/>
+          </a:stretch>
+        </p:blipFill>
+        <p:spPr>
+          <a:xfrm>
+            <a:off x="777240" y="2649522"/>
+            <a:ext cx="2834886" cy="2232853"/>
+          </a:xfrm>
+          <a:prstGeom prst="rect">
+            <a:avLst/>
+          </a:prstGeom>
+        </p:spPr>
+      </p:pic>
     </p:spTree>
+    <p:extLst>
+      <p:ext uri="{BB962C8B-B14F-4D97-AF65-F5344CB8AC3E}">
+        <p14:creationId xmlns:p14="http://schemas.microsoft.com/office/powerpoint/2010/main" val="1995851674"/>
+      </p:ext>
+    </p:extLst>
   </p:cSld>
   <p:clrMapOvr>
     <a:masterClrMapping/>
@@ -3800,7 +7651,7 @@
 </file>
 
 <file path=ppt/slides/slide8.xml><?xml version="1.0" encoding="utf-8"?>
-<p:sld xmlns:a="http://schemas.openxmlformats.org/drawingml/2006/main" xmlns:p="http://schemas.openxmlformats.org/presentationml/2006/main" xmlns:r="http://schemas.openxmlformats.org/officeDocument/2006/relationships">
+<p:sld xmlns:a="http://schemas.openxmlformats.org/drawingml/2006/main" xmlns:r="http://schemas.openxmlformats.org/officeDocument/2006/relationships" xmlns:p="http://schemas.openxmlformats.org/presentationml/2006/main">
   <p:cSld>
     <p:spTree>
       <p:nvGrpSpPr>
@@ -3808,7 +7659,14 @@
         <p:cNvGrpSpPr/>
         <p:nvPr/>
       </p:nvGrpSpPr>
-      <p:grpSpPr/>
+      <p:grpSpPr>
+        <a:xfrm>
+          <a:off x="0" y="0"/>
+          <a:ext cx="0" cy="0"/>
+          <a:chOff x="0" y="0"/>
+          <a:chExt cx="0" cy="0"/>
+        </a:xfrm>
+      </p:grpSpPr>
       <p:sp>
         <p:nvSpPr>
           <p:cNvPr id="2" name="Title 1"/>
@@ -3825,7 +7683,7 @@
           <a:lstStyle/>
           <a:p>
             <a:r>
-              <a:t>Use Case 4 — Medicine Recommendations</a:t>
+              <a:t>Use Case 2 — Effectiveness Rating (5‑class)</a:t>
             </a:r>
           </a:p>
         </p:txBody>
@@ -3842,54 +7700,202 @@
         </p:nvSpPr>
         <p:spPr/>
         <p:txBody>
-          <a:bodyPr/>
+          <a:bodyPr>
+            <a:noAutofit/>
+          </a:bodyPr>
           <a:lstStyle/>
           <a:p>
-            <a:r>
-              <a:t>Goal: Suggest medicines for a symptom/condition based on prior reviews.</a:t>
-            </a:r>
-          </a:p>
-          <a:p/>
-          <a:p>
-            <a:r>
-              <a:t>Approach (Content‑based):</a:t>
-            </a:r>
-          </a:p>
-          <a:p>
-            <a:r>
-              <a:t>- Encode query (symptom/condition text) and reviews with SentenceTransformer.</a:t>
-            </a:r>
-          </a:p>
-          <a:p>
-            <a:r>
-              <a:t>- For each medicine, compute centroid of its review embeddings.</a:t>
-            </a:r>
-          </a:p>
-          <a:p>
-            <a:r>
-              <a:t>- Rank medicines by cosine similarity to query; filter by rating/effectiveness.</a:t>
-            </a:r>
-          </a:p>
-          <a:p/>
-          <a:p>
-            <a:r>
-              <a:t>Evaluation (offline proxies):</a:t>
-            </a:r>
-          </a:p>
-          <a:p>
-            <a:r>
-              <a:t>- Recall@K using held‑out positive reviews; coverage/diversity.</a:t>
-            </a:r>
-          </a:p>
-          <a:p>
-            <a:r>
-              <a:t>Extensions:</a:t>
-            </a:r>
-          </a:p>
-          <a:p>
-            <a:r>
-              <a:t>- Add simple collaborative filtering from user–medicine interactions when available.</a:t>
-            </a:r>
+            <a:pPr>
+              <a:buFont typeface="Arial" panose="020B0604020202020204" pitchFamily="34" charset="0"/>
+              <a:buChar char="•"/>
+            </a:pPr>
+            <a:r>
+              <a:rPr sz="1300" b="1" dirty="0"/>
+              <a:t>Problem</a:t>
+            </a:r>
+            <a:r>
+              <a:rPr sz="1300" dirty="0"/>
+              <a:t>: Predict 5‑step effectiveness from reviews + context.</a:t>
+            </a:r>
+          </a:p>
+          <a:p>
+            <a:pPr>
+              <a:buFont typeface="Arial" panose="020B0604020202020204" pitchFamily="34" charset="0"/>
+              <a:buChar char="•"/>
+            </a:pPr>
+            <a:r>
+              <a:rPr sz="1300" b="1" dirty="0"/>
+              <a:t>Approach</a:t>
+            </a:r>
+            <a:r>
+              <a:rPr sz="1300" dirty="0"/>
+              <a:t>:</a:t>
+            </a:r>
+          </a:p>
+          <a:p>
+            <a:r>
+              <a:rPr sz="1300" dirty="0"/>
+              <a:t>- </a:t>
+            </a:r>
+            <a:r>
+              <a:rPr lang="en-IN" sz="1300" dirty="0"/>
+              <a:t>TF-IDF+</a:t>
+            </a:r>
+            <a:r>
+              <a:rPr sz="1300" dirty="0"/>
+              <a:t> </a:t>
+            </a:r>
+            <a:r>
+              <a:rPr lang="en-IN" sz="1300" dirty="0"/>
+              <a:t>Multiclass </a:t>
+            </a:r>
+            <a:r>
+              <a:rPr sz="1300" dirty="0"/>
+              <a:t>Linear SV</a:t>
+            </a:r>
+            <a:r>
+              <a:rPr lang="en-IN" sz="1300" dirty="0"/>
+              <a:t>C</a:t>
+            </a:r>
+            <a:r>
+              <a:rPr sz="1300" dirty="0"/>
+              <a:t> </a:t>
+            </a:r>
+            <a:endParaRPr lang="en-IN" sz="1300" dirty="0"/>
+          </a:p>
+          <a:p>
+            <a:r>
+              <a:rPr sz="1300" dirty="0"/>
+              <a:t>- Features: overall review</a:t>
+            </a:r>
+            <a:r>
+              <a:rPr lang="en-IN" sz="1300" dirty="0"/>
+              <a:t> + benefits review + side effects review </a:t>
+            </a:r>
+            <a:r>
+              <a:rPr sz="1300" dirty="0"/>
+              <a:t> </a:t>
+            </a:r>
+            <a:r>
+              <a:rPr lang="en-IN" sz="1300" dirty="0"/>
+              <a:t>+ </a:t>
+            </a:r>
+            <a:r>
+              <a:rPr sz="1300" dirty="0"/>
+              <a:t>(condition/medicine)</a:t>
+            </a:r>
+            <a:r>
+              <a:rPr lang="en-IN" sz="1300" dirty="0"/>
+              <a:t> </a:t>
+            </a:r>
+          </a:p>
+          <a:p>
+            <a:r>
+              <a:rPr lang="en-IN" sz="1300" dirty="0"/>
+              <a:t>- R</a:t>
+            </a:r>
+            <a:r>
+              <a:rPr sz="1300" dirty="0" err="1"/>
+              <a:t>ating</a:t>
+            </a:r>
+            <a:r>
+              <a:rPr lang="en-US" sz="1300" dirty="0"/>
+              <a:t> feature</a:t>
+            </a:r>
+            <a:r>
+              <a:rPr sz="1300" dirty="0"/>
+              <a:t> excluded to avoid leakage.</a:t>
+            </a:r>
+          </a:p>
+          <a:p>
+            <a:r>
+              <a:rPr sz="1300" dirty="0"/>
+              <a:t>- Metric: macro‑F1 (class balance), accuracy as secondary.</a:t>
+            </a:r>
+          </a:p>
+          <a:p>
+            <a:pPr>
+              <a:buFont typeface="Arial" panose="020B0604020202020204" pitchFamily="34" charset="0"/>
+              <a:buChar char="•"/>
+            </a:pPr>
+            <a:r>
+              <a:rPr sz="1300" b="1" dirty="0"/>
+              <a:t>Alternatives considered:</a:t>
+            </a:r>
+          </a:p>
+          <a:p>
+            <a:r>
+              <a:rPr sz="1300" dirty="0"/>
+              <a:t>- </a:t>
+            </a:r>
+            <a:r>
+              <a:rPr lang="en-US" sz="1300" dirty="0"/>
+              <a:t>  </a:t>
+            </a:r>
+            <a:r>
+              <a:rPr sz="1300" dirty="0"/>
+              <a:t>Gradient Boosting (</a:t>
+            </a:r>
+            <a:r>
+              <a:rPr sz="1300" dirty="0" err="1"/>
+              <a:t>XGBoost</a:t>
+            </a:r>
+            <a:r>
+              <a:rPr sz="1300" dirty="0"/>
+              <a:t>/</a:t>
+            </a:r>
+            <a:r>
+              <a:rPr sz="1300" dirty="0" err="1"/>
+              <a:t>LightGBM</a:t>
+            </a:r>
+            <a:r>
+              <a:rPr sz="1300" dirty="0"/>
+              <a:t>)</a:t>
+            </a:r>
+            <a:r>
+              <a:rPr lang="en-US" sz="1300" dirty="0"/>
+              <a:t> – Compute Heavy</a:t>
+            </a:r>
+          </a:p>
+          <a:p>
+            <a:r>
+              <a:rPr lang="en-US" sz="1300" dirty="0"/>
+              <a:t>-   SMOTE Oversampling Technique (works best for numerical values, not textual)</a:t>
+            </a:r>
+            <a:endParaRPr sz="1300" dirty="0"/>
+          </a:p>
+          <a:p>
+            <a:pPr>
+              <a:buFont typeface="Arial" panose="020B0604020202020204" pitchFamily="34" charset="0"/>
+              <a:buChar char="•"/>
+            </a:pPr>
+            <a:r>
+              <a:rPr sz="1300" b="1" dirty="0"/>
+              <a:t>Rationale</a:t>
+            </a:r>
+            <a:r>
+              <a:rPr sz="1300" dirty="0"/>
+              <a:t>:</a:t>
+            </a:r>
+          </a:p>
+          <a:p>
+            <a:r>
+              <a:rPr sz="1300" dirty="0"/>
+              <a:t>- </a:t>
+            </a:r>
+            <a:r>
+              <a:rPr lang="en-IN" sz="1300" dirty="0"/>
+              <a:t>Stick</a:t>
+            </a:r>
+            <a:r>
+              <a:rPr sz="1300" dirty="0"/>
+              <a:t> with simple linear baseline</a:t>
+            </a:r>
+            <a:r>
+              <a:rPr lang="en-IN" sz="1300" dirty="0"/>
+              <a:t> model Like SVC (Robust with imbalanced data)  class weight as ‘balanced’.</a:t>
+            </a:r>
+            <a:endParaRPr sz="1300" dirty="0"/>
           </a:p>
         </p:txBody>
       </p:sp>
@@ -3902,18 +7908,37 @@
 </file>
 
 <file path=ppt/slides/slide9.xml><?xml version="1.0" encoding="utf-8"?>
-<p:sld xmlns:a="http://schemas.openxmlformats.org/drawingml/2006/main" xmlns:p="http://schemas.openxmlformats.org/presentationml/2006/main" xmlns:r="http://schemas.openxmlformats.org/officeDocument/2006/relationships">
+<p:sld xmlns:a="http://schemas.openxmlformats.org/drawingml/2006/main" xmlns:r="http://schemas.openxmlformats.org/officeDocument/2006/relationships" xmlns:p="http://schemas.openxmlformats.org/presentationml/2006/main">
   <p:cSld>
     <p:spTree>
       <p:nvGrpSpPr>
-        <p:cNvPr id="1" name=""/>
+        <p:cNvPr id="1" name="">
+          <a:extLst>
+            <a:ext uri="{FF2B5EF4-FFF2-40B4-BE49-F238E27FC236}">
+              <a16:creationId xmlns:a16="http://schemas.microsoft.com/office/drawing/2014/main" id="{3F7409BE-356E-DABF-FA68-B171E113660C}"/>
+            </a:ext>
+          </a:extLst>
+        </p:cNvPr>
         <p:cNvGrpSpPr/>
         <p:nvPr/>
       </p:nvGrpSpPr>
-      <p:grpSpPr/>
-      <p:sp>
-        <p:nvSpPr>
-          <p:cNvPr id="2" name="Title 1"/>
+      <p:grpSpPr>
+        <a:xfrm>
+          <a:off x="0" y="0"/>
+          <a:ext cx="0" cy="0"/>
+          <a:chOff x="0" y="0"/>
+          <a:chExt cx="0" cy="0"/>
+        </a:xfrm>
+      </p:grpSpPr>
+      <p:sp>
+        <p:nvSpPr>
+          <p:cNvPr id="2" name="Title 1">
+            <a:extLst>
+              <a:ext uri="{FF2B5EF4-FFF2-40B4-BE49-F238E27FC236}">
+                <a16:creationId xmlns:a16="http://schemas.microsoft.com/office/drawing/2014/main" id="{58D73600-1881-FB12-D46A-CE41412D0462}"/>
+              </a:ext>
+            </a:extLst>
+          </p:cNvPr>
           <p:cNvSpPr>
             <a:spLocks noGrp="1"/>
           </p:cNvSpPr>
@@ -3927,14 +7952,26 @@
           <a:lstStyle/>
           <a:p>
             <a:r>
-              <a:t>Assumptions, Risks &amp; Controls</a:t>
-            </a:r>
-          </a:p>
-        </p:txBody>
-      </p:sp>
-      <p:sp>
-        <p:nvSpPr>
-          <p:cNvPr id="3" name="Content Placeholder 2"/>
+              <a:rPr dirty="0"/>
+              <a:t>Use Case 2 — Effectiveness Rating</a:t>
+            </a:r>
+            <a:r>
+              <a:rPr lang="en-US" dirty="0"/>
+              <a:t> Results</a:t>
+            </a:r>
+            <a:endParaRPr dirty="0"/>
+          </a:p>
+        </p:txBody>
+      </p:sp>
+      <p:sp>
+        <p:nvSpPr>
+          <p:cNvPr id="3" name="Content Placeholder 2">
+            <a:extLst>
+              <a:ext uri="{FF2B5EF4-FFF2-40B4-BE49-F238E27FC236}">
+                <a16:creationId xmlns:a16="http://schemas.microsoft.com/office/drawing/2014/main" id="{EEE731A3-15D9-0D27-07D5-58C71F4233F4}"/>
+              </a:ext>
+            </a:extLst>
+          </p:cNvPr>
           <p:cNvSpPr>
             <a:spLocks noGrp="1"/>
           </p:cNvSpPr>
@@ -3942,50 +7979,203 @@
             <p:ph idx="1"/>
           </p:nvPr>
         </p:nvSpPr>
-        <p:spPr/>
-        <p:txBody>
-          <a:bodyPr/>
+        <p:spPr>
+          <a:xfrm>
+            <a:off x="822959" y="1845733"/>
+            <a:ext cx="7543801" cy="4505905"/>
+          </a:xfrm>
+        </p:spPr>
+        <p:txBody>
+          <a:bodyPr>
+            <a:normAutofit/>
+          </a:bodyPr>
           <a:lstStyle/>
           <a:p>
             <a:r>
-              <a:t>Assumptions:</a:t>
-            </a:r>
-          </a:p>
-          <a:p>
-            <a:r>
-              <a:t>- Reviews reflect real outcomes; labels consistent across products.</a:t>
-            </a:r>
-          </a:p>
-          <a:p/>
-          <a:p>
-            <a:r>
-              <a:t>Risks &amp; Mitigations:</a:t>
-            </a:r>
-          </a:p>
-          <a:p>
-            <a:r>
-              <a:t>- Class imbalance → stratified splits, class weights, macro‑F1.</a:t>
-            </a:r>
-          </a:p>
-          <a:p>
-            <a:r>
-              <a:t>- Noisy text/newlines → robust TSV parsing, NA/length filters, dedupes.</a:t>
-            </a:r>
-          </a:p>
-          <a:p>
-            <a:r>
-              <a:t>- Data leakage → exclude rating when predicting effectiveness; fit vectorizers on train only.</a:t>
-            </a:r>
-          </a:p>
-          <a:p>
-            <a:r>
-              <a:t>- Bias/representativeness → manual audit of clusters and recommendations.</a:t>
-            </a:r>
-          </a:p>
-          <a:p/>
+              <a:rPr sz="1600" dirty="0"/>
+              <a:t>Problem: Predict 5‑step effectiveness from reviews + context.</a:t>
+            </a:r>
+            <a:r>
+              <a:rPr lang="en-US" sz="1600" dirty="0"/>
+              <a:t> </a:t>
+            </a:r>
+          </a:p>
+          <a:p>
+            <a:pPr>
+              <a:buFont typeface="Arial" panose="020B0604020202020204" pitchFamily="34" charset="0"/>
+              <a:buChar char="•"/>
+            </a:pPr>
+            <a:r>
+              <a:rPr lang="en-US" sz="1600" b="1" dirty="0"/>
+              <a:t>Insight:</a:t>
+            </a:r>
+            <a:r>
+              <a:rPr lang="en-US" sz="1600" dirty="0"/>
+              <a:t> The model is </a:t>
+            </a:r>
+            <a:r>
+              <a:rPr lang="en-US" sz="1600" b="1" dirty="0"/>
+              <a:t>biased toward majority/clearer classes</a:t>
+            </a:r>
+            <a:r>
+              <a:rPr lang="en-US" sz="1600" dirty="0"/>
+              <a:t> (e.g., “highly effective”) but fails on smaller/ambiguous ones (“marginally/moderately effective”). The system is </a:t>
+            </a:r>
+            <a:r>
+              <a:rPr lang="en-US" sz="1600" b="1" dirty="0"/>
+              <a:t>better at detecting strong positive feedback.</a:t>
+            </a:r>
+            <a:endParaRPr lang="en-US" sz="1600" dirty="0"/>
+          </a:p>
+          <a:p>
+            <a:pPr>
+              <a:buFont typeface="Arial" panose="020B0604020202020204" pitchFamily="34" charset="0"/>
+              <a:buChar char="•"/>
+            </a:pPr>
+            <a:r>
+              <a:rPr lang="en-US" sz="1600" dirty="0"/>
+              <a:t> </a:t>
+            </a:r>
+            <a:r>
+              <a:rPr lang="en-US" sz="1600" b="1" u="sng" dirty="0"/>
+              <a:t>Class-wise Performance</a:t>
+            </a:r>
+          </a:p>
+          <a:p>
+            <a:pPr lvl="1"/>
+            <a:r>
+              <a:rPr lang="en-US" sz="1400" b="1" dirty="0"/>
+              <a:t>Highly effective</a:t>
+            </a:r>
+            <a:r>
+              <a:rPr lang="en-US" sz="1400" dirty="0"/>
+              <a:t> is predicted best (F1 ≈ 0.60), meaning the model reliably identifies strong positive cases.</a:t>
+            </a:r>
+          </a:p>
+          <a:p>
+            <a:pPr lvl="1"/>
+            <a:r>
+              <a:rPr lang="en-US" sz="1400" b="1" dirty="0"/>
+              <a:t>Considerably effective</a:t>
+            </a:r>
+            <a:r>
+              <a:rPr lang="en-US" sz="1400" dirty="0"/>
+              <a:t> shows moderate performance (F1 ≈ 0.38).</a:t>
+            </a:r>
+          </a:p>
+          <a:p>
+            <a:pPr lvl="1"/>
+            <a:r>
+              <a:rPr lang="en-US" sz="1400" b="1" dirty="0"/>
+              <a:t>Ineffective</a:t>
+            </a:r>
+            <a:r>
+              <a:rPr lang="en-US" sz="1400" dirty="0"/>
+              <a:t> is partially captured (F1 ≈ 0.40)</a:t>
+            </a:r>
+          </a:p>
+          <a:p>
+            <a:pPr lvl="1"/>
+            <a:r>
+              <a:rPr lang="en-US" sz="1400" b="1" dirty="0"/>
+              <a:t>Marginally effective</a:t>
+            </a:r>
+            <a:r>
+              <a:rPr lang="en-US" sz="1400" dirty="0"/>
+              <a:t> is </a:t>
+            </a:r>
+            <a:r>
+              <a:rPr lang="en-US" sz="1400" b="1" dirty="0"/>
+              <a:t>very poorly captured</a:t>
+            </a:r>
+            <a:r>
+              <a:rPr lang="en-US" sz="1400" dirty="0"/>
+              <a:t> (F1 ≈ 0.10)  (low no. of samples)</a:t>
+            </a:r>
+          </a:p>
+          <a:p>
+            <a:pPr lvl="1"/>
+            <a:r>
+              <a:rPr lang="en-US" sz="1400" b="1" dirty="0"/>
+              <a:t>Moderately effective</a:t>
+            </a:r>
+            <a:r>
+              <a:rPr lang="en-US" sz="1400" dirty="0"/>
+              <a:t> also weak (F1 ≈ 0.23). q</a:t>
+            </a:r>
+          </a:p>
+          <a:p>
+            <a:pPr>
+              <a:buFont typeface="Arial" panose="020B0604020202020204" pitchFamily="34" charset="0"/>
+              <a:buChar char="•"/>
+            </a:pPr>
+            <a:r>
+              <a:rPr lang="en-US" sz="1600" b="1" u="sng" dirty="0"/>
+              <a:t> Overall Model Performance </a:t>
+            </a:r>
+            <a:r>
+              <a:rPr lang="en-US" sz="1600" dirty="0"/>
+              <a:t>- </a:t>
+            </a:r>
+            <a:r>
+              <a:rPr lang="en-IN" sz="1600" dirty="0"/>
+              <a:t>Validation Accuracy = </a:t>
+            </a:r>
+            <a:r>
+              <a:rPr lang="en-IN" sz="1600" b="1" dirty="0"/>
+              <a:t>45.7% </a:t>
+            </a:r>
+            <a:r>
+              <a:rPr lang="en-IN" sz="1600" dirty="0"/>
+              <a:t>&amp;</a:t>
+            </a:r>
+            <a:r>
+              <a:rPr lang="en-IN" sz="1600" b="1" dirty="0"/>
+              <a:t> </a:t>
+            </a:r>
+            <a:r>
+              <a:rPr lang="en-IN" sz="1600" dirty="0"/>
+              <a:t>Macro-F1 = </a:t>
+            </a:r>
+            <a:r>
+              <a:rPr lang="en-IN" sz="1600" b="1" dirty="0"/>
+              <a:t>0.345 </a:t>
+            </a:r>
+          </a:p>
+          <a:p>
+            <a:pPr>
+              <a:buFont typeface="Arial" panose="020B0604020202020204" pitchFamily="34" charset="0"/>
+              <a:buChar char="•"/>
+            </a:pPr>
+            <a:r>
+              <a:rPr lang="en-US" sz="1600" b="1" dirty="0"/>
+              <a:t> Risk</a:t>
+            </a:r>
+            <a:r>
+              <a:rPr lang="en-US" sz="1600" dirty="0"/>
+              <a:t> - under-reporting low/mid effectiveness feedback missing nuanced dissatisfaction</a:t>
+            </a:r>
+          </a:p>
+          <a:p>
+            <a:endParaRPr lang="en-US" dirty="0"/>
+          </a:p>
+          <a:p>
+            <a:endParaRPr lang="en-US" dirty="0"/>
+          </a:p>
+          <a:p>
+            <a:pPr marL="0" indent="0">
+              <a:buNone/>
+            </a:pPr>
+            <a:endParaRPr dirty="0"/>
+          </a:p>
         </p:txBody>
       </p:sp>
     </p:spTree>
+    <p:extLst>
+      <p:ext uri="{BB962C8B-B14F-4D97-AF65-F5344CB8AC3E}">
+        <p14:creationId xmlns:p14="http://schemas.microsoft.com/office/powerpoint/2010/main" val="277015598"/>
+      </p:ext>
+    </p:extLst>
   </p:cSld>
   <p:clrMapOvr>
     <a:masterClrMapping/>
@@ -3994,49 +8184,49 @@
 </file>
 
 <file path=ppt/theme/theme1.xml><?xml version="1.0" encoding="utf-8"?>
-<a:theme xmlns:a="http://schemas.openxmlformats.org/drawingml/2006/main" name="Office Theme">
+<a:theme xmlns:a="http://schemas.openxmlformats.org/drawingml/2006/main" name="Retrospect">
   <a:themeElements>
-    <a:clrScheme name="Office">
+    <a:clrScheme name="Retrospect">
       <a:dk1>
-        <a:sysClr val="windowText" lastClr="000000"/>
+        <a:srgbClr val="000000"/>
       </a:dk1>
       <a:lt1>
         <a:sysClr val="window" lastClr="FFFFFF"/>
       </a:lt1>
       <a:dk2>
-        <a:srgbClr val="1F497D"/>
+        <a:srgbClr val="637052"/>
       </a:dk2>
       <a:lt2>
-        <a:srgbClr val="EEECE1"/>
+        <a:srgbClr val="CCDDEA"/>
       </a:lt2>
       <a:accent1>
-        <a:srgbClr val="4F81BD"/>
+        <a:srgbClr val="E48312"/>
       </a:accent1>
       <a:accent2>
-        <a:srgbClr val="C0504D"/>
+        <a:srgbClr val="BD582C"/>
       </a:accent2>
       <a:accent3>
-        <a:srgbClr val="9BBB59"/>
+        <a:srgbClr val="865640"/>
       </a:accent3>
       <a:accent4>
-        <a:srgbClr val="8064A2"/>
+        <a:srgbClr val="9B8357"/>
       </a:accent4>
       <a:accent5>
-        <a:srgbClr val="4BACC6"/>
+        <a:srgbClr val="C2BC80"/>
       </a:accent5>
       <a:accent6>
-        <a:srgbClr val="F79646"/>
+        <a:srgbClr val="94A088"/>
       </a:accent6>
       <a:hlink>
-        <a:srgbClr val="0000FF"/>
+        <a:srgbClr val="2998E3"/>
       </a:hlink>
       <a:folHlink>
-        <a:srgbClr val="800080"/>
+        <a:srgbClr val="8C8C8C"/>
       </a:folHlink>
     </a:clrScheme>
-    <a:fontScheme name="Office">
+    <a:fontScheme name="Retrospect">
       <a:majorFont>
-        <a:latin typeface="Calibri"/>
+        <a:latin typeface="Calibri Light" panose="020F0302020204030204"/>
         <a:ea typeface=""/>
         <a:cs typeface=""/>
         <a:font script="Jpan" typeface="ＭＳ Ｐゴシック"/>
@@ -4071,7 +8261,7 @@
         <a:font script="Geor" typeface="Sylfaen"/>
       </a:majorFont>
       <a:minorFont>
-        <a:latin typeface="Calibri"/>
+        <a:latin typeface="Calibri" panose="020F0502020204030204"/>
         <a:ea typeface=""/>
         <a:cs typeface=""/>
         <a:font script="Jpan" typeface="ＭＳ Ｐゴシック"/>
@@ -4106,7 +8296,7 @@
         <a:font script="Geor" typeface="Sylfaen"/>
       </a:minorFont>
     </a:fontScheme>
-    <a:fmtScheme name="Office">
+    <a:fmtScheme name="Retrospect">
       <a:fillStyleLst>
         <a:solidFill>
           <a:schemeClr val="phClr"/>
@@ -4115,52 +8305,73 @@
           <a:gsLst>
             <a:gs pos="0">
               <a:schemeClr val="phClr">
-                <a:tint val="50000"/>
-                <a:satMod val="300000"/>
+                <a:tint val="65000"/>
+                <a:shade val="92000"/>
+                <a:satMod val="130000"/>
               </a:schemeClr>
             </a:gs>
-            <a:gs pos="35000">
+            <a:gs pos="45000">
               <a:schemeClr val="phClr">
-                <a:tint val="37000"/>
-                <a:satMod val="300000"/>
+                <a:tint val="60000"/>
+                <a:shade val="99000"/>
+                <a:satMod val="120000"/>
               </a:schemeClr>
             </a:gs>
             <a:gs pos="100000">
               <a:schemeClr val="phClr">
-                <a:tint val="15000"/>
-                <a:satMod val="350000"/>
+                <a:tint val="55000"/>
+                <a:satMod val="140000"/>
               </a:schemeClr>
             </a:gs>
           </a:gsLst>
-          <a:lin ang="16200000" scaled="1"/>
+          <a:path path="circle">
+            <a:fillToRect l="100000" t="100000" r="100000" b="100000"/>
+          </a:path>
         </a:gradFill>
         <a:gradFill rotWithShape="1">
           <a:gsLst>
             <a:gs pos="0">
               <a:schemeClr val="phClr">
+                <a:shade val="85000"/>
+                <a:satMod val="130000"/>
+              </a:schemeClr>
+            </a:gs>
+            <a:gs pos="34000">
+              <a:schemeClr val="phClr">
+                <a:shade val="87000"/>
+                <a:satMod val="125000"/>
+              </a:schemeClr>
+            </a:gs>
+            <a:gs pos="70000">
+              <a:schemeClr val="phClr">
                 <a:tint val="100000"/>
-                <a:shade val="100000"/>
+                <a:shade val="90000"/>
                 <a:satMod val="130000"/>
               </a:schemeClr>
             </a:gs>
             <a:gs pos="100000">
               <a:schemeClr val="phClr">
-                <a:tint val="50000"/>
+                <a:tint val="100000"/>
                 <a:shade val="100000"/>
-                <a:satMod val="350000"/>
+                <a:satMod val="110000"/>
               </a:schemeClr>
             </a:gs>
           </a:gsLst>
-          <a:lin ang="16200000" scaled="0"/>
+          <a:path path="circle">
+            <a:fillToRect l="100000" t="100000" r="100000" b="100000"/>
+          </a:path>
         </a:gradFill>
       </a:fillStyleLst>
       <a:lnStyleLst>
-        <a:ln w="9525" cap="flat" cmpd="sng" algn="ctr">
+        <a:ln w="12700" cap="flat" cmpd="sng" algn="ctr">
           <a:solidFill>
-            <a:schemeClr val="phClr">
-              <a:shade val="95000"/>
-              <a:satMod val="105000"/>
-            </a:schemeClr>
+            <a:schemeClr val="phClr"/>
+          </a:solidFill>
+          <a:prstDash val="solid"/>
+        </a:ln>
+        <a:ln w="15875" cap="flat" cmpd="sng" algn="ctr">
+          <a:solidFill>
+            <a:schemeClr val="phClr"/>
           </a:solidFill>
           <a:prstDash val="solid"/>
         </a:ln>
@@ -4170,37 +8381,25 @@
           </a:solidFill>
           <a:prstDash val="solid"/>
         </a:ln>
-        <a:ln w="38100" cap="flat" cmpd="sng" algn="ctr">
-          <a:solidFill>
-            <a:schemeClr val="phClr"/>
-          </a:solidFill>
-          <a:prstDash val="solid"/>
-        </a:ln>
       </a:lnStyleLst>
       <a:effectStyleLst>
         <a:effectStyle>
+          <a:effectLst/>
+        </a:effectStyle>
+        <a:effectStyle>
           <a:effectLst>
-            <a:outerShdw blurRad="40000" dist="20000" dir="5400000" rotWithShape="0">
+            <a:outerShdw blurRad="38100" dist="25400" dir="2700000" algn="br" rotWithShape="0">
               <a:srgbClr val="000000">
-                <a:alpha val="38000"/>
+                <a:alpha val="60000"/>
               </a:srgbClr>
             </a:outerShdw>
           </a:effectLst>
         </a:effectStyle>
         <a:effectStyle>
           <a:effectLst>
-            <a:outerShdw blurRad="40000" dist="23000" dir="5400000" rotWithShape="0">
+            <a:outerShdw blurRad="44450" dist="25400" dir="2700000" algn="br" rotWithShape="0">
               <a:srgbClr val="000000">
-                <a:alpha val="35000"/>
-              </a:srgbClr>
-            </a:outerShdw>
-          </a:effectLst>
-        </a:effectStyle>
-        <a:effectStyle>
-          <a:effectLst>
-            <a:outerShdw blurRad="40000" dist="23000" dir="5400000" rotWithShape="0">
-              <a:srgbClr val="000000">
-                <a:alpha val="35000"/>
+                <a:alpha val="60000"/>
               </a:srgbClr>
             </a:outerShdw>
           </a:effectLst>
@@ -4209,11 +8408,11 @@
               <a:rot lat="0" lon="0" rev="0"/>
             </a:camera>
             <a:lightRig rig="threePt" dir="t">
-              <a:rot lat="0" lon="0" rev="1200000"/>
+              <a:rot lat="0" lon="0" rev="19800000"/>
             </a:lightRig>
           </a:scene3d>
-          <a:sp3d>
-            <a:bevelT w="63500" h="25400"/>
+          <a:sp3d prstMaterial="flat">
+            <a:bevelT w="25400" h="31750"/>
           </a:sp3d>
         </a:effectStyle>
       </a:effectStyleLst>
@@ -4221,94 +8420,48 @@
         <a:solidFill>
           <a:schemeClr val="phClr"/>
         </a:solidFill>
+        <a:solidFill>
+          <a:schemeClr val="phClr">
+            <a:tint val="90000"/>
+            <a:shade val="97000"/>
+            <a:satMod val="130000"/>
+          </a:schemeClr>
+        </a:solidFill>
         <a:gradFill rotWithShape="1">
           <a:gsLst>
             <a:gs pos="0">
               <a:schemeClr val="phClr">
-                <a:tint val="40000"/>
-                <a:satMod val="350000"/>
+                <a:tint val="96000"/>
+                <a:shade val="99000"/>
+                <a:satMod val="140000"/>
               </a:schemeClr>
             </a:gs>
-            <a:gs pos="40000">
+            <a:gs pos="65000">
               <a:schemeClr val="phClr">
-                <a:tint val="45000"/>
-                <a:shade val="99000"/>
-                <a:satMod val="350000"/>
+                <a:tint val="100000"/>
+                <a:shade val="80000"/>
+                <a:satMod val="130000"/>
               </a:schemeClr>
             </a:gs>
             <a:gs pos="100000">
               <a:schemeClr val="phClr">
-                <a:shade val="20000"/>
-                <a:satMod val="255000"/>
+                <a:tint val="100000"/>
+                <a:shade val="48000"/>
+                <a:satMod val="120000"/>
               </a:schemeClr>
             </a:gs>
           </a:gsLst>
-          <a:path path="circle">
-            <a:fillToRect l="50000" t="-80000" r="50000" b="180000"/>
-          </a:path>
-        </a:gradFill>
-        <a:gradFill rotWithShape="1">
-          <a:gsLst>
-            <a:gs pos="0">
-              <a:schemeClr val="phClr">
-                <a:tint val="80000"/>
-                <a:satMod val="300000"/>
-              </a:schemeClr>
-            </a:gs>
-            <a:gs pos="100000">
-              <a:schemeClr val="phClr">
-                <a:shade val="30000"/>
-                <a:satMod val="200000"/>
-              </a:schemeClr>
-            </a:gs>
-          </a:gsLst>
-          <a:path path="circle">
-            <a:fillToRect l="50000" t="50000" r="50000" b="50000"/>
-          </a:path>
+          <a:lin ang="16200000" scaled="0"/>
         </a:gradFill>
       </a:bgFillStyleLst>
     </a:fmtScheme>
   </a:themeElements>
-  <a:objectDefaults>
-    <a:spDef>
-      <a:spPr/>
-      <a:bodyPr/>
-      <a:lstStyle/>
-      <a:style>
-        <a:lnRef idx="1">
-          <a:schemeClr val="accent1"/>
-        </a:lnRef>
-        <a:fillRef idx="3">
-          <a:schemeClr val="accent1"/>
-        </a:fillRef>
-        <a:effectRef idx="2">
-          <a:schemeClr val="accent1"/>
-        </a:effectRef>
-        <a:fontRef idx="minor">
-          <a:schemeClr val="lt1"/>
-        </a:fontRef>
-      </a:style>
-    </a:spDef>
-    <a:lnDef>
-      <a:spPr/>
-      <a:bodyPr/>
-      <a:lstStyle/>
-      <a:style>
-        <a:lnRef idx="2">
-          <a:schemeClr val="accent1"/>
-        </a:lnRef>
-        <a:fillRef idx="0">
-          <a:schemeClr val="accent1"/>
-        </a:fillRef>
-        <a:effectRef idx="1">
-          <a:schemeClr val="accent1"/>
-        </a:effectRef>
-        <a:fontRef idx="minor">
-          <a:schemeClr val="tx1"/>
-        </a:fontRef>
-      </a:style>
-    </a:lnDef>
-  </a:objectDefaults>
+  <a:objectDefaults/>
   <a:extraClrSchemeLst/>
+  <a:extLst>
+    <a:ext uri="{05A4C25C-085E-4340-85A3-A5531E510DB2}">
+      <thm15:themeFamily xmlns:thm15="http://schemas.microsoft.com/office/thememl/2012/main" name="Retrospect" id="{5F128B03-DCCA-4EEB-AB3B-CF2899314A46}" vid="{3F1AAB62-24C6-49D2-8E01-B56FAC9A3DCD}"/>
+    </a:ext>
+  </a:extLst>
 </a:theme>
 </file>